--- a/backend/core/templates/core/audit_report_template_en.pptx
+++ b/backend/core/templates/core/audit_report_template_en.pptx
@@ -6,6 +6,9 @@
   </p:sldMasterIdLst>
   <p:sldIdLst>
     <p:sldId id="256" r:id="rId2"/>
+    <p:sldId id="257" r:id="rId3"/>
+    <p:sldId id="258" r:id="rId4"/>
+    <p:sldId id="259" r:id="rId5"/>
   </p:sldIdLst>
   <p:sldSz cx="12192000" cy="6858000"/>
   <p:notesSz cx="6858000" cy="9144000"/>
@@ -104,6 +107,11 @@
       </a:defRPr>
     </a:lvl9pPr>
   </p:defaultTextStyle>
+  <p:extLst>
+    <p:ext uri="{EFAFB233-063F-42B5-8137-9DF3F51BA10A}">
+      <p15:sldGuideLst xmlns:p15="http://schemas.microsoft.com/office/powerpoint/2012/main"/>
+    </p:ext>
+  </p:extLst>
 </p:presentation>
 </file>
 
@@ -256,7 +264,7 @@
           <a:p>
             <a:fld id="{7CD783A5-BC47-ED4D-84DA-4F8B01B4E4C0}" type="datetimeFigureOut">
               <a:rPr lang="en-FR" smtClean="0"/>
-              <a:t>23/10/2025</a:t>
+              <a:t>05/01/2026</a:t>
             </a:fld>
             <a:endParaRPr lang="en-FR"/>
           </a:p>
@@ -456,7 +464,7 @@
           <a:p>
             <a:fld id="{7CD783A5-BC47-ED4D-84DA-4F8B01B4E4C0}" type="datetimeFigureOut">
               <a:rPr lang="en-FR" smtClean="0"/>
-              <a:t>23/10/2025</a:t>
+              <a:t>05/01/2026</a:t>
             </a:fld>
             <a:endParaRPr lang="en-FR"/>
           </a:p>
@@ -666,7 +674,7 @@
           <a:p>
             <a:fld id="{7CD783A5-BC47-ED4D-84DA-4F8B01B4E4C0}" type="datetimeFigureOut">
               <a:rPr lang="en-FR" smtClean="0"/>
-              <a:t>23/10/2025</a:t>
+              <a:t>05/01/2026</a:t>
             </a:fld>
             <a:endParaRPr lang="en-FR"/>
           </a:p>
@@ -740,7 +748,7 @@
 </file>
 
 <file path=ppt/slideLayouts/slideLayout2.xml><?xml version="1.0" encoding="utf-8"?>
-<p:sldLayout xmlns:a="http://schemas.openxmlformats.org/drawingml/2006/main" xmlns:r="http://schemas.openxmlformats.org/officeDocument/2006/relationships" xmlns:p="http://schemas.openxmlformats.org/presentationml/2006/main" type="obj" preserve="1">
+<p:sldLayout xmlns:a="http://schemas.openxmlformats.org/drawingml/2006/main" xmlns:r="http://schemas.openxmlformats.org/officeDocument/2006/relationships" xmlns:p="http://schemas.openxmlformats.org/presentationml/2006/main" preserve="1" userDrawn="1">
   <p:cSld name="Title and Content">
     <p:spTree>
       <p:nvGrpSpPr>
@@ -866,7 +874,7 @@
           <a:p>
             <a:fld id="{7CD783A5-BC47-ED4D-84DA-4F8B01B4E4C0}" type="datetimeFigureOut">
               <a:rPr lang="en-FR" smtClean="0"/>
-              <a:t>23/10/2025</a:t>
+              <a:t>05/01/2026</a:t>
             </a:fld>
             <a:endParaRPr lang="en-FR"/>
           </a:p>
@@ -1142,7 +1150,7 @@
           <a:p>
             <a:fld id="{7CD783A5-BC47-ED4D-84DA-4F8B01B4E4C0}" type="datetimeFigureOut">
               <a:rPr lang="en-FR" smtClean="0"/>
-              <a:t>23/10/2025</a:t>
+              <a:t>05/01/2026</a:t>
             </a:fld>
             <a:endParaRPr lang="en-FR"/>
           </a:p>
@@ -1410,7 +1418,7 @@
           <a:p>
             <a:fld id="{7CD783A5-BC47-ED4D-84DA-4F8B01B4E4C0}" type="datetimeFigureOut">
               <a:rPr lang="en-FR" smtClean="0"/>
-              <a:t>23/10/2025</a:t>
+              <a:t>05/01/2026</a:t>
             </a:fld>
             <a:endParaRPr lang="en-FR"/>
           </a:p>
@@ -1825,7 +1833,7 @@
           <a:p>
             <a:fld id="{7CD783A5-BC47-ED4D-84DA-4F8B01B4E4C0}" type="datetimeFigureOut">
               <a:rPr lang="en-FR" smtClean="0"/>
-              <a:t>23/10/2025</a:t>
+              <a:t>05/01/2026</a:t>
             </a:fld>
             <a:endParaRPr lang="en-FR"/>
           </a:p>
@@ -1967,7 +1975,7 @@
           <a:p>
             <a:fld id="{7CD783A5-BC47-ED4D-84DA-4F8B01B4E4C0}" type="datetimeFigureOut">
               <a:rPr lang="en-FR" smtClean="0"/>
-              <a:t>23/10/2025</a:t>
+              <a:t>05/01/2026</a:t>
             </a:fld>
             <a:endParaRPr lang="en-FR"/>
           </a:p>
@@ -2080,7 +2088,7 @@
           <a:p>
             <a:fld id="{7CD783A5-BC47-ED4D-84DA-4F8B01B4E4C0}" type="datetimeFigureOut">
               <a:rPr lang="en-FR" smtClean="0"/>
-              <a:t>23/10/2025</a:t>
+              <a:t>05/01/2026</a:t>
             </a:fld>
             <a:endParaRPr lang="en-FR"/>
           </a:p>
@@ -2393,7 +2401,7 @@
           <a:p>
             <a:fld id="{7CD783A5-BC47-ED4D-84DA-4F8B01B4E4C0}" type="datetimeFigureOut">
               <a:rPr lang="en-FR" smtClean="0"/>
-              <a:t>23/10/2025</a:t>
+              <a:t>05/01/2026</a:t>
             </a:fld>
             <a:endParaRPr lang="en-FR"/>
           </a:p>
@@ -2682,7 +2690,7 @@
           <a:p>
             <a:fld id="{7CD783A5-BC47-ED4D-84DA-4F8B01B4E4C0}" type="datetimeFigureOut">
               <a:rPr lang="en-FR" smtClean="0"/>
-              <a:t>23/10/2025</a:t>
+              <a:t>05/01/2026</a:t>
             </a:fld>
             <a:endParaRPr lang="en-FR"/>
           </a:p>
@@ -2925,7 +2933,7 @@
           <a:p>
             <a:fld id="{7CD783A5-BC47-ED4D-84DA-4F8B01B4E4C0}" type="datetimeFigureOut">
               <a:rPr lang="en-FR" smtClean="0"/>
-              <a:t>23/10/2025</a:t>
+              <a:t>05/01/2026</a:t>
             </a:fld>
             <a:endParaRPr lang="en-FR"/>
           </a:p>
@@ -3364,40 +3372,65 @@
           <a:lstStyle/>
           <a:p>
             <a:r>
+              <a:rPr lang="en-US" dirty="0"/>
+              <a:t>{{</a:t>
+            </a:r>
+            <a:r>
+              <a:rPr lang="en-US" dirty="0" err="1"/>
+              <a:t>audit_name</a:t>
+            </a:r>
+            <a:r>
+              <a:rPr lang="en-US" dirty="0"/>
+              <a:t>}}</a:t>
+            </a:r>
+            <a:br>
+              <a:rPr lang="en-US" dirty="0"/>
+            </a:br>
+            <a:endParaRPr lang="en-FR" dirty="0"/>
+          </a:p>
+        </p:txBody>
+      </p:sp>
+      <p:sp>
+        <p:nvSpPr>
+          <p:cNvPr id="3" name="Subtitle 2">
+            <a:extLst>
+              <a:ext uri="{FF2B5EF4-FFF2-40B4-BE49-F238E27FC236}">
+                <a16:creationId xmlns:a16="http://schemas.microsoft.com/office/drawing/2014/main" id="{F67D5A75-94B3-B72E-B925-A1ABAE11BC30}"/>
+              </a:ext>
+            </a:extLst>
+          </p:cNvPr>
+          <p:cNvSpPr>
+            <a:spLocks noGrp="1"/>
+          </p:cNvSpPr>
+          <p:nvPr>
+            <p:ph type="subTitle" idx="1"/>
+          </p:nvPr>
+        </p:nvSpPr>
+        <p:spPr/>
+        <p:txBody>
+          <a:bodyPr/>
+          <a:lstStyle/>
+          <a:p>
+            <a:r>
+              <a:rPr lang="en-FR" dirty="0"/>
+              <a:t>CISO Assistant – audit report</a:t>
+            </a:r>
+          </a:p>
+          <a:p>
+            <a:endParaRPr lang="en-FR" dirty="0"/>
+          </a:p>
+          <a:p>
+            <a:r>
               <a:rPr lang="en-GB" dirty="0"/>
-              <a:t>M</a:t>
-            </a:r>
-            <a:r>
-              <a:rPr lang="en-FR" dirty="0"/>
-              <a:t>y presentation</a:t>
-            </a:r>
-          </a:p>
-        </p:txBody>
-      </p:sp>
-      <p:sp>
-        <p:nvSpPr>
-          <p:cNvPr id="3" name="Subtitle 2">
-            <a:extLst>
-              <a:ext uri="{FF2B5EF4-FFF2-40B4-BE49-F238E27FC236}">
-                <a16:creationId xmlns:a16="http://schemas.microsoft.com/office/drawing/2014/main" id="{F67D5A75-94B3-B72E-B925-A1ABAE11BC30}"/>
-              </a:ext>
-            </a:extLst>
-          </p:cNvPr>
-          <p:cNvSpPr>
-            <a:spLocks noGrp="1"/>
-          </p:cNvSpPr>
-          <p:nvPr>
-            <p:ph type="subTitle" idx="1"/>
-          </p:nvPr>
-        </p:nvSpPr>
-        <p:spPr/>
-        <p:txBody>
-          <a:bodyPr/>
-          <a:lstStyle/>
-          <a:p>
-            <a:r>
-              <a:rPr lang="en-FR" dirty="0"/>
-              <a:t>{{ here }}</a:t>
+              <a:t>{{</a:t>
+            </a:r>
+            <a:r>
+              <a:rPr lang="en-GB" dirty="0" err="1"/>
+              <a:t>framework_name</a:t>
+            </a:r>
+            <a:r>
+              <a:rPr lang="en-GB" dirty="0"/>
+              <a:t>}}</a:t>
             </a:r>
           </a:p>
         </p:txBody>
@@ -3406,6 +3439,331 @@
     <p:extLst>
       <p:ext uri="{BB962C8B-B14F-4D97-AF65-F5344CB8AC3E}">
         <p14:creationId xmlns:p14="http://schemas.microsoft.com/office/powerpoint/2010/main" val="2227980164"/>
+      </p:ext>
+    </p:extLst>
+  </p:cSld>
+  <p:clrMapOvr>
+    <a:masterClrMapping/>
+  </p:clrMapOvr>
+</p:sld>
+</file>
+
+<file path=ppt/slides/slide2.xml><?xml version="1.0" encoding="utf-8"?>
+<p:sld xmlns:a="http://schemas.openxmlformats.org/drawingml/2006/main" xmlns:r="http://schemas.openxmlformats.org/officeDocument/2006/relationships" xmlns:p="http://schemas.openxmlformats.org/presentationml/2006/main">
+  <p:cSld>
+    <p:spTree>
+      <p:nvGrpSpPr>
+        <p:cNvPr id="1" name=""/>
+        <p:cNvGrpSpPr/>
+        <p:nvPr/>
+      </p:nvGrpSpPr>
+      <p:grpSpPr>
+        <a:xfrm>
+          <a:off x="0" y="0"/>
+          <a:ext cx="0" cy="0"/>
+          <a:chOff x="0" y="0"/>
+          <a:chExt cx="0" cy="0"/>
+        </a:xfrm>
+      </p:grpSpPr>
+      <p:sp>
+        <p:nvSpPr>
+          <p:cNvPr id="2" name="Title 1">
+            <a:extLst>
+              <a:ext uri="{FF2B5EF4-FFF2-40B4-BE49-F238E27FC236}">
+                <a16:creationId xmlns:a16="http://schemas.microsoft.com/office/drawing/2014/main" id="{25F2C3F3-AE9B-80B9-5DF6-0DC44453D321}"/>
+              </a:ext>
+            </a:extLst>
+          </p:cNvPr>
+          <p:cNvSpPr>
+            <a:spLocks noGrp="1"/>
+          </p:cNvSpPr>
+          <p:nvPr>
+            <p:ph type="title"/>
+          </p:nvPr>
+        </p:nvSpPr>
+        <p:spPr/>
+        <p:txBody>
+          <a:bodyPr/>
+          <a:lstStyle/>
+          <a:p>
+            <a:r>
+              <a:rPr lang="en-FR" dirty="0"/>
+              <a:t>Compliance overview</a:t>
+            </a:r>
+          </a:p>
+        </p:txBody>
+      </p:sp>
+      <p:sp>
+        <p:nvSpPr>
+          <p:cNvPr id="8" name="Rectangle 7">
+            <a:extLst>
+              <a:ext uri="{FF2B5EF4-FFF2-40B4-BE49-F238E27FC236}">
+                <a16:creationId xmlns:a16="http://schemas.microsoft.com/office/drawing/2014/main" id="{B0BE4B8C-4514-D35C-1363-F69A5A687542}"/>
+              </a:ext>
+            </a:extLst>
+          </p:cNvPr>
+          <p:cNvSpPr/>
+          <p:nvPr/>
+        </p:nvSpPr>
+        <p:spPr>
+          <a:xfrm>
+            <a:off x="3535997" y="2582920"/>
+            <a:ext cx="5399405" cy="3239770"/>
+          </a:xfrm>
+          <a:prstGeom prst="rect">
+            <a:avLst/>
+          </a:prstGeom>
+        </p:spPr>
+        <p:style>
+          <a:lnRef idx="2">
+            <a:schemeClr val="accent1">
+              <a:shade val="15000"/>
+            </a:schemeClr>
+          </a:lnRef>
+          <a:fillRef idx="1">
+            <a:schemeClr val="accent1"/>
+          </a:fillRef>
+          <a:effectRef idx="0">
+            <a:schemeClr val="accent1"/>
+          </a:effectRef>
+          <a:fontRef idx="minor">
+            <a:schemeClr val="lt1"/>
+          </a:fontRef>
+        </p:style>
+        <p:txBody>
+          <a:bodyPr rtlCol="0" anchor="ctr"/>
+          <a:lstStyle/>
+          <a:p>
+            <a:pPr algn="ctr"/>
+            <a:r>
+              <a:rPr lang="en-GB" dirty="0"/>
+              <a:t>{{</a:t>
+            </a:r>
+            <a:r>
+              <a:rPr lang="en-GB" dirty="0" err="1"/>
+              <a:t>compliance_donut</a:t>
+            </a:r>
+            <a:r>
+              <a:rPr lang="en-GB" dirty="0"/>
+              <a:t>}}</a:t>
+            </a:r>
+            <a:endParaRPr lang="en-FR" dirty="0"/>
+          </a:p>
+        </p:txBody>
+      </p:sp>
+    </p:spTree>
+    <p:extLst>
+      <p:ext uri="{BB962C8B-B14F-4D97-AF65-F5344CB8AC3E}">
+        <p14:creationId xmlns:p14="http://schemas.microsoft.com/office/powerpoint/2010/main" val="3953274088"/>
+      </p:ext>
+    </p:extLst>
+  </p:cSld>
+  <p:clrMapOvr>
+    <a:masterClrMapping/>
+  </p:clrMapOvr>
+</p:sld>
+</file>
+
+<file path=ppt/slides/slide3.xml><?xml version="1.0" encoding="utf-8"?>
+<p:sld xmlns:a="http://schemas.openxmlformats.org/drawingml/2006/main" xmlns:r="http://schemas.openxmlformats.org/officeDocument/2006/relationships" xmlns:p="http://schemas.openxmlformats.org/presentationml/2006/main">
+  <p:cSld>
+    <p:spTree>
+      <p:nvGrpSpPr>
+        <p:cNvPr id="1" name=""/>
+        <p:cNvGrpSpPr/>
+        <p:nvPr/>
+      </p:nvGrpSpPr>
+      <p:grpSpPr>
+        <a:xfrm>
+          <a:off x="0" y="0"/>
+          <a:ext cx="0" cy="0"/>
+          <a:chOff x="0" y="0"/>
+          <a:chExt cx="0" cy="0"/>
+        </a:xfrm>
+      </p:grpSpPr>
+      <p:sp>
+        <p:nvSpPr>
+          <p:cNvPr id="2" name="Title 1">
+            <a:extLst>
+              <a:ext uri="{FF2B5EF4-FFF2-40B4-BE49-F238E27FC236}">
+                <a16:creationId xmlns:a16="http://schemas.microsoft.com/office/drawing/2014/main" id="{3FF955CE-8BD2-7DD6-59A6-0C63AB649903}"/>
+              </a:ext>
+            </a:extLst>
+          </p:cNvPr>
+          <p:cNvSpPr>
+            <a:spLocks noGrp="1"/>
+          </p:cNvSpPr>
+          <p:nvPr>
+            <p:ph type="title"/>
+          </p:nvPr>
+        </p:nvSpPr>
+        <p:spPr/>
+        <p:txBody>
+          <a:bodyPr/>
+          <a:lstStyle/>
+          <a:p>
+            <a:r>
+              <a:rPr lang="en-FR" dirty="0"/>
+              <a:t>Controls breakdown</a:t>
+            </a:r>
+          </a:p>
+        </p:txBody>
+      </p:sp>
+      <p:sp>
+        <p:nvSpPr>
+          <p:cNvPr id="5" name="Rectangle 4">
+            <a:extLst>
+              <a:ext uri="{FF2B5EF4-FFF2-40B4-BE49-F238E27FC236}">
+                <a16:creationId xmlns:a16="http://schemas.microsoft.com/office/drawing/2014/main" id="{6F52AE81-2B76-70F5-2E6F-D5D477BEAD9B}"/>
+              </a:ext>
+            </a:extLst>
+          </p:cNvPr>
+          <p:cNvSpPr/>
+          <p:nvPr/>
+        </p:nvSpPr>
+        <p:spPr>
+          <a:xfrm>
+            <a:off x="3778664" y="2369203"/>
+            <a:ext cx="5399405" cy="3239770"/>
+          </a:xfrm>
+          <a:prstGeom prst="rect">
+            <a:avLst/>
+          </a:prstGeom>
+        </p:spPr>
+        <p:style>
+          <a:lnRef idx="2">
+            <a:schemeClr val="accent1">
+              <a:shade val="15000"/>
+            </a:schemeClr>
+          </a:lnRef>
+          <a:fillRef idx="1">
+            <a:schemeClr val="accent1"/>
+          </a:fillRef>
+          <a:effectRef idx="0">
+            <a:schemeClr val="accent1"/>
+          </a:effectRef>
+          <a:fontRef idx="minor">
+            <a:schemeClr val="lt1"/>
+          </a:fontRef>
+        </p:style>
+        <p:txBody>
+          <a:bodyPr rtlCol="0" anchor="ctr"/>
+          <a:lstStyle/>
+          <a:p>
+            <a:pPr algn="ctr"/>
+            <a:r>
+              <a:rPr lang="en-FR" dirty="0"/>
+              <a:t>{{chart_controls}}</a:t>
+            </a:r>
+          </a:p>
+        </p:txBody>
+      </p:sp>
+    </p:spTree>
+    <p:extLst>
+      <p:ext uri="{BB962C8B-B14F-4D97-AF65-F5344CB8AC3E}">
+        <p14:creationId xmlns:p14="http://schemas.microsoft.com/office/powerpoint/2010/main" val="121933325"/>
+      </p:ext>
+    </p:extLst>
+  </p:cSld>
+  <p:clrMapOvr>
+    <a:masterClrMapping/>
+  </p:clrMapOvr>
+</p:sld>
+</file>
+
+<file path=ppt/slides/slide4.xml><?xml version="1.0" encoding="utf-8"?>
+<p:sld xmlns:a="http://schemas.openxmlformats.org/drawingml/2006/main" xmlns:r="http://schemas.openxmlformats.org/officeDocument/2006/relationships" xmlns:p="http://schemas.openxmlformats.org/presentationml/2006/main">
+  <p:cSld>
+    <p:spTree>
+      <p:nvGrpSpPr>
+        <p:cNvPr id="1" name=""/>
+        <p:cNvGrpSpPr/>
+        <p:nvPr/>
+      </p:nvGrpSpPr>
+      <p:grpSpPr>
+        <a:xfrm>
+          <a:off x="0" y="0"/>
+          <a:ext cx="0" cy="0"/>
+          <a:chOff x="0" y="0"/>
+          <a:chExt cx="0" cy="0"/>
+        </a:xfrm>
+      </p:grpSpPr>
+      <p:sp>
+        <p:nvSpPr>
+          <p:cNvPr id="2" name="Title 1">
+            <a:extLst>
+              <a:ext uri="{FF2B5EF4-FFF2-40B4-BE49-F238E27FC236}">
+                <a16:creationId xmlns:a16="http://schemas.microsoft.com/office/drawing/2014/main" id="{FFF777E3-CD97-C5A0-4E84-AE49469FB37D}"/>
+              </a:ext>
+            </a:extLst>
+          </p:cNvPr>
+          <p:cNvSpPr>
+            <a:spLocks noGrp="1"/>
+          </p:cNvSpPr>
+          <p:nvPr>
+            <p:ph type="title"/>
+          </p:nvPr>
+        </p:nvSpPr>
+        <p:spPr/>
+        <p:txBody>
+          <a:bodyPr/>
+          <a:lstStyle/>
+          <a:p>
+            <a:r>
+              <a:rPr lang="en-GB" dirty="0"/>
+              <a:t>A</a:t>
+            </a:r>
+            <a:r>
+              <a:rPr lang="en-FR" dirty="0"/>
+              <a:t>ll controls</a:t>
+            </a:r>
+          </a:p>
+        </p:txBody>
+      </p:sp>
+      <p:sp>
+        <p:nvSpPr>
+          <p:cNvPr id="3" name="Content Placeholder 2">
+            <a:extLst>
+              <a:ext uri="{FF2B5EF4-FFF2-40B4-BE49-F238E27FC236}">
+                <a16:creationId xmlns:a16="http://schemas.microsoft.com/office/drawing/2014/main" id="{BEC9753F-2F0C-F265-190A-E291557E3F84}"/>
+              </a:ext>
+            </a:extLst>
+          </p:cNvPr>
+          <p:cNvSpPr>
+            <a:spLocks noGrp="1"/>
+          </p:cNvSpPr>
+          <p:nvPr>
+            <p:ph idx="1"/>
+          </p:nvPr>
+        </p:nvSpPr>
+        <p:spPr/>
+        <p:txBody>
+          <a:bodyPr/>
+          <a:lstStyle/>
+          <a:p>
+            <a:pPr marL="0" indent="0">
+              <a:buNone/>
+            </a:pPr>
+            <a:r>
+              <a:rPr lang="en-GB" dirty="0"/>
+              <a:t>{{</a:t>
+            </a:r>
+            <a:r>
+              <a:rPr lang="en-GB" dirty="0" err="1"/>
+              <a:t>table_full_controls</a:t>
+            </a:r>
+            <a:r>
+              <a:rPr lang="en-GB" dirty="0"/>
+              <a:t>}}</a:t>
+            </a:r>
+            <a:endParaRPr lang="en-FR" dirty="0"/>
+          </a:p>
+        </p:txBody>
+      </p:sp>
+    </p:spTree>
+    <p:extLst>
+      <p:ext uri="{BB962C8B-B14F-4D97-AF65-F5344CB8AC3E}">
+        <p14:creationId xmlns:p14="http://schemas.microsoft.com/office/powerpoint/2010/main" val="2873116916"/>
       </p:ext>
     </p:extLst>
   </p:cSld>

--- a/backend/core/templates/core/audit_report_template_en.pptx
+++ b/backend/core/templates/core/audit_report_template_en.pptx
@@ -1,14 +1,18 @@
 
 <file path=ppt/presentation.xml><?xml version="1.0" encoding="utf-8"?>
-<p:presentation xmlns:a="http://schemas.openxmlformats.org/drawingml/2006/main" xmlns:r="http://schemas.openxmlformats.org/officeDocument/2006/relationships" xmlns:p="http://schemas.openxmlformats.org/presentationml/2006/main" saveSubsetFonts="1" autoCompressPictures="0">
+<p:presentation xmlns:a="http://schemas.openxmlformats.org/drawingml/2006/main" xmlns:r="http://schemas.openxmlformats.org/officeDocument/2006/relationships" xmlns:p="http://schemas.openxmlformats.org/presentationml/2006/main" showSpecialPlsOnTitleSld="0" saveSubsetFonts="1" autoCompressPictures="0">
   <p:sldMasterIdLst>
     <p:sldMasterId id="2147483648" r:id="rId1"/>
   </p:sldMasterIdLst>
+  <p:notesMasterIdLst>
+    <p:notesMasterId r:id="rId7"/>
+  </p:notesMasterIdLst>
   <p:sldIdLst>
     <p:sldId id="256" r:id="rId2"/>
-    <p:sldId id="257" r:id="rId3"/>
-    <p:sldId id="258" r:id="rId4"/>
-    <p:sldId id="259" r:id="rId5"/>
+    <p:sldId id="260" r:id="rId3"/>
+    <p:sldId id="257" r:id="rId4"/>
+    <p:sldId id="258" r:id="rId5"/>
+    <p:sldId id="259" r:id="rId6"/>
   </p:sldIdLst>
   <p:sldSz cx="12192000" cy="6858000"/>
   <p:notesSz cx="6858000" cy="9144000"/>
@@ -115,6 +119,356 @@
 </p:presentation>
 </file>
 
+<file path=ppt/notesMasters/notesMaster1.xml><?xml version="1.0" encoding="utf-8"?>
+<p:notesMaster xmlns:a="http://schemas.openxmlformats.org/drawingml/2006/main" xmlns:r="http://schemas.openxmlformats.org/officeDocument/2006/relationships" xmlns:p="http://schemas.openxmlformats.org/presentationml/2006/main">
+  <p:cSld>
+    <p:bg>
+      <p:bgRef idx="1001">
+        <a:schemeClr val="bg1"/>
+      </p:bgRef>
+    </p:bg>
+    <p:spTree>
+      <p:nvGrpSpPr>
+        <p:cNvPr id="1" name=""/>
+        <p:cNvGrpSpPr/>
+        <p:nvPr/>
+      </p:nvGrpSpPr>
+      <p:grpSpPr>
+        <a:xfrm>
+          <a:off x="0" y="0"/>
+          <a:ext cx="0" cy="0"/>
+          <a:chOff x="0" y="0"/>
+          <a:chExt cx="0" cy="0"/>
+        </a:xfrm>
+      </p:grpSpPr>
+      <p:sp>
+        <p:nvSpPr>
+          <p:cNvPr id="2" name="Header Placeholder 1"/>
+          <p:cNvSpPr>
+            <a:spLocks noGrp="1"/>
+          </p:cNvSpPr>
+          <p:nvPr>
+            <p:ph type="hdr" sz="quarter"/>
+          </p:nvPr>
+        </p:nvSpPr>
+        <p:spPr>
+          <a:xfrm>
+            <a:off x="0" y="0"/>
+            <a:ext cx="2971800" cy="458788"/>
+          </a:xfrm>
+          <a:prstGeom prst="rect">
+            <a:avLst/>
+          </a:prstGeom>
+        </p:spPr>
+        <p:txBody>
+          <a:bodyPr vert="horz" lIns="91440" tIns="45720" rIns="91440" bIns="45720" rtlCol="0"/>
+          <a:lstStyle>
+            <a:lvl1pPr algn="l">
+              <a:defRPr sz="1200"/>
+            </a:lvl1pPr>
+          </a:lstStyle>
+          <a:p>
+            <a:endParaRPr lang="en-FR"/>
+          </a:p>
+        </p:txBody>
+      </p:sp>
+      <p:sp>
+        <p:nvSpPr>
+          <p:cNvPr id="3" name="Date Placeholder 2"/>
+          <p:cNvSpPr>
+            <a:spLocks noGrp="1"/>
+          </p:cNvSpPr>
+          <p:nvPr>
+            <p:ph type="dt" idx="1"/>
+          </p:nvPr>
+        </p:nvSpPr>
+        <p:spPr>
+          <a:xfrm>
+            <a:off x="3884613" y="0"/>
+            <a:ext cx="2971800" cy="458788"/>
+          </a:xfrm>
+          <a:prstGeom prst="rect">
+            <a:avLst/>
+          </a:prstGeom>
+        </p:spPr>
+        <p:txBody>
+          <a:bodyPr vert="horz" lIns="91440" tIns="45720" rIns="91440" bIns="45720" rtlCol="0"/>
+          <a:lstStyle>
+            <a:lvl1pPr algn="r">
+              <a:defRPr sz="1200"/>
+            </a:lvl1pPr>
+          </a:lstStyle>
+          <a:p>
+            <a:fld id="{A7FAE7A7-2902-574B-A71C-EC27DC0C2C2E}" type="datetimeFigureOut">
+              <a:rPr lang="en-FR" smtClean="0"/>
+              <a:t>06/01/2026</a:t>
+            </a:fld>
+            <a:endParaRPr lang="en-FR"/>
+          </a:p>
+        </p:txBody>
+      </p:sp>
+      <p:sp>
+        <p:nvSpPr>
+          <p:cNvPr id="4" name="Slide Image Placeholder 3"/>
+          <p:cNvSpPr>
+            <a:spLocks noGrp="1" noRot="1" noChangeAspect="1"/>
+          </p:cNvSpPr>
+          <p:nvPr>
+            <p:ph type="sldImg" idx="2"/>
+          </p:nvPr>
+        </p:nvSpPr>
+        <p:spPr>
+          <a:xfrm>
+            <a:off x="685800" y="1143000"/>
+            <a:ext cx="5486400" cy="3086100"/>
+          </a:xfrm>
+          <a:prstGeom prst="rect">
+            <a:avLst/>
+          </a:prstGeom>
+          <a:noFill/>
+          <a:ln w="12700">
+            <a:solidFill>
+              <a:prstClr val="black"/>
+            </a:solidFill>
+          </a:ln>
+        </p:spPr>
+        <p:txBody>
+          <a:bodyPr vert="horz" lIns="91440" tIns="45720" rIns="91440" bIns="45720" rtlCol="0" anchor="ctr"/>
+          <a:lstStyle/>
+          <a:p>
+            <a:endParaRPr lang="en-FR"/>
+          </a:p>
+        </p:txBody>
+      </p:sp>
+      <p:sp>
+        <p:nvSpPr>
+          <p:cNvPr id="5" name="Notes Placeholder 4"/>
+          <p:cNvSpPr>
+            <a:spLocks noGrp="1"/>
+          </p:cNvSpPr>
+          <p:nvPr>
+            <p:ph type="body" sz="quarter" idx="3"/>
+          </p:nvPr>
+        </p:nvSpPr>
+        <p:spPr>
+          <a:xfrm>
+            <a:off x="685800" y="4400550"/>
+            <a:ext cx="5486400" cy="3600450"/>
+          </a:xfrm>
+          <a:prstGeom prst="rect">
+            <a:avLst/>
+          </a:prstGeom>
+        </p:spPr>
+        <p:txBody>
+          <a:bodyPr vert="horz" lIns="91440" tIns="45720" rIns="91440" bIns="45720" rtlCol="0"/>
+          <a:lstStyle/>
+          <a:p>
+            <a:pPr lvl="0"/>
+            <a:r>
+              <a:rPr lang="en-GB"/>
+              <a:t>Click to edit Master text styles</a:t>
+            </a:r>
+          </a:p>
+          <a:p>
+            <a:pPr lvl="1"/>
+            <a:r>
+              <a:rPr lang="en-GB"/>
+              <a:t>Second level</a:t>
+            </a:r>
+          </a:p>
+          <a:p>
+            <a:pPr lvl="2"/>
+            <a:r>
+              <a:rPr lang="en-GB"/>
+              <a:t>Third level</a:t>
+            </a:r>
+          </a:p>
+          <a:p>
+            <a:pPr lvl="3"/>
+            <a:r>
+              <a:rPr lang="en-GB"/>
+              <a:t>Fourth level</a:t>
+            </a:r>
+          </a:p>
+          <a:p>
+            <a:pPr lvl="4"/>
+            <a:r>
+              <a:rPr lang="en-GB"/>
+              <a:t>Fifth level</a:t>
+            </a:r>
+            <a:endParaRPr lang="en-FR"/>
+          </a:p>
+        </p:txBody>
+      </p:sp>
+      <p:sp>
+        <p:nvSpPr>
+          <p:cNvPr id="6" name="Footer Placeholder 5"/>
+          <p:cNvSpPr>
+            <a:spLocks noGrp="1"/>
+          </p:cNvSpPr>
+          <p:nvPr>
+            <p:ph type="ftr" sz="quarter" idx="4"/>
+          </p:nvPr>
+        </p:nvSpPr>
+        <p:spPr>
+          <a:xfrm>
+            <a:off x="0" y="8685213"/>
+            <a:ext cx="2971800" cy="458787"/>
+          </a:xfrm>
+          <a:prstGeom prst="rect">
+            <a:avLst/>
+          </a:prstGeom>
+        </p:spPr>
+        <p:txBody>
+          <a:bodyPr vert="horz" lIns="91440" tIns="45720" rIns="91440" bIns="45720" rtlCol="0" anchor="b"/>
+          <a:lstStyle>
+            <a:lvl1pPr algn="l">
+              <a:defRPr sz="1200"/>
+            </a:lvl1pPr>
+          </a:lstStyle>
+          <a:p>
+            <a:endParaRPr lang="en-FR"/>
+          </a:p>
+        </p:txBody>
+      </p:sp>
+      <p:sp>
+        <p:nvSpPr>
+          <p:cNvPr id="7" name="Slide Number Placeholder 6"/>
+          <p:cNvSpPr>
+            <a:spLocks noGrp="1"/>
+          </p:cNvSpPr>
+          <p:nvPr>
+            <p:ph type="sldNum" sz="quarter" idx="5"/>
+          </p:nvPr>
+        </p:nvSpPr>
+        <p:spPr>
+          <a:xfrm>
+            <a:off x="3884613" y="8685213"/>
+            <a:ext cx="2971800" cy="458787"/>
+          </a:xfrm>
+          <a:prstGeom prst="rect">
+            <a:avLst/>
+          </a:prstGeom>
+        </p:spPr>
+        <p:txBody>
+          <a:bodyPr vert="horz" lIns="91440" tIns="45720" rIns="91440" bIns="45720" rtlCol="0" anchor="b"/>
+          <a:lstStyle>
+            <a:lvl1pPr algn="r">
+              <a:defRPr sz="1200"/>
+            </a:lvl1pPr>
+          </a:lstStyle>
+          <a:p>
+            <a:fld id="{80FF6685-FA6B-DD42-BE8A-2841A9387CAC}" type="slidenum">
+              <a:rPr lang="en-FR" smtClean="0"/>
+              <a:t>‹#›</a:t>
+            </a:fld>
+            <a:endParaRPr lang="en-FR"/>
+          </a:p>
+        </p:txBody>
+      </p:sp>
+    </p:spTree>
+    <p:extLst>
+      <p:ext uri="{BB962C8B-B14F-4D97-AF65-F5344CB8AC3E}">
+        <p14:creationId xmlns:p14="http://schemas.microsoft.com/office/powerpoint/2010/main" val="2431460208"/>
+      </p:ext>
+    </p:extLst>
+  </p:cSld>
+  <p:clrMap bg1="lt1" tx1="dk1" bg2="lt2" tx2="dk2" accent1="accent1" accent2="accent2" accent3="accent3" accent4="accent4" accent5="accent5" accent6="accent6" hlink="hlink" folHlink="folHlink"/>
+  <p:notesStyle>
+    <a:lvl1pPr marL="0" algn="l" defTabSz="914400" rtl="0" eaLnBrk="1" latinLnBrk="0" hangingPunct="1">
+      <a:defRPr sz="1200" kern="1200">
+        <a:solidFill>
+          <a:schemeClr val="tx1"/>
+        </a:solidFill>
+        <a:latin typeface="+mn-lt"/>
+        <a:ea typeface="+mn-ea"/>
+        <a:cs typeface="+mn-cs"/>
+      </a:defRPr>
+    </a:lvl1pPr>
+    <a:lvl2pPr marL="457200" algn="l" defTabSz="914400" rtl="0" eaLnBrk="1" latinLnBrk="0" hangingPunct="1">
+      <a:defRPr sz="1200" kern="1200">
+        <a:solidFill>
+          <a:schemeClr val="tx1"/>
+        </a:solidFill>
+        <a:latin typeface="+mn-lt"/>
+        <a:ea typeface="+mn-ea"/>
+        <a:cs typeface="+mn-cs"/>
+      </a:defRPr>
+    </a:lvl2pPr>
+    <a:lvl3pPr marL="914400" algn="l" defTabSz="914400" rtl="0" eaLnBrk="1" latinLnBrk="0" hangingPunct="1">
+      <a:defRPr sz="1200" kern="1200">
+        <a:solidFill>
+          <a:schemeClr val="tx1"/>
+        </a:solidFill>
+        <a:latin typeface="+mn-lt"/>
+        <a:ea typeface="+mn-ea"/>
+        <a:cs typeface="+mn-cs"/>
+      </a:defRPr>
+    </a:lvl3pPr>
+    <a:lvl4pPr marL="1371600" algn="l" defTabSz="914400" rtl="0" eaLnBrk="1" latinLnBrk="0" hangingPunct="1">
+      <a:defRPr sz="1200" kern="1200">
+        <a:solidFill>
+          <a:schemeClr val="tx1"/>
+        </a:solidFill>
+        <a:latin typeface="+mn-lt"/>
+        <a:ea typeface="+mn-ea"/>
+        <a:cs typeface="+mn-cs"/>
+      </a:defRPr>
+    </a:lvl4pPr>
+    <a:lvl5pPr marL="1828800" algn="l" defTabSz="914400" rtl="0" eaLnBrk="1" latinLnBrk="0" hangingPunct="1">
+      <a:defRPr sz="1200" kern="1200">
+        <a:solidFill>
+          <a:schemeClr val="tx1"/>
+        </a:solidFill>
+        <a:latin typeface="+mn-lt"/>
+        <a:ea typeface="+mn-ea"/>
+        <a:cs typeface="+mn-cs"/>
+      </a:defRPr>
+    </a:lvl5pPr>
+    <a:lvl6pPr marL="2286000" algn="l" defTabSz="914400" rtl="0" eaLnBrk="1" latinLnBrk="0" hangingPunct="1">
+      <a:defRPr sz="1200" kern="1200">
+        <a:solidFill>
+          <a:schemeClr val="tx1"/>
+        </a:solidFill>
+        <a:latin typeface="+mn-lt"/>
+        <a:ea typeface="+mn-ea"/>
+        <a:cs typeface="+mn-cs"/>
+      </a:defRPr>
+    </a:lvl6pPr>
+    <a:lvl7pPr marL="2743200" algn="l" defTabSz="914400" rtl="0" eaLnBrk="1" latinLnBrk="0" hangingPunct="1">
+      <a:defRPr sz="1200" kern="1200">
+        <a:solidFill>
+          <a:schemeClr val="tx1"/>
+        </a:solidFill>
+        <a:latin typeface="+mn-lt"/>
+        <a:ea typeface="+mn-ea"/>
+        <a:cs typeface="+mn-cs"/>
+      </a:defRPr>
+    </a:lvl7pPr>
+    <a:lvl8pPr marL="3200400" algn="l" defTabSz="914400" rtl="0" eaLnBrk="1" latinLnBrk="0" hangingPunct="1">
+      <a:defRPr sz="1200" kern="1200">
+        <a:solidFill>
+          <a:schemeClr val="tx1"/>
+        </a:solidFill>
+        <a:latin typeface="+mn-lt"/>
+        <a:ea typeface="+mn-ea"/>
+        <a:cs typeface="+mn-cs"/>
+      </a:defRPr>
+    </a:lvl8pPr>
+    <a:lvl9pPr marL="3657600" algn="l" defTabSz="914400" rtl="0" eaLnBrk="1" latinLnBrk="0" hangingPunct="1">
+      <a:defRPr sz="1200" kern="1200">
+        <a:solidFill>
+          <a:schemeClr val="tx1"/>
+        </a:solidFill>
+        <a:latin typeface="+mn-lt"/>
+        <a:ea typeface="+mn-ea"/>
+        <a:cs typeface="+mn-cs"/>
+      </a:defRPr>
+    </a:lvl9pPr>
+  </p:notesStyle>
+</p:notesMaster>
+</file>
+
 <file path=ppt/slideLayouts/slideLayout1.xml><?xml version="1.0" encoding="utf-8"?>
 <p:sldLayout xmlns:a="http://schemas.openxmlformats.org/drawingml/2006/main" xmlns:r="http://schemas.openxmlformats.org/officeDocument/2006/relationships" xmlns:p="http://schemas.openxmlformats.org/presentationml/2006/main" type="title" preserve="1">
   <p:cSld name="Title Slide">
@@ -262,9 +616,9 @@
           <a:bodyPr/>
           <a:lstStyle/>
           <a:p>
-            <a:fld id="{7CD783A5-BC47-ED4D-84DA-4F8B01B4E4C0}" type="datetimeFigureOut">
-              <a:rPr lang="en-FR" smtClean="0"/>
-              <a:t>05/01/2026</a:t>
+            <a:fld id="{DA09BA13-23F9-2342-9CA2-CF9B62A639A9}" type="datetime1">
+              <a:rPr lang="fr-FR" smtClean="0"/>
+              <a:t>06/01/2026</a:t>
             </a:fld>
             <a:endParaRPr lang="en-FR"/>
           </a:p>
@@ -291,6 +645,10 @@
           <a:bodyPr/>
           <a:lstStyle/>
           <a:p>
+            <a:r>
+              <a:rPr lang="en-GB"/>
+              <a:t>CISO Assistant</a:t>
+            </a:r>
             <a:endParaRPr lang="en-FR"/>
           </a:p>
         </p:txBody>
@@ -462,9 +820,9 @@
           <a:bodyPr/>
           <a:lstStyle/>
           <a:p>
-            <a:fld id="{7CD783A5-BC47-ED4D-84DA-4F8B01B4E4C0}" type="datetimeFigureOut">
-              <a:rPr lang="en-FR" smtClean="0"/>
-              <a:t>05/01/2026</a:t>
+            <a:fld id="{F0A2223C-5447-8D4F-ABC0-D9DD3FA32D1B}" type="datetime1">
+              <a:rPr lang="fr-FR" smtClean="0"/>
+              <a:t>06/01/2026</a:t>
             </a:fld>
             <a:endParaRPr lang="en-FR"/>
           </a:p>
@@ -491,6 +849,10 @@
           <a:bodyPr/>
           <a:lstStyle/>
           <a:p>
+            <a:r>
+              <a:rPr lang="en-GB"/>
+              <a:t>CISO Assistant</a:t>
+            </a:r>
             <a:endParaRPr lang="en-FR"/>
           </a:p>
         </p:txBody>
@@ -672,9 +1034,9 @@
           <a:bodyPr/>
           <a:lstStyle/>
           <a:p>
-            <a:fld id="{7CD783A5-BC47-ED4D-84DA-4F8B01B4E4C0}" type="datetimeFigureOut">
-              <a:rPr lang="en-FR" smtClean="0"/>
-              <a:t>05/01/2026</a:t>
+            <a:fld id="{5DB3B30E-67D2-1C44-BD3F-29009E72BB7F}" type="datetime1">
+              <a:rPr lang="fr-FR" smtClean="0"/>
+              <a:t>06/01/2026</a:t>
             </a:fld>
             <a:endParaRPr lang="en-FR"/>
           </a:p>
@@ -701,6 +1063,10 @@
           <a:bodyPr/>
           <a:lstStyle/>
           <a:p>
+            <a:r>
+              <a:rPr lang="en-GB"/>
+              <a:t>CISO Assistant</a:t>
+            </a:r>
             <a:endParaRPr lang="en-FR"/>
           </a:p>
         </p:txBody>
@@ -872,9 +1238,9 @@
           <a:bodyPr/>
           <a:lstStyle/>
           <a:p>
-            <a:fld id="{7CD783A5-BC47-ED4D-84DA-4F8B01B4E4C0}" type="datetimeFigureOut">
-              <a:rPr lang="en-FR" smtClean="0"/>
-              <a:t>05/01/2026</a:t>
+            <a:fld id="{6E44F59B-EF59-644B-98D3-1AE093B2C78D}" type="datetime1">
+              <a:rPr lang="fr-FR" smtClean="0"/>
+              <a:t>06/01/2026</a:t>
             </a:fld>
             <a:endParaRPr lang="en-FR"/>
           </a:p>
@@ -901,6 +1267,10 @@
           <a:bodyPr/>
           <a:lstStyle/>
           <a:p>
+            <a:r>
+              <a:rPr lang="en-GB"/>
+              <a:t>CISO Assistant</a:t>
+            </a:r>
             <a:endParaRPr lang="en-FR"/>
           </a:p>
         </p:txBody>
@@ -1148,9 +1518,9 @@
           <a:bodyPr/>
           <a:lstStyle/>
           <a:p>
-            <a:fld id="{7CD783A5-BC47-ED4D-84DA-4F8B01B4E4C0}" type="datetimeFigureOut">
-              <a:rPr lang="en-FR" smtClean="0"/>
-              <a:t>05/01/2026</a:t>
+            <a:fld id="{8A381694-F416-DD41-8D17-98BCFE34C3EF}" type="datetime1">
+              <a:rPr lang="fr-FR" smtClean="0"/>
+              <a:t>06/01/2026</a:t>
             </a:fld>
             <a:endParaRPr lang="en-FR"/>
           </a:p>
@@ -1177,6 +1547,10 @@
           <a:bodyPr/>
           <a:lstStyle/>
           <a:p>
+            <a:r>
+              <a:rPr lang="en-GB"/>
+              <a:t>CISO Assistant</a:t>
+            </a:r>
             <a:endParaRPr lang="en-FR"/>
           </a:p>
         </p:txBody>
@@ -1416,9 +1790,9 @@
           <a:bodyPr/>
           <a:lstStyle/>
           <a:p>
-            <a:fld id="{7CD783A5-BC47-ED4D-84DA-4F8B01B4E4C0}" type="datetimeFigureOut">
-              <a:rPr lang="en-FR" smtClean="0"/>
-              <a:t>05/01/2026</a:t>
+            <a:fld id="{B7C1F917-E753-E142-876D-E95DD36C7EC8}" type="datetime1">
+              <a:rPr lang="fr-FR" smtClean="0"/>
+              <a:t>06/01/2026</a:t>
             </a:fld>
             <a:endParaRPr lang="en-FR"/>
           </a:p>
@@ -1445,6 +1819,10 @@
           <a:bodyPr/>
           <a:lstStyle/>
           <a:p>
+            <a:r>
+              <a:rPr lang="en-GB"/>
+              <a:t>CISO Assistant</a:t>
+            </a:r>
             <a:endParaRPr lang="en-FR"/>
           </a:p>
         </p:txBody>
@@ -1831,9 +2209,9 @@
           <a:bodyPr/>
           <a:lstStyle/>
           <a:p>
-            <a:fld id="{7CD783A5-BC47-ED4D-84DA-4F8B01B4E4C0}" type="datetimeFigureOut">
-              <a:rPr lang="en-FR" smtClean="0"/>
-              <a:t>05/01/2026</a:t>
+            <a:fld id="{4A620DDD-23E5-C54A-AACD-A010625AFFBE}" type="datetime1">
+              <a:rPr lang="fr-FR" smtClean="0"/>
+              <a:t>06/01/2026</a:t>
             </a:fld>
             <a:endParaRPr lang="en-FR"/>
           </a:p>
@@ -1860,6 +2238,10 @@
           <a:bodyPr/>
           <a:lstStyle/>
           <a:p>
+            <a:r>
+              <a:rPr lang="en-GB"/>
+              <a:t>CISO Assistant</a:t>
+            </a:r>
             <a:endParaRPr lang="en-FR"/>
           </a:p>
         </p:txBody>
@@ -1973,9 +2355,9 @@
           <a:bodyPr/>
           <a:lstStyle/>
           <a:p>
-            <a:fld id="{7CD783A5-BC47-ED4D-84DA-4F8B01B4E4C0}" type="datetimeFigureOut">
-              <a:rPr lang="en-FR" smtClean="0"/>
-              <a:t>05/01/2026</a:t>
+            <a:fld id="{04EA8572-591D-034A-B80F-B8D6783EE3E6}" type="datetime1">
+              <a:rPr lang="fr-FR" smtClean="0"/>
+              <a:t>06/01/2026</a:t>
             </a:fld>
             <a:endParaRPr lang="en-FR"/>
           </a:p>
@@ -2002,6 +2384,10 @@
           <a:bodyPr/>
           <a:lstStyle/>
           <a:p>
+            <a:r>
+              <a:rPr lang="en-GB"/>
+              <a:t>CISO Assistant</a:t>
+            </a:r>
             <a:endParaRPr lang="en-FR"/>
           </a:p>
         </p:txBody>
@@ -2086,9 +2472,9 @@
           <a:bodyPr/>
           <a:lstStyle/>
           <a:p>
-            <a:fld id="{7CD783A5-BC47-ED4D-84DA-4F8B01B4E4C0}" type="datetimeFigureOut">
-              <a:rPr lang="en-FR" smtClean="0"/>
-              <a:t>05/01/2026</a:t>
+            <a:fld id="{80CD6444-779C-BE45-9EAC-EFC2F033B994}" type="datetime1">
+              <a:rPr lang="fr-FR" smtClean="0"/>
+              <a:t>06/01/2026</a:t>
             </a:fld>
             <a:endParaRPr lang="en-FR"/>
           </a:p>
@@ -2115,6 +2501,10 @@
           <a:bodyPr/>
           <a:lstStyle/>
           <a:p>
+            <a:r>
+              <a:rPr lang="en-GB"/>
+              <a:t>CISO Assistant</a:t>
+            </a:r>
             <a:endParaRPr lang="en-FR"/>
           </a:p>
         </p:txBody>
@@ -2399,9 +2789,9 @@
           <a:bodyPr/>
           <a:lstStyle/>
           <a:p>
-            <a:fld id="{7CD783A5-BC47-ED4D-84DA-4F8B01B4E4C0}" type="datetimeFigureOut">
-              <a:rPr lang="en-FR" smtClean="0"/>
-              <a:t>05/01/2026</a:t>
+            <a:fld id="{E0ED1FC6-41EB-9142-9607-05B1E5D50B35}" type="datetime1">
+              <a:rPr lang="fr-FR" smtClean="0"/>
+              <a:t>06/01/2026</a:t>
             </a:fld>
             <a:endParaRPr lang="en-FR"/>
           </a:p>
@@ -2428,6 +2818,10 @@
           <a:bodyPr/>
           <a:lstStyle/>
           <a:p>
+            <a:r>
+              <a:rPr lang="en-GB"/>
+              <a:t>CISO Assistant</a:t>
+            </a:r>
             <a:endParaRPr lang="en-FR"/>
           </a:p>
         </p:txBody>
@@ -2688,9 +3082,9 @@
           <a:bodyPr/>
           <a:lstStyle/>
           <a:p>
-            <a:fld id="{7CD783A5-BC47-ED4D-84DA-4F8B01B4E4C0}" type="datetimeFigureOut">
-              <a:rPr lang="en-FR" smtClean="0"/>
-              <a:t>05/01/2026</a:t>
+            <a:fld id="{59EF8D94-A458-A84A-BA02-AB685A73A9FC}" type="datetime1">
+              <a:rPr lang="fr-FR" smtClean="0"/>
+              <a:t>06/01/2026</a:t>
             </a:fld>
             <a:endParaRPr lang="en-FR"/>
           </a:p>
@@ -2717,6 +3111,10 @@
           <a:bodyPr/>
           <a:lstStyle/>
           <a:p>
+            <a:r>
+              <a:rPr lang="en-GB"/>
+              <a:t>CISO Assistant</a:t>
+            </a:r>
             <a:endParaRPr lang="en-FR"/>
           </a:p>
         </p:txBody>
@@ -2931,9 +3329,9 @@
             </a:lvl1pPr>
           </a:lstStyle>
           <a:p>
-            <a:fld id="{7CD783A5-BC47-ED4D-84DA-4F8B01B4E4C0}" type="datetimeFigureOut">
-              <a:rPr lang="en-FR" smtClean="0"/>
-              <a:t>05/01/2026</a:t>
+            <a:fld id="{46BED62B-F076-364B-904C-3D7464096D70}" type="datetime1">
+              <a:rPr lang="fr-FR" smtClean="0"/>
+              <a:t>06/01/2026</a:t>
             </a:fld>
             <a:endParaRPr lang="en-FR"/>
           </a:p>
@@ -2978,6 +3376,10 @@
             </a:lvl1pPr>
           </a:lstStyle>
           <a:p>
+            <a:r>
+              <a:rPr lang="en-GB"/>
+              <a:t>CISO Assistant</a:t>
+            </a:r>
             <a:endParaRPr lang="en-FR"/>
           </a:p>
         </p:txBody>
@@ -3050,6 +3452,7 @@
     <p:sldLayoutId id="2147483658" r:id="rId10"/>
     <p:sldLayoutId id="2147483659" r:id="rId11"/>
   </p:sldLayoutIdLst>
+  <p:hf sldNum="0" hdr="0" dt="0"/>
   <p:txStyles>
     <p:titleStyle>
       <a:lvl1pPr algn="l" defTabSz="914400" rtl="0" eaLnBrk="1" latinLnBrk="0" hangingPunct="1">
@@ -3413,7 +3816,7 @@
           <a:p>
             <a:r>
               <a:rPr lang="en-FR" dirty="0"/>
-              <a:t>CISO Assistant – audit report</a:t>
+              <a:t>audit report</a:t>
             </a:r>
           </a:p>
           <a:p>
@@ -3487,65 +3890,74 @@
           <a:lstStyle/>
           <a:p>
             <a:r>
+              <a:rPr lang="en-FR" sz="2400" dirty="0"/>
+              <a:t>scope</a:t>
+            </a:r>
+            <a:br>
               <a:rPr lang="en-FR" dirty="0"/>
-              <a:t>Compliance overview</a:t>
-            </a:r>
-          </a:p>
-        </p:txBody>
-      </p:sp>
-      <p:sp>
-        <p:nvSpPr>
-          <p:cNvPr id="8" name="Rectangle 7">
-            <a:extLst>
-              <a:ext uri="{FF2B5EF4-FFF2-40B4-BE49-F238E27FC236}">
-                <a16:creationId xmlns:a16="http://schemas.microsoft.com/office/drawing/2014/main" id="{B0BE4B8C-4514-D35C-1363-F69A5A687542}"/>
-              </a:ext>
-            </a:extLst>
-          </p:cNvPr>
-          <p:cNvSpPr/>
-          <p:nvPr/>
-        </p:nvSpPr>
-        <p:spPr>
-          <a:xfrm>
-            <a:off x="3535997" y="2582920"/>
-            <a:ext cx="5399405" cy="3239770"/>
-          </a:xfrm>
-          <a:prstGeom prst="rect">
-            <a:avLst/>
-          </a:prstGeom>
-        </p:spPr>
-        <p:style>
-          <a:lnRef idx="2">
-            <a:schemeClr val="accent1">
-              <a:shade val="15000"/>
-            </a:schemeClr>
-          </a:lnRef>
-          <a:fillRef idx="1">
-            <a:schemeClr val="accent1"/>
-          </a:fillRef>
-          <a:effectRef idx="0">
-            <a:schemeClr val="accent1"/>
-          </a:effectRef>
-          <a:fontRef idx="minor">
-            <a:schemeClr val="lt1"/>
-          </a:fontRef>
-        </p:style>
-        <p:txBody>
-          <a:bodyPr rtlCol="0" anchor="ctr"/>
-          <a:lstStyle/>
-          <a:p>
-            <a:pPr algn="ctr"/>
+            </a:br>
+            <a:r>
+              <a:rPr lang="en-FR" dirty="0"/>
+              <a:t>{{perimeter_name}}</a:t>
+            </a:r>
+          </a:p>
+        </p:txBody>
+      </p:sp>
+      <p:sp>
+        <p:nvSpPr>
+          <p:cNvPr id="4" name="Content Placeholder 3">
+            <a:extLst>
+              <a:ext uri="{FF2B5EF4-FFF2-40B4-BE49-F238E27FC236}">
+                <a16:creationId xmlns:a16="http://schemas.microsoft.com/office/drawing/2014/main" id="{9769DA97-D17F-D042-747A-075D46251524}"/>
+              </a:ext>
+            </a:extLst>
+          </p:cNvPr>
+          <p:cNvSpPr>
+            <a:spLocks noGrp="1"/>
+          </p:cNvSpPr>
+          <p:nvPr>
+            <p:ph idx="1"/>
+          </p:nvPr>
+        </p:nvSpPr>
+        <p:spPr/>
+        <p:txBody>
+          <a:bodyPr/>
+          <a:lstStyle/>
+          <a:p>
+            <a:pPr marL="0" indent="0">
+              <a:buNone/>
+            </a:pPr>
+            <a:r>
+              <a:rPr lang="en-FR" dirty="0"/>
+              <a:t>{{perimeter_description}}</a:t>
+            </a:r>
+          </a:p>
+        </p:txBody>
+      </p:sp>
+      <p:sp>
+        <p:nvSpPr>
+          <p:cNvPr id="3" name="Footer Placeholder 2">
+            <a:extLst>
+              <a:ext uri="{FF2B5EF4-FFF2-40B4-BE49-F238E27FC236}">
+                <a16:creationId xmlns:a16="http://schemas.microsoft.com/office/drawing/2014/main" id="{B3E208CD-6F9D-A87E-62E1-786C52A971EE}"/>
+              </a:ext>
+            </a:extLst>
+          </p:cNvPr>
+          <p:cNvSpPr>
+            <a:spLocks noGrp="1"/>
+          </p:cNvSpPr>
+          <p:nvPr>
+            <p:ph type="ftr" sz="quarter" idx="11"/>
+          </p:nvPr>
+        </p:nvSpPr>
+        <p:spPr/>
+        <p:txBody>
+          <a:bodyPr/>
+          <a:lstStyle/>
+          <a:p>
             <a:r>
               <a:rPr lang="en-GB" dirty="0"/>
-              <a:t>{{</a:t>
-            </a:r>
-            <a:r>
-              <a:rPr lang="en-GB" dirty="0" err="1"/>
-              <a:t>compliance_donut</a:t>
-            </a:r>
-            <a:r>
-              <a:rPr lang="en-GB" dirty="0"/>
-              <a:t>}}</a:t>
+              <a:t>CISO Assistant</a:t>
             </a:r>
             <a:endParaRPr lang="en-FR" dirty="0"/>
           </a:p>
@@ -3554,7 +3966,7 @@
     </p:spTree>
     <p:extLst>
       <p:ext uri="{BB962C8B-B14F-4D97-AF65-F5344CB8AC3E}">
-        <p14:creationId xmlns:p14="http://schemas.microsoft.com/office/powerpoint/2010/main" val="3953274088"/>
+        <p14:creationId xmlns:p14="http://schemas.microsoft.com/office/powerpoint/2010/main" val="2409308083"/>
       </p:ext>
     </p:extLst>
   </p:cSld>
@@ -3586,7 +3998,7 @@
           <p:cNvPr id="2" name="Title 1">
             <a:extLst>
               <a:ext uri="{FF2B5EF4-FFF2-40B4-BE49-F238E27FC236}">
-                <a16:creationId xmlns:a16="http://schemas.microsoft.com/office/drawing/2014/main" id="{3FF955CE-8BD2-7DD6-59A6-0C63AB649903}"/>
+                <a16:creationId xmlns:a16="http://schemas.microsoft.com/office/drawing/2014/main" id="{25F2C3F3-AE9B-80B9-5DF6-0DC44453D321}"/>
               </a:ext>
             </a:extLst>
           </p:cNvPr>
@@ -3604,17 +4016,17 @@
           <a:p>
             <a:r>
               <a:rPr lang="en-FR" dirty="0"/>
-              <a:t>Controls breakdown</a:t>
-            </a:r>
-          </a:p>
-        </p:txBody>
-      </p:sp>
-      <p:sp>
-        <p:nvSpPr>
-          <p:cNvPr id="5" name="Rectangle 4">
-            <a:extLst>
-              <a:ext uri="{FF2B5EF4-FFF2-40B4-BE49-F238E27FC236}">
-                <a16:creationId xmlns:a16="http://schemas.microsoft.com/office/drawing/2014/main" id="{6F52AE81-2B76-70F5-2E6F-D5D477BEAD9B}"/>
+              <a:t>Compliance overview</a:t>
+            </a:r>
+          </a:p>
+        </p:txBody>
+      </p:sp>
+      <p:sp>
+        <p:nvSpPr>
+          <p:cNvPr id="8" name="Rectangle 7">
+            <a:extLst>
+              <a:ext uri="{FF2B5EF4-FFF2-40B4-BE49-F238E27FC236}">
+                <a16:creationId xmlns:a16="http://schemas.microsoft.com/office/drawing/2014/main" id="{B0BE4B8C-4514-D35C-1363-F69A5A687542}"/>
               </a:ext>
             </a:extLst>
           </p:cNvPr>
@@ -3623,7 +4035,7 @@
         </p:nvSpPr>
         <p:spPr>
           <a:xfrm>
-            <a:off x="3778664" y="2369203"/>
+            <a:off x="3535997" y="2582920"/>
             <a:ext cx="5399405" cy="3239770"/>
           </a:xfrm>
           <a:prstGeom prst="rect">
@@ -3652,16 +4064,54 @@
           <a:p>
             <a:pPr algn="ctr"/>
             <a:r>
-              <a:rPr lang="en-FR" dirty="0"/>
-              <a:t>{{chart_controls}}</a:t>
-            </a:r>
+              <a:rPr lang="en-GB" dirty="0"/>
+              <a:t>{{</a:t>
+            </a:r>
+            <a:r>
+              <a:rPr lang="en-GB" dirty="0" err="1"/>
+              <a:t>compliance_donut</a:t>
+            </a:r>
+            <a:r>
+              <a:rPr lang="en-GB" dirty="0"/>
+              <a:t>}}</a:t>
+            </a:r>
+            <a:endParaRPr lang="en-FR" dirty="0"/>
+          </a:p>
+        </p:txBody>
+      </p:sp>
+      <p:sp>
+        <p:nvSpPr>
+          <p:cNvPr id="9" name="Footer Placeholder 8">
+            <a:extLst>
+              <a:ext uri="{FF2B5EF4-FFF2-40B4-BE49-F238E27FC236}">
+                <a16:creationId xmlns:a16="http://schemas.microsoft.com/office/drawing/2014/main" id="{7E9A0DDC-CF90-CA8A-C070-B6B28FF00309}"/>
+              </a:ext>
+            </a:extLst>
+          </p:cNvPr>
+          <p:cNvSpPr>
+            <a:spLocks noGrp="1"/>
+          </p:cNvSpPr>
+          <p:nvPr>
+            <p:ph type="ftr" sz="quarter" idx="11"/>
+          </p:nvPr>
+        </p:nvSpPr>
+        <p:spPr/>
+        <p:txBody>
+          <a:bodyPr/>
+          <a:lstStyle/>
+          <a:p>
+            <a:r>
+              <a:rPr lang="en-GB"/>
+              <a:t>CISO Assistant</a:t>
+            </a:r>
+            <a:endParaRPr lang="en-FR"/>
           </a:p>
         </p:txBody>
       </p:sp>
     </p:spTree>
     <p:extLst>
       <p:ext uri="{BB962C8B-B14F-4D97-AF65-F5344CB8AC3E}">
-        <p14:creationId xmlns:p14="http://schemas.microsoft.com/office/powerpoint/2010/main" val="121933325"/>
+        <p14:creationId xmlns:p14="http://schemas.microsoft.com/office/powerpoint/2010/main" val="3953274088"/>
       </p:ext>
     </p:extLst>
   </p:cSld>
@@ -3693,6 +4143,142 @@
           <p:cNvPr id="2" name="Title 1">
             <a:extLst>
               <a:ext uri="{FF2B5EF4-FFF2-40B4-BE49-F238E27FC236}">
+                <a16:creationId xmlns:a16="http://schemas.microsoft.com/office/drawing/2014/main" id="{3FF955CE-8BD2-7DD6-59A6-0C63AB649903}"/>
+              </a:ext>
+            </a:extLst>
+          </p:cNvPr>
+          <p:cNvSpPr>
+            <a:spLocks noGrp="1"/>
+          </p:cNvSpPr>
+          <p:nvPr>
+            <p:ph type="title"/>
+          </p:nvPr>
+        </p:nvSpPr>
+        <p:spPr/>
+        <p:txBody>
+          <a:bodyPr/>
+          <a:lstStyle/>
+          <a:p>
+            <a:r>
+              <a:rPr lang="en-FR" dirty="0"/>
+              <a:t>Controls breakdown</a:t>
+            </a:r>
+          </a:p>
+        </p:txBody>
+      </p:sp>
+      <p:sp>
+        <p:nvSpPr>
+          <p:cNvPr id="5" name="Rectangle 4">
+            <a:extLst>
+              <a:ext uri="{FF2B5EF4-FFF2-40B4-BE49-F238E27FC236}">
+                <a16:creationId xmlns:a16="http://schemas.microsoft.com/office/drawing/2014/main" id="{6F52AE81-2B76-70F5-2E6F-D5D477BEAD9B}"/>
+              </a:ext>
+            </a:extLst>
+          </p:cNvPr>
+          <p:cNvSpPr/>
+          <p:nvPr/>
+        </p:nvSpPr>
+        <p:spPr>
+          <a:xfrm>
+            <a:off x="3778664" y="2369203"/>
+            <a:ext cx="5399405" cy="3239770"/>
+          </a:xfrm>
+          <a:prstGeom prst="rect">
+            <a:avLst/>
+          </a:prstGeom>
+        </p:spPr>
+        <p:style>
+          <a:lnRef idx="2">
+            <a:schemeClr val="accent1">
+              <a:shade val="15000"/>
+            </a:schemeClr>
+          </a:lnRef>
+          <a:fillRef idx="1">
+            <a:schemeClr val="accent1"/>
+          </a:fillRef>
+          <a:effectRef idx="0">
+            <a:schemeClr val="accent1"/>
+          </a:effectRef>
+          <a:fontRef idx="minor">
+            <a:schemeClr val="lt1"/>
+          </a:fontRef>
+        </p:style>
+        <p:txBody>
+          <a:bodyPr rtlCol="0" anchor="ctr"/>
+          <a:lstStyle/>
+          <a:p>
+            <a:pPr algn="ctr"/>
+            <a:r>
+              <a:rPr lang="en-FR" dirty="0"/>
+              <a:t>{{chart_controls}}</a:t>
+            </a:r>
+          </a:p>
+        </p:txBody>
+      </p:sp>
+      <p:sp>
+        <p:nvSpPr>
+          <p:cNvPr id="6" name="Footer Placeholder 5">
+            <a:extLst>
+              <a:ext uri="{FF2B5EF4-FFF2-40B4-BE49-F238E27FC236}">
+                <a16:creationId xmlns:a16="http://schemas.microsoft.com/office/drawing/2014/main" id="{AB2A9298-2B02-6748-D803-C44712186298}"/>
+              </a:ext>
+            </a:extLst>
+          </p:cNvPr>
+          <p:cNvSpPr>
+            <a:spLocks noGrp="1"/>
+          </p:cNvSpPr>
+          <p:nvPr>
+            <p:ph type="ftr" sz="quarter" idx="11"/>
+          </p:nvPr>
+        </p:nvSpPr>
+        <p:spPr/>
+        <p:txBody>
+          <a:bodyPr/>
+          <a:lstStyle/>
+          <a:p>
+            <a:r>
+              <a:rPr lang="en-GB"/>
+              <a:t>CISO Assistant</a:t>
+            </a:r>
+            <a:endParaRPr lang="en-FR"/>
+          </a:p>
+        </p:txBody>
+      </p:sp>
+    </p:spTree>
+    <p:extLst>
+      <p:ext uri="{BB962C8B-B14F-4D97-AF65-F5344CB8AC3E}">
+        <p14:creationId xmlns:p14="http://schemas.microsoft.com/office/powerpoint/2010/main" val="121933325"/>
+      </p:ext>
+    </p:extLst>
+  </p:cSld>
+  <p:clrMapOvr>
+    <a:masterClrMapping/>
+  </p:clrMapOvr>
+</p:sld>
+</file>
+
+<file path=ppt/slides/slide5.xml><?xml version="1.0" encoding="utf-8"?>
+<p:sld xmlns:a="http://schemas.openxmlformats.org/drawingml/2006/main" xmlns:r="http://schemas.openxmlformats.org/officeDocument/2006/relationships" xmlns:p="http://schemas.openxmlformats.org/presentationml/2006/main">
+  <p:cSld>
+    <p:spTree>
+      <p:nvGrpSpPr>
+        <p:cNvPr id="1" name=""/>
+        <p:cNvGrpSpPr/>
+        <p:nvPr/>
+      </p:nvGrpSpPr>
+      <p:grpSpPr>
+        <a:xfrm>
+          <a:off x="0" y="0"/>
+          <a:ext cx="0" cy="0"/>
+          <a:chOff x="0" y="0"/>
+          <a:chExt cx="0" cy="0"/>
+        </a:xfrm>
+      </p:grpSpPr>
+      <p:sp>
+        <p:nvSpPr>
+          <p:cNvPr id="2" name="Title 1">
+            <a:extLst>
+              <a:ext uri="{FF2B5EF4-FFF2-40B4-BE49-F238E27FC236}">
                 <a16:creationId xmlns:a16="http://schemas.microsoft.com/office/drawing/2014/main" id="{FFF777E3-CD97-C5A0-4E84-AE49469FB37D}"/>
               </a:ext>
             </a:extLst>
@@ -3738,25 +4324,56 @@
         </p:nvSpPr>
         <p:spPr/>
         <p:txBody>
-          <a:bodyPr/>
+          <a:bodyPr>
+            <a:normAutofit/>
+          </a:bodyPr>
           <a:lstStyle/>
           <a:p>
             <a:pPr marL="0" indent="0">
               <a:buNone/>
             </a:pPr>
             <a:r>
-              <a:rPr lang="en-GB" dirty="0"/>
+              <a:rPr lang="en-GB" sz="2000" dirty="0"/>
               <a:t>{{</a:t>
             </a:r>
             <a:r>
-              <a:rPr lang="en-GB" dirty="0" err="1"/>
+              <a:rPr lang="en-GB" sz="2000" dirty="0" err="1"/>
               <a:t>table_full_controls</a:t>
             </a:r>
             <a:r>
-              <a:rPr lang="en-GB" dirty="0"/>
+              <a:rPr lang="en-GB" sz="2000" dirty="0"/>
               <a:t>}}</a:t>
             </a:r>
-            <a:endParaRPr lang="en-FR" dirty="0"/>
+            <a:endParaRPr lang="en-FR" sz="2000" dirty="0"/>
+          </a:p>
+        </p:txBody>
+      </p:sp>
+      <p:sp>
+        <p:nvSpPr>
+          <p:cNvPr id="4" name="Footer Placeholder 3">
+            <a:extLst>
+              <a:ext uri="{FF2B5EF4-FFF2-40B4-BE49-F238E27FC236}">
+                <a16:creationId xmlns:a16="http://schemas.microsoft.com/office/drawing/2014/main" id="{E11426D3-6642-C6BC-5554-8F20F944E7D5}"/>
+              </a:ext>
+            </a:extLst>
+          </p:cNvPr>
+          <p:cNvSpPr>
+            <a:spLocks noGrp="1"/>
+          </p:cNvSpPr>
+          <p:nvPr>
+            <p:ph type="ftr" sz="quarter" idx="11"/>
+          </p:nvPr>
+        </p:nvSpPr>
+        <p:spPr/>
+        <p:txBody>
+          <a:bodyPr/>
+          <a:lstStyle/>
+          <a:p>
+            <a:r>
+              <a:rPr lang="en-GB"/>
+              <a:t>CISO Assistant</a:t>
+            </a:r>
+            <a:endParaRPr lang="en-FR"/>
           </a:p>
         </p:txBody>
       </p:sp>
@@ -4086,4 +4703,319 @@
     </a:ext>
   </a:extLst>
 </a:theme>
+</file>
+
+<file path=ppt/theme/theme2.xml><?xml version="1.0" encoding="utf-8"?>
+<a:theme xmlns:a="http://schemas.openxmlformats.org/drawingml/2006/main" name="Office Theme">
+  <a:themeElements>
+    <a:clrScheme name="Office">
+      <a:dk1>
+        <a:sysClr val="windowText" lastClr="000000"/>
+      </a:dk1>
+      <a:lt1>
+        <a:sysClr val="window" lastClr="FFFFFF"/>
+      </a:lt1>
+      <a:dk2>
+        <a:srgbClr val="0E2841"/>
+      </a:dk2>
+      <a:lt2>
+        <a:srgbClr val="E8E8E8"/>
+      </a:lt2>
+      <a:accent1>
+        <a:srgbClr val="156082"/>
+      </a:accent1>
+      <a:accent2>
+        <a:srgbClr val="E97132"/>
+      </a:accent2>
+      <a:accent3>
+        <a:srgbClr val="196B24"/>
+      </a:accent3>
+      <a:accent4>
+        <a:srgbClr val="0F9ED5"/>
+      </a:accent4>
+      <a:accent5>
+        <a:srgbClr val="A02B93"/>
+      </a:accent5>
+      <a:accent6>
+        <a:srgbClr val="4EA72E"/>
+      </a:accent6>
+      <a:hlink>
+        <a:srgbClr val="467886"/>
+      </a:hlink>
+      <a:folHlink>
+        <a:srgbClr val="96607D"/>
+      </a:folHlink>
+    </a:clrScheme>
+    <a:fontScheme name="Office">
+      <a:majorFont>
+        <a:latin typeface="Aptos Display" panose="02110004020202020204"/>
+        <a:ea typeface=""/>
+        <a:cs typeface=""/>
+        <a:font script="Jpan" typeface="游ゴシック Light"/>
+        <a:font script="Hang" typeface="맑은 고딕"/>
+        <a:font script="Hans" typeface="等线 Light"/>
+        <a:font script="Hant" typeface="新細明體"/>
+        <a:font script="Arab" typeface="Times New Roman"/>
+        <a:font script="Hebr" typeface="Times New Roman"/>
+        <a:font script="Thai" typeface="Angsana New"/>
+        <a:font script="Ethi" typeface="Nyala"/>
+        <a:font script="Beng" typeface="Vrinda"/>
+        <a:font script="Gujr" typeface="Shruti"/>
+        <a:font script="Khmr" typeface="MoolBoran"/>
+        <a:font script="Knda" typeface="Tunga"/>
+        <a:font script="Guru" typeface="Raavi"/>
+        <a:font script="Cans" typeface="Euphemia"/>
+        <a:font script="Cher" typeface="Plantagenet Cherokee"/>
+        <a:font script="Yiii" typeface="Microsoft Yi Baiti"/>
+        <a:font script="Tibt" typeface="Microsoft Himalaya"/>
+        <a:font script="Thaa" typeface="MV Boli"/>
+        <a:font script="Deva" typeface="Mangal"/>
+        <a:font script="Telu" typeface="Gautami"/>
+        <a:font script="Taml" typeface="Latha"/>
+        <a:font script="Syrc" typeface="Estrangelo Edessa"/>
+        <a:font script="Orya" typeface="Kalinga"/>
+        <a:font script="Mlym" typeface="Kartika"/>
+        <a:font script="Laoo" typeface="DokChampa"/>
+        <a:font script="Sinh" typeface="Iskoola Pota"/>
+        <a:font script="Mong" typeface="Mongolian Baiti"/>
+        <a:font script="Viet" typeface="Times New Roman"/>
+        <a:font script="Uigh" typeface="Microsoft Uighur"/>
+        <a:font script="Geor" typeface="Sylfaen"/>
+        <a:font script="Armn" typeface="Arial"/>
+        <a:font script="Bugi" typeface="Leelawadee UI"/>
+        <a:font script="Bopo" typeface="Microsoft JhengHei"/>
+        <a:font script="Java" typeface="Javanese Text"/>
+        <a:font script="Lisu" typeface="Segoe UI"/>
+        <a:font script="Mymr" typeface="Myanmar Text"/>
+        <a:font script="Nkoo" typeface="Ebrima"/>
+        <a:font script="Olck" typeface="Nirmala UI"/>
+        <a:font script="Osma" typeface="Ebrima"/>
+        <a:font script="Phag" typeface="Phagspa"/>
+        <a:font script="Syrn" typeface="Estrangelo Edessa"/>
+        <a:font script="Syrj" typeface="Estrangelo Edessa"/>
+        <a:font script="Syre" typeface="Estrangelo Edessa"/>
+        <a:font script="Sora" typeface="Nirmala UI"/>
+        <a:font script="Tale" typeface="Microsoft Tai Le"/>
+        <a:font script="Talu" typeface="Microsoft New Tai Lue"/>
+        <a:font script="Tfng" typeface="Ebrima"/>
+      </a:majorFont>
+      <a:minorFont>
+        <a:latin typeface="Aptos" panose="02110004020202020204"/>
+        <a:ea typeface=""/>
+        <a:cs typeface=""/>
+        <a:font script="Jpan" typeface="游ゴシック"/>
+        <a:font script="Hang" typeface="맑은 고딕"/>
+        <a:font script="Hans" typeface="等线"/>
+        <a:font script="Hant" typeface="新細明體"/>
+        <a:font script="Arab" typeface="Arial"/>
+        <a:font script="Hebr" typeface="Arial"/>
+        <a:font script="Thai" typeface="Cordia New"/>
+        <a:font script="Ethi" typeface="Nyala"/>
+        <a:font script="Beng" typeface="Vrinda"/>
+        <a:font script="Gujr" typeface="Shruti"/>
+        <a:font script="Khmr" typeface="DaunPenh"/>
+        <a:font script="Knda" typeface="Tunga"/>
+        <a:font script="Guru" typeface="Raavi"/>
+        <a:font script="Cans" typeface="Euphemia"/>
+        <a:font script="Cher" typeface="Plantagenet Cherokee"/>
+        <a:font script="Yiii" typeface="Microsoft Yi Baiti"/>
+        <a:font script="Tibt" typeface="Microsoft Himalaya"/>
+        <a:font script="Thaa" typeface="MV Boli"/>
+        <a:font script="Deva" typeface="Mangal"/>
+        <a:font script="Telu" typeface="Gautami"/>
+        <a:font script="Taml" typeface="Latha"/>
+        <a:font script="Syrc" typeface="Estrangelo Edessa"/>
+        <a:font script="Orya" typeface="Kalinga"/>
+        <a:font script="Mlym" typeface="Kartika"/>
+        <a:font script="Laoo" typeface="DokChampa"/>
+        <a:font script="Sinh" typeface="Iskoola Pota"/>
+        <a:font script="Mong" typeface="Mongolian Baiti"/>
+        <a:font script="Viet" typeface="Arial"/>
+        <a:font script="Uigh" typeface="Microsoft Uighur"/>
+        <a:font script="Geor" typeface="Sylfaen"/>
+        <a:font script="Armn" typeface="Arial"/>
+        <a:font script="Bugi" typeface="Leelawadee UI"/>
+        <a:font script="Bopo" typeface="Microsoft JhengHei"/>
+        <a:font script="Java" typeface="Javanese Text"/>
+        <a:font script="Lisu" typeface="Segoe UI"/>
+        <a:font script="Mymr" typeface="Myanmar Text"/>
+        <a:font script="Nkoo" typeface="Ebrima"/>
+        <a:font script="Olck" typeface="Nirmala UI"/>
+        <a:font script="Osma" typeface="Ebrima"/>
+        <a:font script="Phag" typeface="Phagspa"/>
+        <a:font script="Syrn" typeface="Estrangelo Edessa"/>
+        <a:font script="Syrj" typeface="Estrangelo Edessa"/>
+        <a:font script="Syre" typeface="Estrangelo Edessa"/>
+        <a:font script="Sora" typeface="Nirmala UI"/>
+        <a:font script="Tale" typeface="Microsoft Tai Le"/>
+        <a:font script="Talu" typeface="Microsoft New Tai Lue"/>
+        <a:font script="Tfng" typeface="Ebrima"/>
+      </a:minorFont>
+    </a:fontScheme>
+    <a:fmtScheme name="Office">
+      <a:fillStyleLst>
+        <a:solidFill>
+          <a:schemeClr val="phClr"/>
+        </a:solidFill>
+        <a:gradFill rotWithShape="1">
+          <a:gsLst>
+            <a:gs pos="0">
+              <a:schemeClr val="phClr">
+                <a:lumMod val="110000"/>
+                <a:satMod val="105000"/>
+                <a:tint val="67000"/>
+              </a:schemeClr>
+            </a:gs>
+            <a:gs pos="50000">
+              <a:schemeClr val="phClr">
+                <a:lumMod val="105000"/>
+                <a:satMod val="103000"/>
+                <a:tint val="73000"/>
+              </a:schemeClr>
+            </a:gs>
+            <a:gs pos="100000">
+              <a:schemeClr val="phClr">
+                <a:lumMod val="105000"/>
+                <a:satMod val="109000"/>
+                <a:tint val="81000"/>
+              </a:schemeClr>
+            </a:gs>
+          </a:gsLst>
+          <a:lin ang="5400000" scaled="0"/>
+        </a:gradFill>
+        <a:gradFill rotWithShape="1">
+          <a:gsLst>
+            <a:gs pos="0">
+              <a:schemeClr val="phClr">
+                <a:satMod val="103000"/>
+                <a:lumMod val="102000"/>
+                <a:tint val="94000"/>
+              </a:schemeClr>
+            </a:gs>
+            <a:gs pos="50000">
+              <a:schemeClr val="phClr">
+                <a:satMod val="110000"/>
+                <a:lumMod val="100000"/>
+                <a:shade val="100000"/>
+              </a:schemeClr>
+            </a:gs>
+            <a:gs pos="100000">
+              <a:schemeClr val="phClr">
+                <a:lumMod val="99000"/>
+                <a:satMod val="120000"/>
+                <a:shade val="78000"/>
+              </a:schemeClr>
+            </a:gs>
+          </a:gsLst>
+          <a:lin ang="5400000" scaled="0"/>
+        </a:gradFill>
+      </a:fillStyleLst>
+      <a:lnStyleLst>
+        <a:ln w="12700" cap="flat" cmpd="sng" algn="ctr">
+          <a:solidFill>
+            <a:schemeClr val="phClr"/>
+          </a:solidFill>
+          <a:prstDash val="solid"/>
+          <a:miter lim="800000"/>
+        </a:ln>
+        <a:ln w="19050" cap="flat" cmpd="sng" algn="ctr">
+          <a:solidFill>
+            <a:schemeClr val="phClr"/>
+          </a:solidFill>
+          <a:prstDash val="solid"/>
+          <a:miter lim="800000"/>
+        </a:ln>
+        <a:ln w="25400" cap="flat" cmpd="sng" algn="ctr">
+          <a:solidFill>
+            <a:schemeClr val="phClr"/>
+          </a:solidFill>
+          <a:prstDash val="solid"/>
+          <a:miter lim="800000"/>
+        </a:ln>
+      </a:lnStyleLst>
+      <a:effectStyleLst>
+        <a:effectStyle>
+          <a:effectLst/>
+        </a:effectStyle>
+        <a:effectStyle>
+          <a:effectLst/>
+        </a:effectStyle>
+        <a:effectStyle>
+          <a:effectLst>
+            <a:outerShdw blurRad="57150" dist="19050" dir="5400000" algn="ctr" rotWithShape="0">
+              <a:srgbClr val="000000">
+                <a:alpha val="63000"/>
+              </a:srgbClr>
+            </a:outerShdw>
+          </a:effectLst>
+        </a:effectStyle>
+      </a:effectStyleLst>
+      <a:bgFillStyleLst>
+        <a:solidFill>
+          <a:schemeClr val="phClr"/>
+        </a:solidFill>
+        <a:solidFill>
+          <a:schemeClr val="phClr">
+            <a:tint val="95000"/>
+            <a:satMod val="170000"/>
+          </a:schemeClr>
+        </a:solidFill>
+        <a:gradFill rotWithShape="1">
+          <a:gsLst>
+            <a:gs pos="0">
+              <a:schemeClr val="phClr">
+                <a:tint val="93000"/>
+                <a:satMod val="150000"/>
+                <a:shade val="98000"/>
+                <a:lumMod val="102000"/>
+              </a:schemeClr>
+            </a:gs>
+            <a:gs pos="50000">
+              <a:schemeClr val="phClr">
+                <a:tint val="98000"/>
+                <a:satMod val="130000"/>
+                <a:shade val="90000"/>
+                <a:lumMod val="103000"/>
+              </a:schemeClr>
+            </a:gs>
+            <a:gs pos="100000">
+              <a:schemeClr val="phClr">
+                <a:shade val="63000"/>
+                <a:satMod val="120000"/>
+              </a:schemeClr>
+            </a:gs>
+          </a:gsLst>
+          <a:lin ang="5400000" scaled="0"/>
+        </a:gradFill>
+      </a:bgFillStyleLst>
+    </a:fmtScheme>
+  </a:themeElements>
+  <a:objectDefaults>
+    <a:lnDef>
+      <a:spPr/>
+      <a:bodyPr/>
+      <a:lstStyle/>
+      <a:style>
+        <a:lnRef idx="2">
+          <a:schemeClr val="accent1"/>
+        </a:lnRef>
+        <a:fillRef idx="0">
+          <a:schemeClr val="accent1"/>
+        </a:fillRef>
+        <a:effectRef idx="1">
+          <a:schemeClr val="accent1"/>
+        </a:effectRef>
+        <a:fontRef idx="minor">
+          <a:schemeClr val="tx1"/>
+        </a:fontRef>
+      </a:style>
+    </a:lnDef>
+  </a:objectDefaults>
+  <a:extraClrSchemeLst/>
+  <a:extLst>
+    <a:ext uri="{05A4C25C-085E-4340-85A3-A5531E510DB2}">
+      <thm15:themeFamily xmlns:thm15="http://schemas.microsoft.com/office/thememl/2012/main" name="Office Theme" id="{2E142A2C-CD16-42D6-873A-C26D2A0506FA}" vid="{1BDDFF52-6CD6-40A5-AB3C-68EB2F1E4D0A}"/>
+    </a:ext>
+  </a:extLst>
+</a:theme>
 </file>
--- a/backend/core/templates/core/audit_report_template_en.pptx
+++ b/backend/core/templates/core/audit_report_template_en.pptx
@@ -5,15 +5,21 @@
     <p:sldMasterId id="2147483648" r:id="rId1"/>
   </p:sldMasterIdLst>
   <p:sldIdLst>
-    <p:sldId id="256" r:id="rId2"/>
+    <p:sldId id="256" r:id="rId7"/>
+    <p:sldId id="257" r:id="rId8"/>
+    <p:sldId id="258" r:id="rId9"/>
+    <p:sldId id="259" r:id="rId10"/>
+    <p:sldId id="260" r:id="rId11"/>
+    <p:sldId id="261" r:id="rId12"/>
+    <p:sldId id="262" r:id="rId13"/>
   </p:sldIdLst>
-  <p:sldSz cx="12192000" cy="6858000"/>
+  <p:sldSz cx="12191695" cy="6858000" type="screen4x3"/>
   <p:notesSz cx="6858000" cy="9144000"/>
   <p:defaultTextStyle>
     <a:defPPr>
-      <a:defRPr lang="en-FR"/>
+      <a:defRPr lang="en-US"/>
     </a:defPPr>
-    <a:lvl1pPr marL="0" algn="l" defTabSz="914400" rtl="0" eaLnBrk="1" latinLnBrk="0" hangingPunct="1">
+    <a:lvl1pPr marL="0" algn="l" defTabSz="457200" rtl="0" eaLnBrk="1" latinLnBrk="0" hangingPunct="1">
       <a:defRPr sz="1800" kern="1200">
         <a:solidFill>
           <a:schemeClr val="tx1"/>
@@ -23,7 +29,7 @@
         <a:cs typeface="+mn-cs"/>
       </a:defRPr>
     </a:lvl1pPr>
-    <a:lvl2pPr marL="457200" algn="l" defTabSz="914400" rtl="0" eaLnBrk="1" latinLnBrk="0" hangingPunct="1">
+    <a:lvl2pPr marL="457200" algn="l" defTabSz="457200" rtl="0" eaLnBrk="1" latinLnBrk="0" hangingPunct="1">
       <a:defRPr sz="1800" kern="1200">
         <a:solidFill>
           <a:schemeClr val="tx1"/>
@@ -33,7 +39,7 @@
         <a:cs typeface="+mn-cs"/>
       </a:defRPr>
     </a:lvl2pPr>
-    <a:lvl3pPr marL="914400" algn="l" defTabSz="914400" rtl="0" eaLnBrk="1" latinLnBrk="0" hangingPunct="1">
+    <a:lvl3pPr marL="914400" algn="l" defTabSz="457200" rtl="0" eaLnBrk="1" latinLnBrk="0" hangingPunct="1">
       <a:defRPr sz="1800" kern="1200">
         <a:solidFill>
           <a:schemeClr val="tx1"/>
@@ -43,7 +49,7 @@
         <a:cs typeface="+mn-cs"/>
       </a:defRPr>
     </a:lvl3pPr>
-    <a:lvl4pPr marL="1371600" algn="l" defTabSz="914400" rtl="0" eaLnBrk="1" latinLnBrk="0" hangingPunct="1">
+    <a:lvl4pPr marL="1371600" algn="l" defTabSz="457200" rtl="0" eaLnBrk="1" latinLnBrk="0" hangingPunct="1">
       <a:defRPr sz="1800" kern="1200">
         <a:solidFill>
           <a:schemeClr val="tx1"/>
@@ -53,7 +59,7 @@
         <a:cs typeface="+mn-cs"/>
       </a:defRPr>
     </a:lvl4pPr>
-    <a:lvl5pPr marL="1828800" algn="l" defTabSz="914400" rtl="0" eaLnBrk="1" latinLnBrk="0" hangingPunct="1">
+    <a:lvl5pPr marL="1828800" algn="l" defTabSz="457200" rtl="0" eaLnBrk="1" latinLnBrk="0" hangingPunct="1">
       <a:defRPr sz="1800" kern="1200">
         <a:solidFill>
           <a:schemeClr val="tx1"/>
@@ -63,7 +69,7 @@
         <a:cs typeface="+mn-cs"/>
       </a:defRPr>
     </a:lvl5pPr>
-    <a:lvl6pPr marL="2286000" algn="l" defTabSz="914400" rtl="0" eaLnBrk="1" latinLnBrk="0" hangingPunct="1">
+    <a:lvl6pPr marL="2286000" algn="l" defTabSz="457200" rtl="0" eaLnBrk="1" latinLnBrk="0" hangingPunct="1">
       <a:defRPr sz="1800" kern="1200">
         <a:solidFill>
           <a:schemeClr val="tx1"/>
@@ -73,7 +79,7 @@
         <a:cs typeface="+mn-cs"/>
       </a:defRPr>
     </a:lvl6pPr>
-    <a:lvl7pPr marL="2743200" algn="l" defTabSz="914400" rtl="0" eaLnBrk="1" latinLnBrk="0" hangingPunct="1">
+    <a:lvl7pPr marL="2743200" algn="l" defTabSz="457200" rtl="0" eaLnBrk="1" latinLnBrk="0" hangingPunct="1">
       <a:defRPr sz="1800" kern="1200">
         <a:solidFill>
           <a:schemeClr val="tx1"/>
@@ -83,7 +89,7 @@
         <a:cs typeface="+mn-cs"/>
       </a:defRPr>
     </a:lvl7pPr>
-    <a:lvl8pPr marL="3200400" algn="l" defTabSz="914400" rtl="0" eaLnBrk="1" latinLnBrk="0" hangingPunct="1">
+    <a:lvl8pPr marL="3200400" algn="l" defTabSz="457200" rtl="0" eaLnBrk="1" latinLnBrk="0" hangingPunct="1">
       <a:defRPr sz="1800" kern="1200">
         <a:solidFill>
           <a:schemeClr val="tx1"/>
@@ -93,7 +99,7 @@
         <a:cs typeface="+mn-cs"/>
       </a:defRPr>
     </a:lvl8pPr>
-    <a:lvl9pPr marL="3657600" algn="l" defTabSz="914400" rtl="0" eaLnBrk="1" latinLnBrk="0" hangingPunct="1">
+    <a:lvl9pPr marL="3657600" algn="l" defTabSz="457200" rtl="0" eaLnBrk="1" latinLnBrk="0" hangingPunct="1">
       <a:defRPr sz="1800" kern="1200">
         <a:solidFill>
           <a:schemeClr val="tx1"/>
@@ -126,13 +132,7 @@
       </p:grpSpPr>
       <p:sp>
         <p:nvSpPr>
-          <p:cNvPr id="2" name="Title 1">
-            <a:extLst>
-              <a:ext uri="{FF2B5EF4-FFF2-40B4-BE49-F238E27FC236}">
-                <a16:creationId xmlns:a16="http://schemas.microsoft.com/office/drawing/2014/main" id="{24384392-9B7C-671D-7219-CA9524963831}"/>
-              </a:ext>
-            </a:extLst>
-          </p:cNvPr>
+          <p:cNvPr id="2" name="Title 1"/>
           <p:cNvSpPr>
             <a:spLocks noGrp="1"/>
           </p:cNvSpPr>
@@ -142,35 +142,25 @@
         </p:nvSpPr>
         <p:spPr>
           <a:xfrm>
-            <a:off x="1524000" y="1122363"/>
-            <a:ext cx="9144000" cy="2387600"/>
+            <a:off x="685800" y="2130425"/>
+            <a:ext cx="7772400" cy="1470025"/>
           </a:xfrm>
         </p:spPr>
         <p:txBody>
-          <a:bodyPr anchor="b"/>
-          <a:lstStyle>
-            <a:lvl1pPr algn="ctr">
-              <a:defRPr sz="6000"/>
-            </a:lvl1pPr>
-          </a:lstStyle>
-          <a:p>
-            <a:r>
-              <a:rPr lang="en-GB"/>
+          <a:bodyPr/>
+          <a:lstStyle/>
+          <a:p>
+            <a:r>
+              <a:rPr lang="en-US" smtClean="0"/>
               <a:t>Click to edit Master title style</a:t>
             </a:r>
-            <a:endParaRPr lang="en-FR"/>
-          </a:p>
-        </p:txBody>
-      </p:sp>
-      <p:sp>
-        <p:nvSpPr>
-          <p:cNvPr id="3" name="Subtitle 2">
-            <a:extLst>
-              <a:ext uri="{FF2B5EF4-FFF2-40B4-BE49-F238E27FC236}">
-                <a16:creationId xmlns:a16="http://schemas.microsoft.com/office/drawing/2014/main" id="{76A9B37A-73F7-C668-2998-C4B37DA4F702}"/>
-              </a:ext>
-            </a:extLst>
-          </p:cNvPr>
+            <a:endParaRPr lang="en-US"/>
+          </a:p>
+        </p:txBody>
+      </p:sp>
+      <p:sp>
+        <p:nvSpPr>
+          <p:cNvPr id="3" name="Subtitle 2"/>
           <p:cNvSpPr>
             <a:spLocks noGrp="1"/>
           </p:cNvSpPr>
@@ -180,8 +170,8 @@
         </p:nvSpPr>
         <p:spPr>
           <a:xfrm>
-            <a:off x="1524000" y="3602038"/>
-            <a:ext cx="9144000" cy="1655762"/>
+            <a:off x="1371600" y="3886200"/>
+            <a:ext cx="6400800" cy="1752600"/>
           </a:xfrm>
         </p:spPr>
         <p:txBody>
@@ -189,59 +179,107 @@
           <a:lstStyle>
             <a:lvl1pPr marL="0" indent="0" algn="ctr">
               <a:buNone/>
-              <a:defRPr sz="2400"/>
+              <a:defRPr>
+                <a:solidFill>
+                  <a:schemeClr val="tx1">
+                    <a:tint val="75000"/>
+                  </a:schemeClr>
+                </a:solidFill>
+              </a:defRPr>
             </a:lvl1pPr>
             <a:lvl2pPr marL="457200" indent="0" algn="ctr">
               <a:buNone/>
-              <a:defRPr sz="2000"/>
+              <a:defRPr>
+                <a:solidFill>
+                  <a:schemeClr val="tx1">
+                    <a:tint val="75000"/>
+                  </a:schemeClr>
+                </a:solidFill>
+              </a:defRPr>
             </a:lvl2pPr>
             <a:lvl3pPr marL="914400" indent="0" algn="ctr">
               <a:buNone/>
-              <a:defRPr sz="1800"/>
+              <a:defRPr>
+                <a:solidFill>
+                  <a:schemeClr val="tx1">
+                    <a:tint val="75000"/>
+                  </a:schemeClr>
+                </a:solidFill>
+              </a:defRPr>
             </a:lvl3pPr>
             <a:lvl4pPr marL="1371600" indent="0" algn="ctr">
               <a:buNone/>
-              <a:defRPr sz="1600"/>
+              <a:defRPr>
+                <a:solidFill>
+                  <a:schemeClr val="tx1">
+                    <a:tint val="75000"/>
+                  </a:schemeClr>
+                </a:solidFill>
+              </a:defRPr>
             </a:lvl4pPr>
             <a:lvl5pPr marL="1828800" indent="0" algn="ctr">
               <a:buNone/>
-              <a:defRPr sz="1600"/>
+              <a:defRPr>
+                <a:solidFill>
+                  <a:schemeClr val="tx1">
+                    <a:tint val="75000"/>
+                  </a:schemeClr>
+                </a:solidFill>
+              </a:defRPr>
             </a:lvl5pPr>
             <a:lvl6pPr marL="2286000" indent="0" algn="ctr">
               <a:buNone/>
-              <a:defRPr sz="1600"/>
+              <a:defRPr>
+                <a:solidFill>
+                  <a:schemeClr val="tx1">
+                    <a:tint val="75000"/>
+                  </a:schemeClr>
+                </a:solidFill>
+              </a:defRPr>
             </a:lvl6pPr>
             <a:lvl7pPr marL="2743200" indent="0" algn="ctr">
               <a:buNone/>
-              <a:defRPr sz="1600"/>
+              <a:defRPr>
+                <a:solidFill>
+                  <a:schemeClr val="tx1">
+                    <a:tint val="75000"/>
+                  </a:schemeClr>
+                </a:solidFill>
+              </a:defRPr>
             </a:lvl7pPr>
             <a:lvl8pPr marL="3200400" indent="0" algn="ctr">
               <a:buNone/>
-              <a:defRPr sz="1600"/>
+              <a:defRPr>
+                <a:solidFill>
+                  <a:schemeClr val="tx1">
+                    <a:tint val="75000"/>
+                  </a:schemeClr>
+                </a:solidFill>
+              </a:defRPr>
             </a:lvl8pPr>
             <a:lvl9pPr marL="3657600" indent="0" algn="ctr">
               <a:buNone/>
-              <a:defRPr sz="1600"/>
+              <a:defRPr>
+                <a:solidFill>
+                  <a:schemeClr val="tx1">
+                    <a:tint val="75000"/>
+                  </a:schemeClr>
+                </a:solidFill>
+              </a:defRPr>
             </a:lvl9pPr>
           </a:lstStyle>
           <a:p>
             <a:r>
-              <a:rPr lang="en-GB"/>
+              <a:rPr lang="en-US" smtClean="0"/>
               <a:t>Click to edit Master subtitle style</a:t>
             </a:r>
-            <a:endParaRPr lang="en-FR"/>
-          </a:p>
-        </p:txBody>
-      </p:sp>
-      <p:sp>
-        <p:nvSpPr>
-          <p:cNvPr id="4" name="Date Placeholder 3">
-            <a:extLst>
-              <a:ext uri="{FF2B5EF4-FFF2-40B4-BE49-F238E27FC236}">
-                <a16:creationId xmlns:a16="http://schemas.microsoft.com/office/drawing/2014/main" id="{2EC09818-9E55-10B6-119C-2D81906EF59C}"/>
-              </a:ext>
-            </a:extLst>
-          </p:cNvPr>
+            <a:endParaRPr lang="en-US"/>
+          </a:p>
+        </p:txBody>
+      </p:sp>
+      <p:sp>
+        <p:nvSpPr>
+          <p:cNvPr id="4" name="Date Placeholder 3"/>
           <p:cNvSpPr>
             <a:spLocks noGrp="1"/>
           </p:cNvSpPr>
@@ -254,23 +292,17 @@
           <a:bodyPr/>
           <a:lstStyle/>
           <a:p>
-            <a:fld id="{7CD783A5-BC47-ED4D-84DA-4F8B01B4E4C0}" type="datetimeFigureOut">
-              <a:rPr lang="en-FR" smtClean="0"/>
-              <a:t>23/10/2025</a:t>
+            <a:fld id="{5BCAD085-E8A6-8845-BD4E-CB4CCA059FC4}" type="datetimeFigureOut">
+              <a:rPr lang="en-US" smtClean="0"/>
+              <a:t>1/27/13</a:t>
             </a:fld>
-            <a:endParaRPr lang="en-FR"/>
-          </a:p>
-        </p:txBody>
-      </p:sp>
-      <p:sp>
-        <p:nvSpPr>
-          <p:cNvPr id="5" name="Footer Placeholder 4">
-            <a:extLst>
-              <a:ext uri="{FF2B5EF4-FFF2-40B4-BE49-F238E27FC236}">
-                <a16:creationId xmlns:a16="http://schemas.microsoft.com/office/drawing/2014/main" id="{60951582-3011-0130-2495-0BA5B2BDCB01}"/>
-              </a:ext>
-            </a:extLst>
-          </p:cNvPr>
+            <a:endParaRPr lang="en-US"/>
+          </a:p>
+        </p:txBody>
+      </p:sp>
+      <p:sp>
+        <p:nvSpPr>
+          <p:cNvPr id="5" name="Footer Placeholder 4"/>
           <p:cNvSpPr>
             <a:spLocks noGrp="1"/>
           </p:cNvSpPr>
@@ -283,19 +315,13 @@
           <a:bodyPr/>
           <a:lstStyle/>
           <a:p>
-            <a:endParaRPr lang="en-FR"/>
-          </a:p>
-        </p:txBody>
-      </p:sp>
-      <p:sp>
-        <p:nvSpPr>
-          <p:cNvPr id="6" name="Slide Number Placeholder 5">
-            <a:extLst>
-              <a:ext uri="{FF2B5EF4-FFF2-40B4-BE49-F238E27FC236}">
-                <a16:creationId xmlns:a16="http://schemas.microsoft.com/office/drawing/2014/main" id="{29BE3FAF-D694-4E90-8CA4-17A38BF85814}"/>
-              </a:ext>
-            </a:extLst>
-          </p:cNvPr>
+            <a:endParaRPr lang="en-US"/>
+          </a:p>
+        </p:txBody>
+      </p:sp>
+      <p:sp>
+        <p:nvSpPr>
+          <p:cNvPr id="6" name="Slide Number Placeholder 5"/>
           <p:cNvSpPr>
             <a:spLocks noGrp="1"/>
           </p:cNvSpPr>
@@ -308,18 +334,18 @@
           <a:bodyPr/>
           <a:lstStyle/>
           <a:p>
-            <a:fld id="{7A684E51-FA75-6045-9327-F52E4E2EADA7}" type="slidenum">
-              <a:rPr lang="en-FR" smtClean="0"/>
+            <a:fld id="{C1FF6DA9-008F-8B48-92A6-B652298478BF}" type="slidenum">
+              <a:rPr lang="en-US" smtClean="0"/>
               <a:t>‹#›</a:t>
             </a:fld>
-            <a:endParaRPr lang="en-FR"/>
+            <a:endParaRPr lang="en-US"/>
           </a:p>
         </p:txBody>
       </p:sp>
     </p:spTree>
     <p:extLst>
       <p:ext uri="{BB962C8B-B14F-4D97-AF65-F5344CB8AC3E}">
-        <p14:creationId xmlns:p14="http://schemas.microsoft.com/office/powerpoint/2010/main" val="3733238234"/>
+        <p14:creationId xmlns:p14="http://schemas.microsoft.com/office/powerpoint/2010/main" val="3168075583"/>
       </p:ext>
     </p:extLst>
   </p:cSld>
@@ -348,13 +374,7 @@
       </p:grpSpPr>
       <p:sp>
         <p:nvSpPr>
-          <p:cNvPr id="2" name="Title 1">
-            <a:extLst>
-              <a:ext uri="{FF2B5EF4-FFF2-40B4-BE49-F238E27FC236}">
-                <a16:creationId xmlns:a16="http://schemas.microsoft.com/office/drawing/2014/main" id="{671E24C8-F68E-D038-2FA5-191B8017C263}"/>
-              </a:ext>
-            </a:extLst>
-          </p:cNvPr>
+          <p:cNvPr id="2" name="Title 1"/>
           <p:cNvSpPr>
             <a:spLocks noGrp="1"/>
           </p:cNvSpPr>
@@ -368,22 +388,16 @@
           <a:lstStyle/>
           <a:p>
             <a:r>
-              <a:rPr lang="en-GB"/>
+              <a:rPr lang="en-US" smtClean="0"/>
               <a:t>Click to edit Master title style</a:t>
             </a:r>
-            <a:endParaRPr lang="en-FR"/>
-          </a:p>
-        </p:txBody>
-      </p:sp>
-      <p:sp>
-        <p:nvSpPr>
-          <p:cNvPr id="3" name="Vertical Text Placeholder 2">
-            <a:extLst>
-              <a:ext uri="{FF2B5EF4-FFF2-40B4-BE49-F238E27FC236}">
-                <a16:creationId xmlns:a16="http://schemas.microsoft.com/office/drawing/2014/main" id="{C08E1BAB-3E23-D5B3-6DAE-401BFCDACA1D}"/>
-              </a:ext>
-            </a:extLst>
-          </p:cNvPr>
+            <a:endParaRPr lang="en-US"/>
+          </a:p>
+        </p:txBody>
+      </p:sp>
+      <p:sp>
+        <p:nvSpPr>
+          <p:cNvPr id="3" name="Vertical Text Placeholder 2"/>
           <p:cNvSpPr>
             <a:spLocks noGrp="1"/>
           </p:cNvSpPr>
@@ -398,50 +412,44 @@
           <a:p>
             <a:pPr lvl="0"/>
             <a:r>
-              <a:rPr lang="en-GB"/>
+              <a:rPr lang="en-US" smtClean="0"/>
               <a:t>Click to edit Master text styles</a:t>
             </a:r>
           </a:p>
           <a:p>
             <a:pPr lvl="1"/>
             <a:r>
-              <a:rPr lang="en-GB"/>
+              <a:rPr lang="en-US" smtClean="0"/>
               <a:t>Second level</a:t>
             </a:r>
           </a:p>
           <a:p>
             <a:pPr lvl="2"/>
             <a:r>
-              <a:rPr lang="en-GB"/>
+              <a:rPr lang="en-US" smtClean="0"/>
               <a:t>Third level</a:t>
             </a:r>
           </a:p>
           <a:p>
             <a:pPr lvl="3"/>
             <a:r>
-              <a:rPr lang="en-GB"/>
+              <a:rPr lang="en-US" smtClean="0"/>
               <a:t>Fourth level</a:t>
             </a:r>
           </a:p>
           <a:p>
             <a:pPr lvl="4"/>
             <a:r>
-              <a:rPr lang="en-GB"/>
+              <a:rPr lang="en-US" smtClean="0"/>
               <a:t>Fifth level</a:t>
             </a:r>
-            <a:endParaRPr lang="en-FR"/>
-          </a:p>
-        </p:txBody>
-      </p:sp>
-      <p:sp>
-        <p:nvSpPr>
-          <p:cNvPr id="4" name="Date Placeholder 3">
-            <a:extLst>
-              <a:ext uri="{FF2B5EF4-FFF2-40B4-BE49-F238E27FC236}">
-                <a16:creationId xmlns:a16="http://schemas.microsoft.com/office/drawing/2014/main" id="{476BC87E-6D99-EFC4-0978-40E6FB71C6BA}"/>
-              </a:ext>
-            </a:extLst>
-          </p:cNvPr>
+            <a:endParaRPr lang="en-US"/>
+          </a:p>
+        </p:txBody>
+      </p:sp>
+      <p:sp>
+        <p:nvSpPr>
+          <p:cNvPr id="4" name="Date Placeholder 3"/>
           <p:cNvSpPr>
             <a:spLocks noGrp="1"/>
           </p:cNvSpPr>
@@ -454,23 +462,17 @@
           <a:bodyPr/>
           <a:lstStyle/>
           <a:p>
-            <a:fld id="{7CD783A5-BC47-ED4D-84DA-4F8B01B4E4C0}" type="datetimeFigureOut">
-              <a:rPr lang="en-FR" smtClean="0"/>
-              <a:t>23/10/2025</a:t>
+            <a:fld id="{5BCAD085-E8A6-8845-BD4E-CB4CCA059FC4}" type="datetimeFigureOut">
+              <a:rPr lang="en-US" smtClean="0"/>
+              <a:t>1/27/13</a:t>
             </a:fld>
-            <a:endParaRPr lang="en-FR"/>
-          </a:p>
-        </p:txBody>
-      </p:sp>
-      <p:sp>
-        <p:nvSpPr>
-          <p:cNvPr id="5" name="Footer Placeholder 4">
-            <a:extLst>
-              <a:ext uri="{FF2B5EF4-FFF2-40B4-BE49-F238E27FC236}">
-                <a16:creationId xmlns:a16="http://schemas.microsoft.com/office/drawing/2014/main" id="{3AC0DF9D-9EFD-7690-4203-5436C738AA87}"/>
-              </a:ext>
-            </a:extLst>
-          </p:cNvPr>
+            <a:endParaRPr lang="en-US"/>
+          </a:p>
+        </p:txBody>
+      </p:sp>
+      <p:sp>
+        <p:nvSpPr>
+          <p:cNvPr id="5" name="Footer Placeholder 4"/>
           <p:cNvSpPr>
             <a:spLocks noGrp="1"/>
           </p:cNvSpPr>
@@ -483,19 +485,13 @@
           <a:bodyPr/>
           <a:lstStyle/>
           <a:p>
-            <a:endParaRPr lang="en-FR"/>
-          </a:p>
-        </p:txBody>
-      </p:sp>
-      <p:sp>
-        <p:nvSpPr>
-          <p:cNvPr id="6" name="Slide Number Placeholder 5">
-            <a:extLst>
-              <a:ext uri="{FF2B5EF4-FFF2-40B4-BE49-F238E27FC236}">
-                <a16:creationId xmlns:a16="http://schemas.microsoft.com/office/drawing/2014/main" id="{4538A08F-A0CD-B57E-BDFA-D947E4E668A8}"/>
-              </a:ext>
-            </a:extLst>
-          </p:cNvPr>
+            <a:endParaRPr lang="en-US"/>
+          </a:p>
+        </p:txBody>
+      </p:sp>
+      <p:sp>
+        <p:nvSpPr>
+          <p:cNvPr id="6" name="Slide Number Placeholder 5"/>
           <p:cNvSpPr>
             <a:spLocks noGrp="1"/>
           </p:cNvSpPr>
@@ -508,18 +504,18 @@
           <a:bodyPr/>
           <a:lstStyle/>
           <a:p>
-            <a:fld id="{7A684E51-FA75-6045-9327-F52E4E2EADA7}" type="slidenum">
-              <a:rPr lang="en-FR" smtClean="0"/>
+            <a:fld id="{C1FF6DA9-008F-8B48-92A6-B652298478BF}" type="slidenum">
+              <a:rPr lang="en-US" smtClean="0"/>
               <a:t>‹#›</a:t>
             </a:fld>
-            <a:endParaRPr lang="en-FR"/>
+            <a:endParaRPr lang="en-US"/>
           </a:p>
         </p:txBody>
       </p:sp>
     </p:spTree>
     <p:extLst>
       <p:ext uri="{BB962C8B-B14F-4D97-AF65-F5344CB8AC3E}">
-        <p14:creationId xmlns:p14="http://schemas.microsoft.com/office/powerpoint/2010/main" val="2257666199"/>
+        <p14:creationId xmlns:p14="http://schemas.microsoft.com/office/powerpoint/2010/main" val="2910927964"/>
       </p:ext>
     </p:extLst>
   </p:cSld>
@@ -548,13 +544,7 @@
       </p:grpSpPr>
       <p:sp>
         <p:nvSpPr>
-          <p:cNvPr id="2" name="Vertical Title 1">
-            <a:extLst>
-              <a:ext uri="{FF2B5EF4-FFF2-40B4-BE49-F238E27FC236}">
-                <a16:creationId xmlns:a16="http://schemas.microsoft.com/office/drawing/2014/main" id="{8A93492F-7DD6-14BD-A055-B70DD9E6EB46}"/>
-              </a:ext>
-            </a:extLst>
-          </p:cNvPr>
+          <p:cNvPr id="2" name="Vertical Title 1"/>
           <p:cNvSpPr>
             <a:spLocks noGrp="1"/>
           </p:cNvSpPr>
@@ -564,8 +554,8 @@
         </p:nvSpPr>
         <p:spPr>
           <a:xfrm>
-            <a:off x="8724900" y="365125"/>
-            <a:ext cx="2628900" cy="5811838"/>
+            <a:off x="6629400" y="274638"/>
+            <a:ext cx="2057400" cy="5851525"/>
           </a:xfrm>
         </p:spPr>
         <p:txBody>
@@ -573,22 +563,16 @@
           <a:lstStyle/>
           <a:p>
             <a:r>
-              <a:rPr lang="en-GB"/>
+              <a:rPr lang="en-US" smtClean="0"/>
               <a:t>Click to edit Master title style</a:t>
             </a:r>
-            <a:endParaRPr lang="en-FR"/>
-          </a:p>
-        </p:txBody>
-      </p:sp>
-      <p:sp>
-        <p:nvSpPr>
-          <p:cNvPr id="3" name="Vertical Text Placeholder 2">
-            <a:extLst>
-              <a:ext uri="{FF2B5EF4-FFF2-40B4-BE49-F238E27FC236}">
-                <a16:creationId xmlns:a16="http://schemas.microsoft.com/office/drawing/2014/main" id="{6973E8C0-A315-7CB6-E56E-DD1C9F374074}"/>
-              </a:ext>
-            </a:extLst>
-          </p:cNvPr>
+            <a:endParaRPr lang="en-US"/>
+          </a:p>
+        </p:txBody>
+      </p:sp>
+      <p:sp>
+        <p:nvSpPr>
+          <p:cNvPr id="3" name="Vertical Text Placeholder 2"/>
           <p:cNvSpPr>
             <a:spLocks noGrp="1"/>
           </p:cNvSpPr>
@@ -598,8 +582,8 @@
         </p:nvSpPr>
         <p:spPr>
           <a:xfrm>
-            <a:off x="838200" y="365125"/>
-            <a:ext cx="7734300" cy="5811838"/>
+            <a:off x="457200" y="274638"/>
+            <a:ext cx="6019800" cy="5851525"/>
           </a:xfrm>
         </p:spPr>
         <p:txBody>
@@ -608,50 +592,44 @@
           <a:p>
             <a:pPr lvl="0"/>
             <a:r>
-              <a:rPr lang="en-GB"/>
+              <a:rPr lang="en-US" smtClean="0"/>
               <a:t>Click to edit Master text styles</a:t>
             </a:r>
           </a:p>
           <a:p>
             <a:pPr lvl="1"/>
             <a:r>
-              <a:rPr lang="en-GB"/>
+              <a:rPr lang="en-US" smtClean="0"/>
               <a:t>Second level</a:t>
             </a:r>
           </a:p>
           <a:p>
             <a:pPr lvl="2"/>
             <a:r>
-              <a:rPr lang="en-GB"/>
+              <a:rPr lang="en-US" smtClean="0"/>
               <a:t>Third level</a:t>
             </a:r>
           </a:p>
           <a:p>
             <a:pPr lvl="3"/>
             <a:r>
-              <a:rPr lang="en-GB"/>
+              <a:rPr lang="en-US" smtClean="0"/>
               <a:t>Fourth level</a:t>
             </a:r>
           </a:p>
           <a:p>
             <a:pPr lvl="4"/>
             <a:r>
-              <a:rPr lang="en-GB"/>
+              <a:rPr lang="en-US" smtClean="0"/>
               <a:t>Fifth level</a:t>
             </a:r>
-            <a:endParaRPr lang="en-FR"/>
-          </a:p>
-        </p:txBody>
-      </p:sp>
-      <p:sp>
-        <p:nvSpPr>
-          <p:cNvPr id="4" name="Date Placeholder 3">
-            <a:extLst>
-              <a:ext uri="{FF2B5EF4-FFF2-40B4-BE49-F238E27FC236}">
-                <a16:creationId xmlns:a16="http://schemas.microsoft.com/office/drawing/2014/main" id="{301B12B0-C5E7-DF7E-4243-BA015B9DACE0}"/>
-              </a:ext>
-            </a:extLst>
-          </p:cNvPr>
+            <a:endParaRPr lang="en-US"/>
+          </a:p>
+        </p:txBody>
+      </p:sp>
+      <p:sp>
+        <p:nvSpPr>
+          <p:cNvPr id="4" name="Date Placeholder 3"/>
           <p:cNvSpPr>
             <a:spLocks noGrp="1"/>
           </p:cNvSpPr>
@@ -664,23 +642,17 @@
           <a:bodyPr/>
           <a:lstStyle/>
           <a:p>
-            <a:fld id="{7CD783A5-BC47-ED4D-84DA-4F8B01B4E4C0}" type="datetimeFigureOut">
-              <a:rPr lang="en-FR" smtClean="0"/>
-              <a:t>23/10/2025</a:t>
+            <a:fld id="{5BCAD085-E8A6-8845-BD4E-CB4CCA059FC4}" type="datetimeFigureOut">
+              <a:rPr lang="en-US" smtClean="0"/>
+              <a:t>1/27/13</a:t>
             </a:fld>
-            <a:endParaRPr lang="en-FR"/>
-          </a:p>
-        </p:txBody>
-      </p:sp>
-      <p:sp>
-        <p:nvSpPr>
-          <p:cNvPr id="5" name="Footer Placeholder 4">
-            <a:extLst>
-              <a:ext uri="{FF2B5EF4-FFF2-40B4-BE49-F238E27FC236}">
-                <a16:creationId xmlns:a16="http://schemas.microsoft.com/office/drawing/2014/main" id="{E0A946B1-A8ED-DD71-A95E-BB71E3358831}"/>
-              </a:ext>
-            </a:extLst>
-          </p:cNvPr>
+            <a:endParaRPr lang="en-US"/>
+          </a:p>
+        </p:txBody>
+      </p:sp>
+      <p:sp>
+        <p:nvSpPr>
+          <p:cNvPr id="5" name="Footer Placeholder 4"/>
           <p:cNvSpPr>
             <a:spLocks noGrp="1"/>
           </p:cNvSpPr>
@@ -693,19 +665,13 @@
           <a:bodyPr/>
           <a:lstStyle/>
           <a:p>
-            <a:endParaRPr lang="en-FR"/>
-          </a:p>
-        </p:txBody>
-      </p:sp>
-      <p:sp>
-        <p:nvSpPr>
-          <p:cNvPr id="6" name="Slide Number Placeholder 5">
-            <a:extLst>
-              <a:ext uri="{FF2B5EF4-FFF2-40B4-BE49-F238E27FC236}">
-                <a16:creationId xmlns:a16="http://schemas.microsoft.com/office/drawing/2014/main" id="{D720FBA1-7D9C-CD34-76E3-476E03F0267E}"/>
-              </a:ext>
-            </a:extLst>
-          </p:cNvPr>
+            <a:endParaRPr lang="en-US"/>
+          </a:p>
+        </p:txBody>
+      </p:sp>
+      <p:sp>
+        <p:nvSpPr>
+          <p:cNvPr id="6" name="Slide Number Placeholder 5"/>
           <p:cNvSpPr>
             <a:spLocks noGrp="1"/>
           </p:cNvSpPr>
@@ -718,18 +684,18 @@
           <a:bodyPr/>
           <a:lstStyle/>
           <a:p>
-            <a:fld id="{7A684E51-FA75-6045-9327-F52E4E2EADA7}" type="slidenum">
-              <a:rPr lang="en-FR" smtClean="0"/>
+            <a:fld id="{C1FF6DA9-008F-8B48-92A6-B652298478BF}" type="slidenum">
+              <a:rPr lang="en-US" smtClean="0"/>
               <a:t>‹#›</a:t>
             </a:fld>
-            <a:endParaRPr lang="en-FR"/>
+            <a:endParaRPr lang="en-US"/>
           </a:p>
         </p:txBody>
       </p:sp>
     </p:spTree>
     <p:extLst>
       <p:ext uri="{BB962C8B-B14F-4D97-AF65-F5344CB8AC3E}">
-        <p14:creationId xmlns:p14="http://schemas.microsoft.com/office/powerpoint/2010/main" val="2056708088"/>
+        <p14:creationId xmlns:p14="http://schemas.microsoft.com/office/powerpoint/2010/main" val="3612223792"/>
       </p:ext>
     </p:extLst>
   </p:cSld>
@@ -758,13 +724,7 @@
       </p:grpSpPr>
       <p:sp>
         <p:nvSpPr>
-          <p:cNvPr id="2" name="Title 1">
-            <a:extLst>
-              <a:ext uri="{FF2B5EF4-FFF2-40B4-BE49-F238E27FC236}">
-                <a16:creationId xmlns:a16="http://schemas.microsoft.com/office/drawing/2014/main" id="{17780DE8-8EF8-E43D-5DE5-99DAAA51A739}"/>
-              </a:ext>
-            </a:extLst>
-          </p:cNvPr>
+          <p:cNvPr id="2" name="Title 1"/>
           <p:cNvSpPr>
             <a:spLocks noGrp="1"/>
           </p:cNvSpPr>
@@ -778,22 +738,16 @@
           <a:lstStyle/>
           <a:p>
             <a:r>
-              <a:rPr lang="en-GB"/>
+              <a:rPr lang="en-US" smtClean="0"/>
               <a:t>Click to edit Master title style</a:t>
             </a:r>
-            <a:endParaRPr lang="en-FR"/>
-          </a:p>
-        </p:txBody>
-      </p:sp>
-      <p:sp>
-        <p:nvSpPr>
-          <p:cNvPr id="3" name="Content Placeholder 2">
-            <a:extLst>
-              <a:ext uri="{FF2B5EF4-FFF2-40B4-BE49-F238E27FC236}">
-                <a16:creationId xmlns:a16="http://schemas.microsoft.com/office/drawing/2014/main" id="{7E041B11-487C-F7ED-4C59-D06A66D3EBB4}"/>
-              </a:ext>
-            </a:extLst>
-          </p:cNvPr>
+            <a:endParaRPr lang="en-US"/>
+          </a:p>
+        </p:txBody>
+      </p:sp>
+      <p:sp>
+        <p:nvSpPr>
+          <p:cNvPr id="3" name="Content Placeholder 2"/>
           <p:cNvSpPr>
             <a:spLocks noGrp="1"/>
           </p:cNvSpPr>
@@ -808,50 +762,44 @@
           <a:p>
             <a:pPr lvl="0"/>
             <a:r>
-              <a:rPr lang="en-GB"/>
+              <a:rPr lang="en-US" smtClean="0"/>
               <a:t>Click to edit Master text styles</a:t>
             </a:r>
           </a:p>
           <a:p>
             <a:pPr lvl="1"/>
             <a:r>
-              <a:rPr lang="en-GB"/>
+              <a:rPr lang="en-US" smtClean="0"/>
               <a:t>Second level</a:t>
             </a:r>
           </a:p>
           <a:p>
             <a:pPr lvl="2"/>
             <a:r>
-              <a:rPr lang="en-GB"/>
+              <a:rPr lang="en-US" smtClean="0"/>
               <a:t>Third level</a:t>
             </a:r>
           </a:p>
           <a:p>
             <a:pPr lvl="3"/>
             <a:r>
-              <a:rPr lang="en-GB"/>
+              <a:rPr lang="en-US" smtClean="0"/>
               <a:t>Fourth level</a:t>
             </a:r>
           </a:p>
           <a:p>
             <a:pPr lvl="4"/>
             <a:r>
-              <a:rPr lang="en-GB"/>
+              <a:rPr lang="en-US" smtClean="0"/>
               <a:t>Fifth level</a:t>
             </a:r>
-            <a:endParaRPr lang="en-FR"/>
-          </a:p>
-        </p:txBody>
-      </p:sp>
-      <p:sp>
-        <p:nvSpPr>
-          <p:cNvPr id="4" name="Date Placeholder 3">
-            <a:extLst>
-              <a:ext uri="{FF2B5EF4-FFF2-40B4-BE49-F238E27FC236}">
-                <a16:creationId xmlns:a16="http://schemas.microsoft.com/office/drawing/2014/main" id="{04006D54-BE0A-0A67-C0FD-65FA7FA2927C}"/>
-              </a:ext>
-            </a:extLst>
-          </p:cNvPr>
+            <a:endParaRPr lang="en-US"/>
+          </a:p>
+        </p:txBody>
+      </p:sp>
+      <p:sp>
+        <p:nvSpPr>
+          <p:cNvPr id="4" name="Date Placeholder 3"/>
           <p:cNvSpPr>
             <a:spLocks noGrp="1"/>
           </p:cNvSpPr>
@@ -864,23 +812,17 @@
           <a:bodyPr/>
           <a:lstStyle/>
           <a:p>
-            <a:fld id="{7CD783A5-BC47-ED4D-84DA-4F8B01B4E4C0}" type="datetimeFigureOut">
-              <a:rPr lang="en-FR" smtClean="0"/>
-              <a:t>23/10/2025</a:t>
+            <a:fld id="{5BCAD085-E8A6-8845-BD4E-CB4CCA059FC4}" type="datetimeFigureOut">
+              <a:rPr lang="en-US" smtClean="0"/>
+              <a:t>1/27/13</a:t>
             </a:fld>
-            <a:endParaRPr lang="en-FR"/>
-          </a:p>
-        </p:txBody>
-      </p:sp>
-      <p:sp>
-        <p:nvSpPr>
-          <p:cNvPr id="5" name="Footer Placeholder 4">
-            <a:extLst>
-              <a:ext uri="{FF2B5EF4-FFF2-40B4-BE49-F238E27FC236}">
-                <a16:creationId xmlns:a16="http://schemas.microsoft.com/office/drawing/2014/main" id="{83496F5D-CBD6-9975-2AB5-0F401FB01C21}"/>
-              </a:ext>
-            </a:extLst>
-          </p:cNvPr>
+            <a:endParaRPr lang="en-US"/>
+          </a:p>
+        </p:txBody>
+      </p:sp>
+      <p:sp>
+        <p:nvSpPr>
+          <p:cNvPr id="5" name="Footer Placeholder 4"/>
           <p:cNvSpPr>
             <a:spLocks noGrp="1"/>
           </p:cNvSpPr>
@@ -893,19 +835,13 @@
           <a:bodyPr/>
           <a:lstStyle/>
           <a:p>
-            <a:endParaRPr lang="en-FR"/>
-          </a:p>
-        </p:txBody>
-      </p:sp>
-      <p:sp>
-        <p:nvSpPr>
-          <p:cNvPr id="6" name="Slide Number Placeholder 5">
-            <a:extLst>
-              <a:ext uri="{FF2B5EF4-FFF2-40B4-BE49-F238E27FC236}">
-                <a16:creationId xmlns:a16="http://schemas.microsoft.com/office/drawing/2014/main" id="{052E3FE3-C044-2850-E35C-911CC4A39B76}"/>
-              </a:ext>
-            </a:extLst>
-          </p:cNvPr>
+            <a:endParaRPr lang="en-US"/>
+          </a:p>
+        </p:txBody>
+      </p:sp>
+      <p:sp>
+        <p:nvSpPr>
+          <p:cNvPr id="6" name="Slide Number Placeholder 5"/>
           <p:cNvSpPr>
             <a:spLocks noGrp="1"/>
           </p:cNvSpPr>
@@ -918,18 +854,18 @@
           <a:bodyPr/>
           <a:lstStyle/>
           <a:p>
-            <a:fld id="{7A684E51-FA75-6045-9327-F52E4E2EADA7}" type="slidenum">
-              <a:rPr lang="en-FR" smtClean="0"/>
+            <a:fld id="{C1FF6DA9-008F-8B48-92A6-B652298478BF}" type="slidenum">
+              <a:rPr lang="en-US" smtClean="0"/>
               <a:t>‹#›</a:t>
             </a:fld>
-            <a:endParaRPr lang="en-FR"/>
+            <a:endParaRPr lang="en-US"/>
           </a:p>
         </p:txBody>
       </p:sp>
     </p:spTree>
     <p:extLst>
       <p:ext uri="{BB962C8B-B14F-4D97-AF65-F5344CB8AC3E}">
-        <p14:creationId xmlns:p14="http://schemas.microsoft.com/office/powerpoint/2010/main" val="2018518425"/>
+        <p14:creationId xmlns:p14="http://schemas.microsoft.com/office/powerpoint/2010/main" val="2614314258"/>
       </p:ext>
     </p:extLst>
   </p:cSld>
@@ -958,13 +894,7 @@
       </p:grpSpPr>
       <p:sp>
         <p:nvSpPr>
-          <p:cNvPr id="2" name="Title 1">
-            <a:extLst>
-              <a:ext uri="{FF2B5EF4-FFF2-40B4-BE49-F238E27FC236}">
-                <a16:creationId xmlns:a16="http://schemas.microsoft.com/office/drawing/2014/main" id="{6BD76AE8-6291-D404-B737-AF98DDC922D3}"/>
-              </a:ext>
-            </a:extLst>
-          </p:cNvPr>
+          <p:cNvPr id="2" name="Title 1"/>
           <p:cNvSpPr>
             <a:spLocks noGrp="1"/>
           </p:cNvSpPr>
@@ -974,137 +904,131 @@
         </p:nvSpPr>
         <p:spPr>
           <a:xfrm>
-            <a:off x="831850" y="1709738"/>
-            <a:ext cx="10515600" cy="2852737"/>
+            <a:off x="722313" y="4406900"/>
+            <a:ext cx="7772400" cy="1362075"/>
           </a:xfrm>
         </p:spPr>
         <p:txBody>
+          <a:bodyPr anchor="t"/>
+          <a:lstStyle>
+            <a:lvl1pPr algn="l">
+              <a:defRPr sz="4000" b="1" cap="all"/>
+            </a:lvl1pPr>
+          </a:lstStyle>
+          <a:p>
+            <a:r>
+              <a:rPr lang="en-US" smtClean="0"/>
+              <a:t>Click to edit Master title style</a:t>
+            </a:r>
+            <a:endParaRPr lang="en-US"/>
+          </a:p>
+        </p:txBody>
+      </p:sp>
+      <p:sp>
+        <p:nvSpPr>
+          <p:cNvPr id="3" name="Text Placeholder 2"/>
+          <p:cNvSpPr>
+            <a:spLocks noGrp="1"/>
+          </p:cNvSpPr>
+          <p:nvPr>
+            <p:ph type="body" idx="1"/>
+          </p:nvPr>
+        </p:nvSpPr>
+        <p:spPr>
+          <a:xfrm>
+            <a:off x="722313" y="2906713"/>
+            <a:ext cx="7772400" cy="1500187"/>
+          </a:xfrm>
+        </p:spPr>
+        <p:txBody>
           <a:bodyPr anchor="b"/>
           <a:lstStyle>
-            <a:lvl1pPr>
-              <a:defRPr sz="6000"/>
-            </a:lvl1pPr>
-          </a:lstStyle>
-          <a:p>
-            <a:r>
-              <a:rPr lang="en-GB"/>
-              <a:t>Click to edit Master title style</a:t>
-            </a:r>
-            <a:endParaRPr lang="en-FR"/>
-          </a:p>
-        </p:txBody>
-      </p:sp>
-      <p:sp>
-        <p:nvSpPr>
-          <p:cNvPr id="3" name="Text Placeholder 2">
-            <a:extLst>
-              <a:ext uri="{FF2B5EF4-FFF2-40B4-BE49-F238E27FC236}">
-                <a16:creationId xmlns:a16="http://schemas.microsoft.com/office/drawing/2014/main" id="{B39BC56E-AADC-8EAC-1FD3-072D332B7C99}"/>
-              </a:ext>
-            </a:extLst>
-          </p:cNvPr>
-          <p:cNvSpPr>
-            <a:spLocks noGrp="1"/>
-          </p:cNvSpPr>
-          <p:nvPr>
-            <p:ph type="body" idx="1"/>
-          </p:nvPr>
-        </p:nvSpPr>
-        <p:spPr>
-          <a:xfrm>
-            <a:off x="831850" y="4589463"/>
-            <a:ext cx="10515600" cy="1500187"/>
-          </a:xfrm>
-        </p:spPr>
-        <p:txBody>
-          <a:bodyPr/>
-          <a:lstStyle>
             <a:lvl1pPr marL="0" indent="0">
               <a:buNone/>
-              <a:defRPr sz="2400">
+              <a:defRPr sz="2000">
                 <a:solidFill>
                   <a:schemeClr val="tx1">
-                    <a:tint val="82000"/>
+                    <a:tint val="75000"/>
                   </a:schemeClr>
                 </a:solidFill>
               </a:defRPr>
             </a:lvl1pPr>
             <a:lvl2pPr marL="457200" indent="0">
               <a:buNone/>
-              <a:defRPr sz="2000">
+              <a:defRPr sz="1800">
                 <a:solidFill>
                   <a:schemeClr val="tx1">
-                    <a:tint val="82000"/>
+                    <a:tint val="75000"/>
                   </a:schemeClr>
                 </a:solidFill>
               </a:defRPr>
             </a:lvl2pPr>
             <a:lvl3pPr marL="914400" indent="0">
               <a:buNone/>
-              <a:defRPr sz="1800">
+              <a:defRPr sz="1600">
                 <a:solidFill>
                   <a:schemeClr val="tx1">
-                    <a:tint val="82000"/>
+                    <a:tint val="75000"/>
                   </a:schemeClr>
                 </a:solidFill>
               </a:defRPr>
             </a:lvl3pPr>
             <a:lvl4pPr marL="1371600" indent="0">
               <a:buNone/>
-              <a:defRPr sz="1600">
+              <a:defRPr sz="1400">
                 <a:solidFill>
                   <a:schemeClr val="tx1">
-                    <a:tint val="82000"/>
+                    <a:tint val="75000"/>
                   </a:schemeClr>
                 </a:solidFill>
               </a:defRPr>
             </a:lvl4pPr>
             <a:lvl5pPr marL="1828800" indent="0">
               <a:buNone/>
-              <a:defRPr sz="1600">
+              <a:defRPr sz="1400">
                 <a:solidFill>
                   <a:schemeClr val="tx1">
-                    <a:tint val="82000"/>
+                    <a:tint val="75000"/>
                   </a:schemeClr>
                 </a:solidFill>
               </a:defRPr>
             </a:lvl5pPr>
             <a:lvl6pPr marL="2286000" indent="0">
               <a:buNone/>
-              <a:defRPr sz="1600">
+              <a:defRPr sz="1400">
                 <a:solidFill>
                   <a:schemeClr val="tx1">
-                    <a:tint val="82000"/>
+                    <a:tint val="75000"/>
                   </a:schemeClr>
                 </a:solidFill>
               </a:defRPr>
             </a:lvl6pPr>
             <a:lvl7pPr marL="2743200" indent="0">
               <a:buNone/>
-              <a:defRPr sz="1600">
+              <a:defRPr sz="1400">
                 <a:solidFill>
                   <a:schemeClr val="tx1">
-                    <a:tint val="82000"/>
+                    <a:tint val="75000"/>
                   </a:schemeClr>
                 </a:solidFill>
               </a:defRPr>
             </a:lvl7pPr>
             <a:lvl8pPr marL="3200400" indent="0">
               <a:buNone/>
-              <a:defRPr sz="1600">
+              <a:defRPr sz="1400">
                 <a:solidFill>
                   <a:schemeClr val="tx1">
-                    <a:tint val="82000"/>
+                    <a:tint val="75000"/>
                   </a:schemeClr>
                 </a:solidFill>
               </a:defRPr>
             </a:lvl8pPr>
             <a:lvl9pPr marL="3657600" indent="0">
               <a:buNone/>
-              <a:defRPr sz="1600">
+              <a:defRPr sz="1400">
                 <a:solidFill>
                   <a:schemeClr val="tx1">
-                    <a:tint val="82000"/>
+                    <a:tint val="75000"/>
                   </a:schemeClr>
                 </a:solidFill>
               </a:defRPr>
@@ -1113,7 +1037,7 @@
           <a:p>
             <a:pPr lvl="0"/>
             <a:r>
-              <a:rPr lang="en-GB"/>
+              <a:rPr lang="en-US" smtClean="0"/>
               <a:t>Click to edit Master text styles</a:t>
             </a:r>
           </a:p>
@@ -1121,13 +1045,7 @@
       </p:sp>
       <p:sp>
         <p:nvSpPr>
-          <p:cNvPr id="4" name="Date Placeholder 3">
-            <a:extLst>
-              <a:ext uri="{FF2B5EF4-FFF2-40B4-BE49-F238E27FC236}">
-                <a16:creationId xmlns:a16="http://schemas.microsoft.com/office/drawing/2014/main" id="{9A237AC7-11B6-7BB3-9A19-7B914CA3B994}"/>
-              </a:ext>
-            </a:extLst>
-          </p:cNvPr>
+          <p:cNvPr id="4" name="Date Placeholder 3"/>
           <p:cNvSpPr>
             <a:spLocks noGrp="1"/>
           </p:cNvSpPr>
@@ -1140,23 +1058,17 @@
           <a:bodyPr/>
           <a:lstStyle/>
           <a:p>
-            <a:fld id="{7CD783A5-BC47-ED4D-84DA-4F8B01B4E4C0}" type="datetimeFigureOut">
-              <a:rPr lang="en-FR" smtClean="0"/>
-              <a:t>23/10/2025</a:t>
+            <a:fld id="{5BCAD085-E8A6-8845-BD4E-CB4CCA059FC4}" type="datetimeFigureOut">
+              <a:rPr lang="en-US" smtClean="0"/>
+              <a:t>1/27/13</a:t>
             </a:fld>
-            <a:endParaRPr lang="en-FR"/>
-          </a:p>
-        </p:txBody>
-      </p:sp>
-      <p:sp>
-        <p:nvSpPr>
-          <p:cNvPr id="5" name="Footer Placeholder 4">
-            <a:extLst>
-              <a:ext uri="{FF2B5EF4-FFF2-40B4-BE49-F238E27FC236}">
-                <a16:creationId xmlns:a16="http://schemas.microsoft.com/office/drawing/2014/main" id="{99027E77-69CF-CBF4-27A7-F1A17536AC8B}"/>
-              </a:ext>
-            </a:extLst>
-          </p:cNvPr>
+            <a:endParaRPr lang="en-US"/>
+          </a:p>
+        </p:txBody>
+      </p:sp>
+      <p:sp>
+        <p:nvSpPr>
+          <p:cNvPr id="5" name="Footer Placeholder 4"/>
           <p:cNvSpPr>
             <a:spLocks noGrp="1"/>
           </p:cNvSpPr>
@@ -1169,19 +1081,13 @@
           <a:bodyPr/>
           <a:lstStyle/>
           <a:p>
-            <a:endParaRPr lang="en-FR"/>
-          </a:p>
-        </p:txBody>
-      </p:sp>
-      <p:sp>
-        <p:nvSpPr>
-          <p:cNvPr id="6" name="Slide Number Placeholder 5">
-            <a:extLst>
-              <a:ext uri="{FF2B5EF4-FFF2-40B4-BE49-F238E27FC236}">
-                <a16:creationId xmlns:a16="http://schemas.microsoft.com/office/drawing/2014/main" id="{A2D249C0-D6D2-BA56-DE25-84E8C4F05A10}"/>
-              </a:ext>
-            </a:extLst>
-          </p:cNvPr>
+            <a:endParaRPr lang="en-US"/>
+          </a:p>
+        </p:txBody>
+      </p:sp>
+      <p:sp>
+        <p:nvSpPr>
+          <p:cNvPr id="6" name="Slide Number Placeholder 5"/>
           <p:cNvSpPr>
             <a:spLocks noGrp="1"/>
           </p:cNvSpPr>
@@ -1194,18 +1100,18 @@
           <a:bodyPr/>
           <a:lstStyle/>
           <a:p>
-            <a:fld id="{7A684E51-FA75-6045-9327-F52E4E2EADA7}" type="slidenum">
-              <a:rPr lang="en-FR" smtClean="0"/>
+            <a:fld id="{C1FF6DA9-008F-8B48-92A6-B652298478BF}" type="slidenum">
+              <a:rPr lang="en-US" smtClean="0"/>
               <a:t>‹#›</a:t>
             </a:fld>
-            <a:endParaRPr lang="en-FR"/>
+            <a:endParaRPr lang="en-US"/>
           </a:p>
         </p:txBody>
       </p:sp>
     </p:spTree>
     <p:extLst>
       <p:ext uri="{BB962C8B-B14F-4D97-AF65-F5344CB8AC3E}">
-        <p14:creationId xmlns:p14="http://schemas.microsoft.com/office/powerpoint/2010/main" val="1708978799"/>
+        <p14:creationId xmlns:p14="http://schemas.microsoft.com/office/powerpoint/2010/main" val="960648375"/>
       </p:ext>
     </p:extLst>
   </p:cSld>
@@ -1234,13 +1140,7 @@
       </p:grpSpPr>
       <p:sp>
         <p:nvSpPr>
-          <p:cNvPr id="2" name="Title 1">
-            <a:extLst>
-              <a:ext uri="{FF2B5EF4-FFF2-40B4-BE49-F238E27FC236}">
-                <a16:creationId xmlns:a16="http://schemas.microsoft.com/office/drawing/2014/main" id="{914B590C-6E5E-2F12-3F15-9E5D33D27F2B}"/>
-              </a:ext>
-            </a:extLst>
-          </p:cNvPr>
+          <p:cNvPr id="2" name="Title 1"/>
           <p:cNvSpPr>
             <a:spLocks noGrp="1"/>
           </p:cNvSpPr>
@@ -1254,22 +1154,16 @@
           <a:lstStyle/>
           <a:p>
             <a:r>
-              <a:rPr lang="en-GB"/>
+              <a:rPr lang="en-US" smtClean="0"/>
               <a:t>Click to edit Master title style</a:t>
             </a:r>
-            <a:endParaRPr lang="en-FR"/>
-          </a:p>
-        </p:txBody>
-      </p:sp>
-      <p:sp>
-        <p:nvSpPr>
-          <p:cNvPr id="3" name="Content Placeholder 2">
-            <a:extLst>
-              <a:ext uri="{FF2B5EF4-FFF2-40B4-BE49-F238E27FC236}">
-                <a16:creationId xmlns:a16="http://schemas.microsoft.com/office/drawing/2014/main" id="{07EB94A3-39E9-6967-EF32-AEE9A2691B89}"/>
-              </a:ext>
-            </a:extLst>
-          </p:cNvPr>
+            <a:endParaRPr lang="en-US"/>
+          </a:p>
+        </p:txBody>
+      </p:sp>
+      <p:sp>
+        <p:nvSpPr>
+          <p:cNvPr id="3" name="Content Placeholder 2"/>
           <p:cNvSpPr>
             <a:spLocks noGrp="1"/>
           </p:cNvSpPr>
@@ -1279,60 +1173,82 @@
         </p:nvSpPr>
         <p:spPr>
           <a:xfrm>
-            <a:off x="838200" y="1825625"/>
-            <a:ext cx="5181600" cy="4351338"/>
+            <a:off x="457200" y="1600200"/>
+            <a:ext cx="4038600" cy="4525963"/>
           </a:xfrm>
         </p:spPr>
         <p:txBody>
           <a:bodyPr/>
-          <a:lstStyle/>
+          <a:lstStyle>
+            <a:lvl1pPr>
+              <a:defRPr sz="2800"/>
+            </a:lvl1pPr>
+            <a:lvl2pPr>
+              <a:defRPr sz="2400"/>
+            </a:lvl2pPr>
+            <a:lvl3pPr>
+              <a:defRPr sz="2000"/>
+            </a:lvl3pPr>
+            <a:lvl4pPr>
+              <a:defRPr sz="1800"/>
+            </a:lvl4pPr>
+            <a:lvl5pPr>
+              <a:defRPr sz="1800"/>
+            </a:lvl5pPr>
+            <a:lvl6pPr>
+              <a:defRPr sz="1800"/>
+            </a:lvl6pPr>
+            <a:lvl7pPr>
+              <a:defRPr sz="1800"/>
+            </a:lvl7pPr>
+            <a:lvl8pPr>
+              <a:defRPr sz="1800"/>
+            </a:lvl8pPr>
+            <a:lvl9pPr>
+              <a:defRPr sz="1800"/>
+            </a:lvl9pPr>
+          </a:lstStyle>
           <a:p>
             <a:pPr lvl="0"/>
             <a:r>
-              <a:rPr lang="en-GB"/>
+              <a:rPr lang="en-US" smtClean="0"/>
               <a:t>Click to edit Master text styles</a:t>
             </a:r>
           </a:p>
           <a:p>
             <a:pPr lvl="1"/>
             <a:r>
-              <a:rPr lang="en-GB"/>
+              <a:rPr lang="en-US" smtClean="0"/>
               <a:t>Second level</a:t>
             </a:r>
           </a:p>
           <a:p>
             <a:pPr lvl="2"/>
             <a:r>
-              <a:rPr lang="en-GB"/>
+              <a:rPr lang="en-US" smtClean="0"/>
               <a:t>Third level</a:t>
             </a:r>
           </a:p>
           <a:p>
             <a:pPr lvl="3"/>
             <a:r>
-              <a:rPr lang="en-GB"/>
+              <a:rPr lang="en-US" smtClean="0"/>
               <a:t>Fourth level</a:t>
             </a:r>
           </a:p>
           <a:p>
             <a:pPr lvl="4"/>
             <a:r>
-              <a:rPr lang="en-GB"/>
+              <a:rPr lang="en-US" smtClean="0"/>
               <a:t>Fifth level</a:t>
             </a:r>
-            <a:endParaRPr lang="en-FR"/>
-          </a:p>
-        </p:txBody>
-      </p:sp>
-      <p:sp>
-        <p:nvSpPr>
-          <p:cNvPr id="4" name="Content Placeholder 3">
-            <a:extLst>
-              <a:ext uri="{FF2B5EF4-FFF2-40B4-BE49-F238E27FC236}">
-                <a16:creationId xmlns:a16="http://schemas.microsoft.com/office/drawing/2014/main" id="{E461B5F4-76A3-DDB6-1430-7A1EE35B7946}"/>
-              </a:ext>
-            </a:extLst>
-          </p:cNvPr>
+            <a:endParaRPr lang="en-US"/>
+          </a:p>
+        </p:txBody>
+      </p:sp>
+      <p:sp>
+        <p:nvSpPr>
+          <p:cNvPr id="4" name="Content Placeholder 3"/>
           <p:cNvSpPr>
             <a:spLocks noGrp="1"/>
           </p:cNvSpPr>
@@ -1342,60 +1258,82 @@
         </p:nvSpPr>
         <p:spPr>
           <a:xfrm>
-            <a:off x="6172200" y="1825625"/>
-            <a:ext cx="5181600" cy="4351338"/>
+            <a:off x="4648200" y="1600200"/>
+            <a:ext cx="4038600" cy="4525963"/>
           </a:xfrm>
         </p:spPr>
         <p:txBody>
           <a:bodyPr/>
-          <a:lstStyle/>
+          <a:lstStyle>
+            <a:lvl1pPr>
+              <a:defRPr sz="2800"/>
+            </a:lvl1pPr>
+            <a:lvl2pPr>
+              <a:defRPr sz="2400"/>
+            </a:lvl2pPr>
+            <a:lvl3pPr>
+              <a:defRPr sz="2000"/>
+            </a:lvl3pPr>
+            <a:lvl4pPr>
+              <a:defRPr sz="1800"/>
+            </a:lvl4pPr>
+            <a:lvl5pPr>
+              <a:defRPr sz="1800"/>
+            </a:lvl5pPr>
+            <a:lvl6pPr>
+              <a:defRPr sz="1800"/>
+            </a:lvl6pPr>
+            <a:lvl7pPr>
+              <a:defRPr sz="1800"/>
+            </a:lvl7pPr>
+            <a:lvl8pPr>
+              <a:defRPr sz="1800"/>
+            </a:lvl8pPr>
+            <a:lvl9pPr>
+              <a:defRPr sz="1800"/>
+            </a:lvl9pPr>
+          </a:lstStyle>
           <a:p>
             <a:pPr lvl="0"/>
             <a:r>
-              <a:rPr lang="en-GB"/>
+              <a:rPr lang="en-US" smtClean="0"/>
               <a:t>Click to edit Master text styles</a:t>
             </a:r>
           </a:p>
           <a:p>
             <a:pPr lvl="1"/>
             <a:r>
-              <a:rPr lang="en-GB"/>
+              <a:rPr lang="en-US" smtClean="0"/>
               <a:t>Second level</a:t>
             </a:r>
           </a:p>
           <a:p>
             <a:pPr lvl="2"/>
             <a:r>
-              <a:rPr lang="en-GB"/>
+              <a:rPr lang="en-US" smtClean="0"/>
               <a:t>Third level</a:t>
             </a:r>
           </a:p>
           <a:p>
             <a:pPr lvl="3"/>
             <a:r>
-              <a:rPr lang="en-GB"/>
+              <a:rPr lang="en-US" smtClean="0"/>
               <a:t>Fourth level</a:t>
             </a:r>
           </a:p>
           <a:p>
             <a:pPr lvl="4"/>
             <a:r>
-              <a:rPr lang="en-GB"/>
+              <a:rPr lang="en-US" smtClean="0"/>
               <a:t>Fifth level</a:t>
             </a:r>
-            <a:endParaRPr lang="en-FR"/>
-          </a:p>
-        </p:txBody>
-      </p:sp>
-      <p:sp>
-        <p:nvSpPr>
-          <p:cNvPr id="5" name="Date Placeholder 4">
-            <a:extLst>
-              <a:ext uri="{FF2B5EF4-FFF2-40B4-BE49-F238E27FC236}">
-                <a16:creationId xmlns:a16="http://schemas.microsoft.com/office/drawing/2014/main" id="{3161DAA9-6519-BC32-3248-7BCFB979D715}"/>
-              </a:ext>
-            </a:extLst>
-          </p:cNvPr>
+            <a:endParaRPr lang="en-US"/>
+          </a:p>
+        </p:txBody>
+      </p:sp>
+      <p:sp>
+        <p:nvSpPr>
+          <p:cNvPr id="5" name="Date Placeholder 4"/>
           <p:cNvSpPr>
             <a:spLocks noGrp="1"/>
           </p:cNvSpPr>
@@ -1408,23 +1346,17 @@
           <a:bodyPr/>
           <a:lstStyle/>
           <a:p>
-            <a:fld id="{7CD783A5-BC47-ED4D-84DA-4F8B01B4E4C0}" type="datetimeFigureOut">
-              <a:rPr lang="en-FR" smtClean="0"/>
-              <a:t>23/10/2025</a:t>
+            <a:fld id="{5BCAD085-E8A6-8845-BD4E-CB4CCA059FC4}" type="datetimeFigureOut">
+              <a:rPr lang="en-US" smtClean="0"/>
+              <a:t>1/27/13</a:t>
             </a:fld>
-            <a:endParaRPr lang="en-FR"/>
-          </a:p>
-        </p:txBody>
-      </p:sp>
-      <p:sp>
-        <p:nvSpPr>
-          <p:cNvPr id="6" name="Footer Placeholder 5">
-            <a:extLst>
-              <a:ext uri="{FF2B5EF4-FFF2-40B4-BE49-F238E27FC236}">
-                <a16:creationId xmlns:a16="http://schemas.microsoft.com/office/drawing/2014/main" id="{A0304AB1-88A4-F3CF-04E4-6AEFCA2D4973}"/>
-              </a:ext>
-            </a:extLst>
-          </p:cNvPr>
+            <a:endParaRPr lang="en-US"/>
+          </a:p>
+        </p:txBody>
+      </p:sp>
+      <p:sp>
+        <p:nvSpPr>
+          <p:cNvPr id="6" name="Footer Placeholder 5"/>
           <p:cNvSpPr>
             <a:spLocks noGrp="1"/>
           </p:cNvSpPr>
@@ -1437,19 +1369,13 @@
           <a:bodyPr/>
           <a:lstStyle/>
           <a:p>
-            <a:endParaRPr lang="en-FR"/>
-          </a:p>
-        </p:txBody>
-      </p:sp>
-      <p:sp>
-        <p:nvSpPr>
-          <p:cNvPr id="7" name="Slide Number Placeholder 6">
-            <a:extLst>
-              <a:ext uri="{FF2B5EF4-FFF2-40B4-BE49-F238E27FC236}">
-                <a16:creationId xmlns:a16="http://schemas.microsoft.com/office/drawing/2014/main" id="{46D56661-D71D-7201-9090-8D15C2774180}"/>
-              </a:ext>
-            </a:extLst>
-          </p:cNvPr>
+            <a:endParaRPr lang="en-US"/>
+          </a:p>
+        </p:txBody>
+      </p:sp>
+      <p:sp>
+        <p:nvSpPr>
+          <p:cNvPr id="7" name="Slide Number Placeholder 6"/>
           <p:cNvSpPr>
             <a:spLocks noGrp="1"/>
           </p:cNvSpPr>
@@ -1462,18 +1388,18 @@
           <a:bodyPr/>
           <a:lstStyle/>
           <a:p>
-            <a:fld id="{7A684E51-FA75-6045-9327-F52E4E2EADA7}" type="slidenum">
-              <a:rPr lang="en-FR" smtClean="0"/>
+            <a:fld id="{C1FF6DA9-008F-8B48-92A6-B652298478BF}" type="slidenum">
+              <a:rPr lang="en-US" smtClean="0"/>
               <a:t>‹#›</a:t>
             </a:fld>
-            <a:endParaRPr lang="en-FR"/>
+            <a:endParaRPr lang="en-US"/>
           </a:p>
         </p:txBody>
       </p:sp>
     </p:spTree>
     <p:extLst>
       <p:ext uri="{BB962C8B-B14F-4D97-AF65-F5344CB8AC3E}">
-        <p14:creationId xmlns:p14="http://schemas.microsoft.com/office/powerpoint/2010/main" val="1137757203"/>
+        <p14:creationId xmlns:p14="http://schemas.microsoft.com/office/powerpoint/2010/main" val="2782244947"/>
       </p:ext>
     </p:extLst>
   </p:cSld>
@@ -1502,58 +1428,45 @@
       </p:grpSpPr>
       <p:sp>
         <p:nvSpPr>
-          <p:cNvPr id="2" name="Title 1">
-            <a:extLst>
-              <a:ext uri="{FF2B5EF4-FFF2-40B4-BE49-F238E27FC236}">
-                <a16:creationId xmlns:a16="http://schemas.microsoft.com/office/drawing/2014/main" id="{6BD06B6D-F3D2-D609-2D45-EB62CFF819C7}"/>
-              </a:ext>
-            </a:extLst>
-          </p:cNvPr>
+          <p:cNvPr id="2" name="Title 1"/>
           <p:cNvSpPr>
             <a:spLocks noGrp="1"/>
           </p:cNvSpPr>
           <p:nvPr>
             <p:ph type="title"/>
+          </p:nvPr>
+        </p:nvSpPr>
+        <p:spPr/>
+        <p:txBody>
+          <a:bodyPr/>
+          <a:lstStyle>
+            <a:lvl1pPr>
+              <a:defRPr/>
+            </a:lvl1pPr>
+          </a:lstStyle>
+          <a:p>
+            <a:r>
+              <a:rPr lang="en-US" smtClean="0"/>
+              <a:t>Click to edit Master title style</a:t>
+            </a:r>
+            <a:endParaRPr lang="en-US"/>
+          </a:p>
+        </p:txBody>
+      </p:sp>
+      <p:sp>
+        <p:nvSpPr>
+          <p:cNvPr id="3" name="Text Placeholder 2"/>
+          <p:cNvSpPr>
+            <a:spLocks noGrp="1"/>
+          </p:cNvSpPr>
+          <p:nvPr>
+            <p:ph type="body" idx="1"/>
           </p:nvPr>
         </p:nvSpPr>
         <p:spPr>
           <a:xfrm>
-            <a:off x="839788" y="365125"/>
-            <a:ext cx="10515600" cy="1325563"/>
-          </a:xfrm>
-        </p:spPr>
-        <p:txBody>
-          <a:bodyPr/>
-          <a:lstStyle/>
-          <a:p>
-            <a:r>
-              <a:rPr lang="en-GB"/>
-              <a:t>Click to edit Master title style</a:t>
-            </a:r>
-            <a:endParaRPr lang="en-FR"/>
-          </a:p>
-        </p:txBody>
-      </p:sp>
-      <p:sp>
-        <p:nvSpPr>
-          <p:cNvPr id="3" name="Text Placeholder 2">
-            <a:extLst>
-              <a:ext uri="{FF2B5EF4-FFF2-40B4-BE49-F238E27FC236}">
-                <a16:creationId xmlns:a16="http://schemas.microsoft.com/office/drawing/2014/main" id="{848C6FB4-E21D-FE68-B4B5-65CC0547184A}"/>
-              </a:ext>
-            </a:extLst>
-          </p:cNvPr>
-          <p:cNvSpPr>
-            <a:spLocks noGrp="1"/>
-          </p:cNvSpPr>
-          <p:nvPr>
-            <p:ph type="body" idx="1"/>
-          </p:nvPr>
-        </p:nvSpPr>
-        <p:spPr>
-          <a:xfrm>
-            <a:off x="839788" y="1681163"/>
-            <a:ext cx="5157787" cy="823912"/>
+            <a:off x="457200" y="1535113"/>
+            <a:ext cx="4040188" cy="639762"/>
           </a:xfrm>
         </p:spPr>
         <p:txBody>
@@ -1599,7 +1512,7 @@
           <a:p>
             <a:pPr lvl="0"/>
             <a:r>
-              <a:rPr lang="en-GB"/>
+              <a:rPr lang="en-US" smtClean="0"/>
               <a:t>Click to edit Master text styles</a:t>
             </a:r>
           </a:p>
@@ -1607,13 +1520,7 @@
       </p:sp>
       <p:sp>
         <p:nvSpPr>
-          <p:cNvPr id="4" name="Content Placeholder 3">
-            <a:extLst>
-              <a:ext uri="{FF2B5EF4-FFF2-40B4-BE49-F238E27FC236}">
-                <a16:creationId xmlns:a16="http://schemas.microsoft.com/office/drawing/2014/main" id="{583A82BD-F914-035A-4B9C-557DF0E31C2B}"/>
-              </a:ext>
-            </a:extLst>
-          </p:cNvPr>
+          <p:cNvPr id="4" name="Content Placeholder 3"/>
           <p:cNvSpPr>
             <a:spLocks noGrp="1"/>
           </p:cNvSpPr>
@@ -1623,60 +1530,82 @@
         </p:nvSpPr>
         <p:spPr>
           <a:xfrm>
-            <a:off x="839788" y="2505075"/>
-            <a:ext cx="5157787" cy="3684588"/>
+            <a:off x="457200" y="2174875"/>
+            <a:ext cx="4040188" cy="3951288"/>
           </a:xfrm>
         </p:spPr>
         <p:txBody>
           <a:bodyPr/>
-          <a:lstStyle/>
+          <a:lstStyle>
+            <a:lvl1pPr>
+              <a:defRPr sz="2400"/>
+            </a:lvl1pPr>
+            <a:lvl2pPr>
+              <a:defRPr sz="2000"/>
+            </a:lvl2pPr>
+            <a:lvl3pPr>
+              <a:defRPr sz="1800"/>
+            </a:lvl3pPr>
+            <a:lvl4pPr>
+              <a:defRPr sz="1600"/>
+            </a:lvl4pPr>
+            <a:lvl5pPr>
+              <a:defRPr sz="1600"/>
+            </a:lvl5pPr>
+            <a:lvl6pPr>
+              <a:defRPr sz="1600"/>
+            </a:lvl6pPr>
+            <a:lvl7pPr>
+              <a:defRPr sz="1600"/>
+            </a:lvl7pPr>
+            <a:lvl8pPr>
+              <a:defRPr sz="1600"/>
+            </a:lvl8pPr>
+            <a:lvl9pPr>
+              <a:defRPr sz="1600"/>
+            </a:lvl9pPr>
+          </a:lstStyle>
           <a:p>
             <a:pPr lvl="0"/>
             <a:r>
-              <a:rPr lang="en-GB"/>
+              <a:rPr lang="en-US" smtClean="0"/>
               <a:t>Click to edit Master text styles</a:t>
             </a:r>
           </a:p>
           <a:p>
             <a:pPr lvl="1"/>
             <a:r>
-              <a:rPr lang="en-GB"/>
+              <a:rPr lang="en-US" smtClean="0"/>
               <a:t>Second level</a:t>
             </a:r>
           </a:p>
           <a:p>
             <a:pPr lvl="2"/>
             <a:r>
-              <a:rPr lang="en-GB"/>
+              <a:rPr lang="en-US" smtClean="0"/>
               <a:t>Third level</a:t>
             </a:r>
           </a:p>
           <a:p>
             <a:pPr lvl="3"/>
             <a:r>
-              <a:rPr lang="en-GB"/>
+              <a:rPr lang="en-US" smtClean="0"/>
               <a:t>Fourth level</a:t>
             </a:r>
           </a:p>
           <a:p>
             <a:pPr lvl="4"/>
             <a:r>
-              <a:rPr lang="en-GB"/>
+              <a:rPr lang="en-US" smtClean="0"/>
               <a:t>Fifth level</a:t>
             </a:r>
-            <a:endParaRPr lang="en-FR"/>
-          </a:p>
-        </p:txBody>
-      </p:sp>
-      <p:sp>
-        <p:nvSpPr>
-          <p:cNvPr id="5" name="Text Placeholder 4">
-            <a:extLst>
-              <a:ext uri="{FF2B5EF4-FFF2-40B4-BE49-F238E27FC236}">
-                <a16:creationId xmlns:a16="http://schemas.microsoft.com/office/drawing/2014/main" id="{93763AEC-2A4E-BE92-5D78-EC32CE463A75}"/>
-              </a:ext>
-            </a:extLst>
-          </p:cNvPr>
+            <a:endParaRPr lang="en-US"/>
+          </a:p>
+        </p:txBody>
+      </p:sp>
+      <p:sp>
+        <p:nvSpPr>
+          <p:cNvPr id="5" name="Text Placeholder 4"/>
           <p:cNvSpPr>
             <a:spLocks noGrp="1"/>
           </p:cNvSpPr>
@@ -1686,8 +1615,8 @@
         </p:nvSpPr>
         <p:spPr>
           <a:xfrm>
-            <a:off x="6172200" y="1681163"/>
-            <a:ext cx="5183188" cy="823912"/>
+            <a:off x="4645025" y="1535113"/>
+            <a:ext cx="4041775" cy="639762"/>
           </a:xfrm>
         </p:spPr>
         <p:txBody>
@@ -1733,7 +1662,7 @@
           <a:p>
             <a:pPr lvl="0"/>
             <a:r>
-              <a:rPr lang="en-GB"/>
+              <a:rPr lang="en-US" smtClean="0"/>
               <a:t>Click to edit Master text styles</a:t>
             </a:r>
           </a:p>
@@ -1741,13 +1670,7 @@
       </p:sp>
       <p:sp>
         <p:nvSpPr>
-          <p:cNvPr id="6" name="Content Placeholder 5">
-            <a:extLst>
-              <a:ext uri="{FF2B5EF4-FFF2-40B4-BE49-F238E27FC236}">
-                <a16:creationId xmlns:a16="http://schemas.microsoft.com/office/drawing/2014/main" id="{544A6FB1-BB99-EADB-4975-B6DD0F6A182C}"/>
-              </a:ext>
-            </a:extLst>
-          </p:cNvPr>
+          <p:cNvPr id="6" name="Content Placeholder 5"/>
           <p:cNvSpPr>
             <a:spLocks noGrp="1"/>
           </p:cNvSpPr>
@@ -1757,60 +1680,82 @@
         </p:nvSpPr>
         <p:spPr>
           <a:xfrm>
-            <a:off x="6172200" y="2505075"/>
-            <a:ext cx="5183188" cy="3684588"/>
+            <a:off x="4645025" y="2174875"/>
+            <a:ext cx="4041775" cy="3951288"/>
           </a:xfrm>
         </p:spPr>
         <p:txBody>
           <a:bodyPr/>
-          <a:lstStyle/>
+          <a:lstStyle>
+            <a:lvl1pPr>
+              <a:defRPr sz="2400"/>
+            </a:lvl1pPr>
+            <a:lvl2pPr>
+              <a:defRPr sz="2000"/>
+            </a:lvl2pPr>
+            <a:lvl3pPr>
+              <a:defRPr sz="1800"/>
+            </a:lvl3pPr>
+            <a:lvl4pPr>
+              <a:defRPr sz="1600"/>
+            </a:lvl4pPr>
+            <a:lvl5pPr>
+              <a:defRPr sz="1600"/>
+            </a:lvl5pPr>
+            <a:lvl6pPr>
+              <a:defRPr sz="1600"/>
+            </a:lvl6pPr>
+            <a:lvl7pPr>
+              <a:defRPr sz="1600"/>
+            </a:lvl7pPr>
+            <a:lvl8pPr>
+              <a:defRPr sz="1600"/>
+            </a:lvl8pPr>
+            <a:lvl9pPr>
+              <a:defRPr sz="1600"/>
+            </a:lvl9pPr>
+          </a:lstStyle>
           <a:p>
             <a:pPr lvl="0"/>
             <a:r>
-              <a:rPr lang="en-GB"/>
+              <a:rPr lang="en-US" smtClean="0"/>
               <a:t>Click to edit Master text styles</a:t>
             </a:r>
           </a:p>
           <a:p>
             <a:pPr lvl="1"/>
             <a:r>
-              <a:rPr lang="en-GB"/>
+              <a:rPr lang="en-US" smtClean="0"/>
               <a:t>Second level</a:t>
             </a:r>
           </a:p>
           <a:p>
             <a:pPr lvl="2"/>
             <a:r>
-              <a:rPr lang="en-GB"/>
+              <a:rPr lang="en-US" smtClean="0"/>
               <a:t>Third level</a:t>
             </a:r>
           </a:p>
           <a:p>
             <a:pPr lvl="3"/>
             <a:r>
-              <a:rPr lang="en-GB"/>
+              <a:rPr lang="en-US" smtClean="0"/>
               <a:t>Fourth level</a:t>
             </a:r>
           </a:p>
           <a:p>
             <a:pPr lvl="4"/>
             <a:r>
-              <a:rPr lang="en-GB"/>
+              <a:rPr lang="en-US" smtClean="0"/>
               <a:t>Fifth level</a:t>
             </a:r>
-            <a:endParaRPr lang="en-FR"/>
-          </a:p>
-        </p:txBody>
-      </p:sp>
-      <p:sp>
-        <p:nvSpPr>
-          <p:cNvPr id="7" name="Date Placeholder 6">
-            <a:extLst>
-              <a:ext uri="{FF2B5EF4-FFF2-40B4-BE49-F238E27FC236}">
-                <a16:creationId xmlns:a16="http://schemas.microsoft.com/office/drawing/2014/main" id="{D9A9ACC7-C1EF-6A3E-CF9A-E28CA677A72D}"/>
-              </a:ext>
-            </a:extLst>
-          </p:cNvPr>
+            <a:endParaRPr lang="en-US"/>
+          </a:p>
+        </p:txBody>
+      </p:sp>
+      <p:sp>
+        <p:nvSpPr>
+          <p:cNvPr id="7" name="Date Placeholder 6"/>
           <p:cNvSpPr>
             <a:spLocks noGrp="1"/>
           </p:cNvSpPr>
@@ -1823,23 +1768,17 @@
           <a:bodyPr/>
           <a:lstStyle/>
           <a:p>
-            <a:fld id="{7CD783A5-BC47-ED4D-84DA-4F8B01B4E4C0}" type="datetimeFigureOut">
-              <a:rPr lang="en-FR" smtClean="0"/>
-              <a:t>23/10/2025</a:t>
+            <a:fld id="{5BCAD085-E8A6-8845-BD4E-CB4CCA059FC4}" type="datetimeFigureOut">
+              <a:rPr lang="en-US" smtClean="0"/>
+              <a:t>1/27/13</a:t>
             </a:fld>
-            <a:endParaRPr lang="en-FR"/>
-          </a:p>
-        </p:txBody>
-      </p:sp>
-      <p:sp>
-        <p:nvSpPr>
-          <p:cNvPr id="8" name="Footer Placeholder 7">
-            <a:extLst>
-              <a:ext uri="{FF2B5EF4-FFF2-40B4-BE49-F238E27FC236}">
-                <a16:creationId xmlns:a16="http://schemas.microsoft.com/office/drawing/2014/main" id="{75FB81F6-1694-C024-EE63-3FDB9698A4C3}"/>
-              </a:ext>
-            </a:extLst>
-          </p:cNvPr>
+            <a:endParaRPr lang="en-US"/>
+          </a:p>
+        </p:txBody>
+      </p:sp>
+      <p:sp>
+        <p:nvSpPr>
+          <p:cNvPr id="8" name="Footer Placeholder 7"/>
           <p:cNvSpPr>
             <a:spLocks noGrp="1"/>
           </p:cNvSpPr>
@@ -1852,19 +1791,13 @@
           <a:bodyPr/>
           <a:lstStyle/>
           <a:p>
-            <a:endParaRPr lang="en-FR"/>
-          </a:p>
-        </p:txBody>
-      </p:sp>
-      <p:sp>
-        <p:nvSpPr>
-          <p:cNvPr id="9" name="Slide Number Placeholder 8">
-            <a:extLst>
-              <a:ext uri="{FF2B5EF4-FFF2-40B4-BE49-F238E27FC236}">
-                <a16:creationId xmlns:a16="http://schemas.microsoft.com/office/drawing/2014/main" id="{B4D7A655-244D-B49D-030A-5F492F32F10B}"/>
-              </a:ext>
-            </a:extLst>
-          </p:cNvPr>
+            <a:endParaRPr lang="en-US"/>
+          </a:p>
+        </p:txBody>
+      </p:sp>
+      <p:sp>
+        <p:nvSpPr>
+          <p:cNvPr id="9" name="Slide Number Placeholder 8"/>
           <p:cNvSpPr>
             <a:spLocks noGrp="1"/>
           </p:cNvSpPr>
@@ -1877,18 +1810,18 @@
           <a:bodyPr/>
           <a:lstStyle/>
           <a:p>
-            <a:fld id="{7A684E51-FA75-6045-9327-F52E4E2EADA7}" type="slidenum">
-              <a:rPr lang="en-FR" smtClean="0"/>
+            <a:fld id="{C1FF6DA9-008F-8B48-92A6-B652298478BF}" type="slidenum">
+              <a:rPr lang="en-US" smtClean="0"/>
               <a:t>‹#›</a:t>
             </a:fld>
-            <a:endParaRPr lang="en-FR"/>
+            <a:endParaRPr lang="en-US"/>
           </a:p>
         </p:txBody>
       </p:sp>
     </p:spTree>
     <p:extLst>
       <p:ext uri="{BB962C8B-B14F-4D97-AF65-F5344CB8AC3E}">
-        <p14:creationId xmlns:p14="http://schemas.microsoft.com/office/powerpoint/2010/main" val="645486734"/>
+        <p14:creationId xmlns:p14="http://schemas.microsoft.com/office/powerpoint/2010/main" val="990158736"/>
       </p:ext>
     </p:extLst>
   </p:cSld>
@@ -1917,13 +1850,7 @@
       </p:grpSpPr>
       <p:sp>
         <p:nvSpPr>
-          <p:cNvPr id="2" name="Title 1">
-            <a:extLst>
-              <a:ext uri="{FF2B5EF4-FFF2-40B4-BE49-F238E27FC236}">
-                <a16:creationId xmlns:a16="http://schemas.microsoft.com/office/drawing/2014/main" id="{D831E92E-120E-A24D-688A-137EB1919F10}"/>
-              </a:ext>
-            </a:extLst>
-          </p:cNvPr>
+          <p:cNvPr id="2" name="Title 1"/>
           <p:cNvSpPr>
             <a:spLocks noGrp="1"/>
           </p:cNvSpPr>
@@ -1937,22 +1864,16 @@
           <a:lstStyle/>
           <a:p>
             <a:r>
-              <a:rPr lang="en-GB"/>
+              <a:rPr lang="en-US" smtClean="0"/>
               <a:t>Click to edit Master title style</a:t>
             </a:r>
-            <a:endParaRPr lang="en-FR"/>
-          </a:p>
-        </p:txBody>
-      </p:sp>
-      <p:sp>
-        <p:nvSpPr>
-          <p:cNvPr id="3" name="Date Placeholder 2">
-            <a:extLst>
-              <a:ext uri="{FF2B5EF4-FFF2-40B4-BE49-F238E27FC236}">
-                <a16:creationId xmlns:a16="http://schemas.microsoft.com/office/drawing/2014/main" id="{61EF64EC-0480-4D3D-3162-C3C94875E674}"/>
-              </a:ext>
-            </a:extLst>
-          </p:cNvPr>
+            <a:endParaRPr lang="en-US"/>
+          </a:p>
+        </p:txBody>
+      </p:sp>
+      <p:sp>
+        <p:nvSpPr>
+          <p:cNvPr id="3" name="Date Placeholder 2"/>
           <p:cNvSpPr>
             <a:spLocks noGrp="1"/>
           </p:cNvSpPr>
@@ -1965,23 +1886,17 @@
           <a:bodyPr/>
           <a:lstStyle/>
           <a:p>
-            <a:fld id="{7CD783A5-BC47-ED4D-84DA-4F8B01B4E4C0}" type="datetimeFigureOut">
-              <a:rPr lang="en-FR" smtClean="0"/>
-              <a:t>23/10/2025</a:t>
+            <a:fld id="{5BCAD085-E8A6-8845-BD4E-CB4CCA059FC4}" type="datetimeFigureOut">
+              <a:rPr lang="en-US" smtClean="0"/>
+              <a:t>1/27/13</a:t>
             </a:fld>
-            <a:endParaRPr lang="en-FR"/>
-          </a:p>
-        </p:txBody>
-      </p:sp>
-      <p:sp>
-        <p:nvSpPr>
-          <p:cNvPr id="4" name="Footer Placeholder 3">
-            <a:extLst>
-              <a:ext uri="{FF2B5EF4-FFF2-40B4-BE49-F238E27FC236}">
-                <a16:creationId xmlns:a16="http://schemas.microsoft.com/office/drawing/2014/main" id="{624C01F6-AA34-F548-6249-71316962324A}"/>
-              </a:ext>
-            </a:extLst>
-          </p:cNvPr>
+            <a:endParaRPr lang="en-US"/>
+          </a:p>
+        </p:txBody>
+      </p:sp>
+      <p:sp>
+        <p:nvSpPr>
+          <p:cNvPr id="4" name="Footer Placeholder 3"/>
           <p:cNvSpPr>
             <a:spLocks noGrp="1"/>
           </p:cNvSpPr>
@@ -1994,19 +1909,13 @@
           <a:bodyPr/>
           <a:lstStyle/>
           <a:p>
-            <a:endParaRPr lang="en-FR"/>
-          </a:p>
-        </p:txBody>
-      </p:sp>
-      <p:sp>
-        <p:nvSpPr>
-          <p:cNvPr id="5" name="Slide Number Placeholder 4">
-            <a:extLst>
-              <a:ext uri="{FF2B5EF4-FFF2-40B4-BE49-F238E27FC236}">
-                <a16:creationId xmlns:a16="http://schemas.microsoft.com/office/drawing/2014/main" id="{EB9701A6-0537-84A3-B1B4-ED1FF51AA21B}"/>
-              </a:ext>
-            </a:extLst>
-          </p:cNvPr>
+            <a:endParaRPr lang="en-US"/>
+          </a:p>
+        </p:txBody>
+      </p:sp>
+      <p:sp>
+        <p:nvSpPr>
+          <p:cNvPr id="5" name="Slide Number Placeholder 4"/>
           <p:cNvSpPr>
             <a:spLocks noGrp="1"/>
           </p:cNvSpPr>
@@ -2019,18 +1928,18 @@
           <a:bodyPr/>
           <a:lstStyle/>
           <a:p>
-            <a:fld id="{7A684E51-FA75-6045-9327-F52E4E2EADA7}" type="slidenum">
-              <a:rPr lang="en-FR" smtClean="0"/>
+            <a:fld id="{C1FF6DA9-008F-8B48-92A6-B652298478BF}" type="slidenum">
+              <a:rPr lang="en-US" smtClean="0"/>
               <a:t>‹#›</a:t>
             </a:fld>
-            <a:endParaRPr lang="en-FR"/>
+            <a:endParaRPr lang="en-US"/>
           </a:p>
         </p:txBody>
       </p:sp>
     </p:spTree>
     <p:extLst>
       <p:ext uri="{BB962C8B-B14F-4D97-AF65-F5344CB8AC3E}">
-        <p14:creationId xmlns:p14="http://schemas.microsoft.com/office/powerpoint/2010/main" val="171082388"/>
+        <p14:creationId xmlns:p14="http://schemas.microsoft.com/office/powerpoint/2010/main" val="727027711"/>
       </p:ext>
     </p:extLst>
   </p:cSld>
@@ -2059,13 +1968,7 @@
       </p:grpSpPr>
       <p:sp>
         <p:nvSpPr>
-          <p:cNvPr id="2" name="Date Placeholder 1">
-            <a:extLst>
-              <a:ext uri="{FF2B5EF4-FFF2-40B4-BE49-F238E27FC236}">
-                <a16:creationId xmlns:a16="http://schemas.microsoft.com/office/drawing/2014/main" id="{390AA83E-5FF3-8EA5-81C2-A004EFCCB927}"/>
-              </a:ext>
-            </a:extLst>
-          </p:cNvPr>
+          <p:cNvPr id="2" name="Date Placeholder 1"/>
           <p:cNvSpPr>
             <a:spLocks noGrp="1"/>
           </p:cNvSpPr>
@@ -2078,23 +1981,17 @@
           <a:bodyPr/>
           <a:lstStyle/>
           <a:p>
-            <a:fld id="{7CD783A5-BC47-ED4D-84DA-4F8B01B4E4C0}" type="datetimeFigureOut">
-              <a:rPr lang="en-FR" smtClean="0"/>
-              <a:t>23/10/2025</a:t>
+            <a:fld id="{5BCAD085-E8A6-8845-BD4E-CB4CCA059FC4}" type="datetimeFigureOut">
+              <a:rPr lang="en-US" smtClean="0"/>
+              <a:t>1/27/13</a:t>
             </a:fld>
-            <a:endParaRPr lang="en-FR"/>
-          </a:p>
-        </p:txBody>
-      </p:sp>
-      <p:sp>
-        <p:nvSpPr>
-          <p:cNvPr id="3" name="Footer Placeholder 2">
-            <a:extLst>
-              <a:ext uri="{FF2B5EF4-FFF2-40B4-BE49-F238E27FC236}">
-                <a16:creationId xmlns:a16="http://schemas.microsoft.com/office/drawing/2014/main" id="{E359FC87-2552-FA39-F09E-4199286C59B1}"/>
-              </a:ext>
-            </a:extLst>
-          </p:cNvPr>
+            <a:endParaRPr lang="en-US"/>
+          </a:p>
+        </p:txBody>
+      </p:sp>
+      <p:sp>
+        <p:nvSpPr>
+          <p:cNvPr id="3" name="Footer Placeholder 2"/>
           <p:cNvSpPr>
             <a:spLocks noGrp="1"/>
           </p:cNvSpPr>
@@ -2107,19 +2004,13 @@
           <a:bodyPr/>
           <a:lstStyle/>
           <a:p>
-            <a:endParaRPr lang="en-FR"/>
-          </a:p>
-        </p:txBody>
-      </p:sp>
-      <p:sp>
-        <p:nvSpPr>
-          <p:cNvPr id="4" name="Slide Number Placeholder 3">
-            <a:extLst>
-              <a:ext uri="{FF2B5EF4-FFF2-40B4-BE49-F238E27FC236}">
-                <a16:creationId xmlns:a16="http://schemas.microsoft.com/office/drawing/2014/main" id="{C681AB23-A6C9-3B4F-0517-EF85A3BE5A1C}"/>
-              </a:ext>
-            </a:extLst>
-          </p:cNvPr>
+            <a:endParaRPr lang="en-US"/>
+          </a:p>
+        </p:txBody>
+      </p:sp>
+      <p:sp>
+        <p:nvSpPr>
+          <p:cNvPr id="4" name="Slide Number Placeholder 3"/>
           <p:cNvSpPr>
             <a:spLocks noGrp="1"/>
           </p:cNvSpPr>
@@ -2132,18 +2023,18 @@
           <a:bodyPr/>
           <a:lstStyle/>
           <a:p>
-            <a:fld id="{7A684E51-FA75-6045-9327-F52E4E2EADA7}" type="slidenum">
-              <a:rPr lang="en-FR" smtClean="0"/>
+            <a:fld id="{C1FF6DA9-008F-8B48-92A6-B652298478BF}" type="slidenum">
+              <a:rPr lang="en-US" smtClean="0"/>
               <a:t>‹#›</a:t>
             </a:fld>
-            <a:endParaRPr lang="en-FR"/>
+            <a:endParaRPr lang="en-US"/>
           </a:p>
         </p:txBody>
       </p:sp>
     </p:spTree>
     <p:extLst>
       <p:ext uri="{BB962C8B-B14F-4D97-AF65-F5344CB8AC3E}">
-        <p14:creationId xmlns:p14="http://schemas.microsoft.com/office/powerpoint/2010/main" val="3966702602"/>
+        <p14:creationId xmlns:p14="http://schemas.microsoft.com/office/powerpoint/2010/main" val="1212999818"/>
       </p:ext>
     </p:extLst>
   </p:cSld>
@@ -2172,13 +2063,7 @@
       </p:grpSpPr>
       <p:sp>
         <p:nvSpPr>
-          <p:cNvPr id="2" name="Title 1">
-            <a:extLst>
-              <a:ext uri="{FF2B5EF4-FFF2-40B4-BE49-F238E27FC236}">
-                <a16:creationId xmlns:a16="http://schemas.microsoft.com/office/drawing/2014/main" id="{3CA0B2BD-337C-A15D-84D8-CDD1611C2750}"/>
-              </a:ext>
-            </a:extLst>
-          </p:cNvPr>
+          <p:cNvPr id="2" name="Title 1"/>
           <p:cNvSpPr>
             <a:spLocks noGrp="1"/>
           </p:cNvSpPr>
@@ -2188,35 +2073,29 @@
         </p:nvSpPr>
         <p:spPr>
           <a:xfrm>
-            <a:off x="839788" y="457200"/>
-            <a:ext cx="3932237" cy="1600200"/>
+            <a:off x="457200" y="273050"/>
+            <a:ext cx="3008313" cy="1162050"/>
           </a:xfrm>
         </p:spPr>
         <p:txBody>
           <a:bodyPr anchor="b"/>
           <a:lstStyle>
-            <a:lvl1pPr>
-              <a:defRPr sz="3200"/>
+            <a:lvl1pPr algn="l">
+              <a:defRPr sz="2000" b="1"/>
             </a:lvl1pPr>
           </a:lstStyle>
           <a:p>
             <a:r>
-              <a:rPr lang="en-GB"/>
+              <a:rPr lang="en-US" smtClean="0"/>
               <a:t>Click to edit Master title style</a:t>
             </a:r>
-            <a:endParaRPr lang="en-FR"/>
-          </a:p>
-        </p:txBody>
-      </p:sp>
-      <p:sp>
-        <p:nvSpPr>
-          <p:cNvPr id="3" name="Content Placeholder 2">
-            <a:extLst>
-              <a:ext uri="{FF2B5EF4-FFF2-40B4-BE49-F238E27FC236}">
-                <a16:creationId xmlns:a16="http://schemas.microsoft.com/office/drawing/2014/main" id="{0040A468-92A9-65A0-7EF4-4BD4E98CB4A6}"/>
-              </a:ext>
-            </a:extLst>
-          </p:cNvPr>
+            <a:endParaRPr lang="en-US"/>
+          </a:p>
+        </p:txBody>
+      </p:sp>
+      <p:sp>
+        <p:nvSpPr>
+          <p:cNvPr id="3" name="Content Placeholder 2"/>
           <p:cNvSpPr>
             <a:spLocks noGrp="1"/>
           </p:cNvSpPr>
@@ -2226,8 +2105,8 @@
         </p:nvSpPr>
         <p:spPr>
           <a:xfrm>
-            <a:off x="5183188" y="987425"/>
-            <a:ext cx="6172200" cy="4873625"/>
+            <a:off x="3575050" y="273050"/>
+            <a:ext cx="5111750" cy="5853113"/>
           </a:xfrm>
         </p:spPr>
         <p:txBody>
@@ -2264,50 +2143,44 @@
           <a:p>
             <a:pPr lvl="0"/>
             <a:r>
-              <a:rPr lang="en-GB"/>
+              <a:rPr lang="en-US" smtClean="0"/>
               <a:t>Click to edit Master text styles</a:t>
             </a:r>
           </a:p>
           <a:p>
             <a:pPr lvl="1"/>
             <a:r>
-              <a:rPr lang="en-GB"/>
+              <a:rPr lang="en-US" smtClean="0"/>
               <a:t>Second level</a:t>
             </a:r>
           </a:p>
           <a:p>
             <a:pPr lvl="2"/>
             <a:r>
-              <a:rPr lang="en-GB"/>
+              <a:rPr lang="en-US" smtClean="0"/>
               <a:t>Third level</a:t>
             </a:r>
           </a:p>
           <a:p>
             <a:pPr lvl="3"/>
             <a:r>
-              <a:rPr lang="en-GB"/>
+              <a:rPr lang="en-US" smtClean="0"/>
               <a:t>Fourth level</a:t>
             </a:r>
           </a:p>
           <a:p>
             <a:pPr lvl="4"/>
             <a:r>
-              <a:rPr lang="en-GB"/>
+              <a:rPr lang="en-US" smtClean="0"/>
               <a:t>Fifth level</a:t>
             </a:r>
-            <a:endParaRPr lang="en-FR"/>
-          </a:p>
-        </p:txBody>
-      </p:sp>
-      <p:sp>
-        <p:nvSpPr>
-          <p:cNvPr id="4" name="Text Placeholder 3">
-            <a:extLst>
-              <a:ext uri="{FF2B5EF4-FFF2-40B4-BE49-F238E27FC236}">
-                <a16:creationId xmlns:a16="http://schemas.microsoft.com/office/drawing/2014/main" id="{8FDE07A4-DA39-8833-E6F9-69549D04FB77}"/>
-              </a:ext>
-            </a:extLst>
-          </p:cNvPr>
+            <a:endParaRPr lang="en-US"/>
+          </a:p>
+        </p:txBody>
+      </p:sp>
+      <p:sp>
+        <p:nvSpPr>
+          <p:cNvPr id="4" name="Text Placeholder 3"/>
           <p:cNvSpPr>
             <a:spLocks noGrp="1"/>
           </p:cNvSpPr>
@@ -2317,8 +2190,8 @@
         </p:nvSpPr>
         <p:spPr>
           <a:xfrm>
-            <a:off x="839788" y="2057400"/>
-            <a:ext cx="3932237" cy="3811588"/>
+            <a:off x="457200" y="1435100"/>
+            <a:ext cx="3008313" cy="4691063"/>
           </a:xfrm>
         </p:spPr>
         <p:txBody>
@@ -2326,45 +2199,45 @@
           <a:lstStyle>
             <a:lvl1pPr marL="0" indent="0">
               <a:buNone/>
-              <a:defRPr sz="1600"/>
+              <a:defRPr sz="1400"/>
             </a:lvl1pPr>
             <a:lvl2pPr marL="457200" indent="0">
               <a:buNone/>
-              <a:defRPr sz="1400"/>
+              <a:defRPr sz="1200"/>
             </a:lvl2pPr>
             <a:lvl3pPr marL="914400" indent="0">
               <a:buNone/>
-              <a:defRPr sz="1200"/>
+              <a:defRPr sz="1000"/>
             </a:lvl3pPr>
             <a:lvl4pPr marL="1371600" indent="0">
               <a:buNone/>
-              <a:defRPr sz="1000"/>
+              <a:defRPr sz="900"/>
             </a:lvl4pPr>
             <a:lvl5pPr marL="1828800" indent="0">
               <a:buNone/>
-              <a:defRPr sz="1000"/>
+              <a:defRPr sz="900"/>
             </a:lvl5pPr>
             <a:lvl6pPr marL="2286000" indent="0">
               <a:buNone/>
-              <a:defRPr sz="1000"/>
+              <a:defRPr sz="900"/>
             </a:lvl6pPr>
             <a:lvl7pPr marL="2743200" indent="0">
               <a:buNone/>
-              <a:defRPr sz="1000"/>
+              <a:defRPr sz="900"/>
             </a:lvl7pPr>
             <a:lvl8pPr marL="3200400" indent="0">
               <a:buNone/>
-              <a:defRPr sz="1000"/>
+              <a:defRPr sz="900"/>
             </a:lvl8pPr>
             <a:lvl9pPr marL="3657600" indent="0">
               <a:buNone/>
-              <a:defRPr sz="1000"/>
+              <a:defRPr sz="900"/>
             </a:lvl9pPr>
           </a:lstStyle>
           <a:p>
             <a:pPr lvl="0"/>
             <a:r>
-              <a:rPr lang="en-GB"/>
+              <a:rPr lang="en-US" smtClean="0"/>
               <a:t>Click to edit Master text styles</a:t>
             </a:r>
           </a:p>
@@ -2372,13 +2245,7 @@
       </p:sp>
       <p:sp>
         <p:nvSpPr>
-          <p:cNvPr id="5" name="Date Placeholder 4">
-            <a:extLst>
-              <a:ext uri="{FF2B5EF4-FFF2-40B4-BE49-F238E27FC236}">
-                <a16:creationId xmlns:a16="http://schemas.microsoft.com/office/drawing/2014/main" id="{26F67C14-170A-674E-355F-35DFAB93E6C4}"/>
-              </a:ext>
-            </a:extLst>
-          </p:cNvPr>
+          <p:cNvPr id="5" name="Date Placeholder 4"/>
           <p:cNvSpPr>
             <a:spLocks noGrp="1"/>
           </p:cNvSpPr>
@@ -2391,23 +2258,17 @@
           <a:bodyPr/>
           <a:lstStyle/>
           <a:p>
-            <a:fld id="{7CD783A5-BC47-ED4D-84DA-4F8B01B4E4C0}" type="datetimeFigureOut">
-              <a:rPr lang="en-FR" smtClean="0"/>
-              <a:t>23/10/2025</a:t>
+            <a:fld id="{5BCAD085-E8A6-8845-BD4E-CB4CCA059FC4}" type="datetimeFigureOut">
+              <a:rPr lang="en-US" smtClean="0"/>
+              <a:t>1/27/13</a:t>
             </a:fld>
-            <a:endParaRPr lang="en-FR"/>
-          </a:p>
-        </p:txBody>
-      </p:sp>
-      <p:sp>
-        <p:nvSpPr>
-          <p:cNvPr id="6" name="Footer Placeholder 5">
-            <a:extLst>
-              <a:ext uri="{FF2B5EF4-FFF2-40B4-BE49-F238E27FC236}">
-                <a16:creationId xmlns:a16="http://schemas.microsoft.com/office/drawing/2014/main" id="{C66A89CC-F8AD-2A7B-D5F2-BA884ECED17E}"/>
-              </a:ext>
-            </a:extLst>
-          </p:cNvPr>
+            <a:endParaRPr lang="en-US"/>
+          </a:p>
+        </p:txBody>
+      </p:sp>
+      <p:sp>
+        <p:nvSpPr>
+          <p:cNvPr id="6" name="Footer Placeholder 5"/>
           <p:cNvSpPr>
             <a:spLocks noGrp="1"/>
           </p:cNvSpPr>
@@ -2420,19 +2281,13 @@
           <a:bodyPr/>
           <a:lstStyle/>
           <a:p>
-            <a:endParaRPr lang="en-FR"/>
-          </a:p>
-        </p:txBody>
-      </p:sp>
-      <p:sp>
-        <p:nvSpPr>
-          <p:cNvPr id="7" name="Slide Number Placeholder 6">
-            <a:extLst>
-              <a:ext uri="{FF2B5EF4-FFF2-40B4-BE49-F238E27FC236}">
-                <a16:creationId xmlns:a16="http://schemas.microsoft.com/office/drawing/2014/main" id="{0E0A65AA-26E6-7C29-875A-B9ABC8A31151}"/>
-              </a:ext>
-            </a:extLst>
-          </p:cNvPr>
+            <a:endParaRPr lang="en-US"/>
+          </a:p>
+        </p:txBody>
+      </p:sp>
+      <p:sp>
+        <p:nvSpPr>
+          <p:cNvPr id="7" name="Slide Number Placeholder 6"/>
           <p:cNvSpPr>
             <a:spLocks noGrp="1"/>
           </p:cNvSpPr>
@@ -2445,18 +2300,18 @@
           <a:bodyPr/>
           <a:lstStyle/>
           <a:p>
-            <a:fld id="{7A684E51-FA75-6045-9327-F52E4E2EADA7}" type="slidenum">
-              <a:rPr lang="en-FR" smtClean="0"/>
+            <a:fld id="{C1FF6DA9-008F-8B48-92A6-B652298478BF}" type="slidenum">
+              <a:rPr lang="en-US" smtClean="0"/>
               <a:t>‹#›</a:t>
             </a:fld>
-            <a:endParaRPr lang="en-FR"/>
+            <a:endParaRPr lang="en-US"/>
           </a:p>
         </p:txBody>
       </p:sp>
     </p:spTree>
     <p:extLst>
       <p:ext uri="{BB962C8B-B14F-4D97-AF65-F5344CB8AC3E}">
-        <p14:creationId xmlns:p14="http://schemas.microsoft.com/office/powerpoint/2010/main" val="2374697047"/>
+        <p14:creationId xmlns:p14="http://schemas.microsoft.com/office/powerpoint/2010/main" val="1840726560"/>
       </p:ext>
     </p:extLst>
   </p:cSld>
@@ -2485,13 +2340,7 @@
       </p:grpSpPr>
       <p:sp>
         <p:nvSpPr>
-          <p:cNvPr id="2" name="Title 1">
-            <a:extLst>
-              <a:ext uri="{FF2B5EF4-FFF2-40B4-BE49-F238E27FC236}">
-                <a16:creationId xmlns:a16="http://schemas.microsoft.com/office/drawing/2014/main" id="{9C6748C7-4288-0E96-0F83-84900A3AFF60}"/>
-              </a:ext>
-            </a:extLst>
-          </p:cNvPr>
+          <p:cNvPr id="2" name="Title 1"/>
           <p:cNvSpPr>
             <a:spLocks noGrp="1"/>
           </p:cNvSpPr>
@@ -2501,35 +2350,29 @@
         </p:nvSpPr>
         <p:spPr>
           <a:xfrm>
-            <a:off x="839788" y="457200"/>
-            <a:ext cx="3932237" cy="1600200"/>
+            <a:off x="1792288" y="4800600"/>
+            <a:ext cx="5486400" cy="566738"/>
           </a:xfrm>
         </p:spPr>
         <p:txBody>
           <a:bodyPr anchor="b"/>
           <a:lstStyle>
-            <a:lvl1pPr>
-              <a:defRPr sz="3200"/>
+            <a:lvl1pPr algn="l">
+              <a:defRPr sz="2000" b="1"/>
             </a:lvl1pPr>
           </a:lstStyle>
           <a:p>
             <a:r>
-              <a:rPr lang="en-GB"/>
+              <a:rPr lang="en-US" smtClean="0"/>
               <a:t>Click to edit Master title style</a:t>
             </a:r>
-            <a:endParaRPr lang="en-FR"/>
-          </a:p>
-        </p:txBody>
-      </p:sp>
-      <p:sp>
-        <p:nvSpPr>
-          <p:cNvPr id="3" name="Picture Placeholder 2">
-            <a:extLst>
-              <a:ext uri="{FF2B5EF4-FFF2-40B4-BE49-F238E27FC236}">
-                <a16:creationId xmlns:a16="http://schemas.microsoft.com/office/drawing/2014/main" id="{020B8CB9-85A6-9C02-5D3E-15E1F074EE0F}"/>
-              </a:ext>
-            </a:extLst>
-          </p:cNvPr>
+            <a:endParaRPr lang="en-US"/>
+          </a:p>
+        </p:txBody>
+      </p:sp>
+      <p:sp>
+        <p:nvSpPr>
+          <p:cNvPr id="3" name="Picture Placeholder 2"/>
           <p:cNvSpPr>
             <a:spLocks noGrp="1"/>
           </p:cNvSpPr>
@@ -2539,8 +2382,8 @@
         </p:nvSpPr>
         <p:spPr>
           <a:xfrm>
-            <a:off x="5183188" y="987425"/>
-            <a:ext cx="6172200" cy="4873625"/>
+            <a:off x="1792288" y="612775"/>
+            <a:ext cx="5486400" cy="4114800"/>
           </a:xfrm>
         </p:spPr>
         <p:txBody>
@@ -2584,19 +2427,13 @@
             </a:lvl9pPr>
           </a:lstStyle>
           <a:p>
-            <a:endParaRPr lang="en-FR"/>
-          </a:p>
-        </p:txBody>
-      </p:sp>
-      <p:sp>
-        <p:nvSpPr>
-          <p:cNvPr id="4" name="Text Placeholder 3">
-            <a:extLst>
-              <a:ext uri="{FF2B5EF4-FFF2-40B4-BE49-F238E27FC236}">
-                <a16:creationId xmlns:a16="http://schemas.microsoft.com/office/drawing/2014/main" id="{750BE343-537A-FCCD-E608-CABC38CF110B}"/>
-              </a:ext>
-            </a:extLst>
-          </p:cNvPr>
+            <a:endParaRPr lang="en-US"/>
+          </a:p>
+        </p:txBody>
+      </p:sp>
+      <p:sp>
+        <p:nvSpPr>
+          <p:cNvPr id="4" name="Text Placeholder 3"/>
           <p:cNvSpPr>
             <a:spLocks noGrp="1"/>
           </p:cNvSpPr>
@@ -2606,8 +2443,8 @@
         </p:nvSpPr>
         <p:spPr>
           <a:xfrm>
-            <a:off x="839788" y="2057400"/>
-            <a:ext cx="3932237" cy="3811588"/>
+            <a:off x="1792288" y="5367338"/>
+            <a:ext cx="5486400" cy="804862"/>
           </a:xfrm>
         </p:spPr>
         <p:txBody>
@@ -2615,45 +2452,45 @@
           <a:lstStyle>
             <a:lvl1pPr marL="0" indent="0">
               <a:buNone/>
-              <a:defRPr sz="1600"/>
+              <a:defRPr sz="1400"/>
             </a:lvl1pPr>
             <a:lvl2pPr marL="457200" indent="0">
               <a:buNone/>
-              <a:defRPr sz="1400"/>
+              <a:defRPr sz="1200"/>
             </a:lvl2pPr>
             <a:lvl3pPr marL="914400" indent="0">
               <a:buNone/>
-              <a:defRPr sz="1200"/>
+              <a:defRPr sz="1000"/>
             </a:lvl3pPr>
             <a:lvl4pPr marL="1371600" indent="0">
               <a:buNone/>
-              <a:defRPr sz="1000"/>
+              <a:defRPr sz="900"/>
             </a:lvl4pPr>
             <a:lvl5pPr marL="1828800" indent="0">
               <a:buNone/>
-              <a:defRPr sz="1000"/>
+              <a:defRPr sz="900"/>
             </a:lvl5pPr>
             <a:lvl6pPr marL="2286000" indent="0">
               <a:buNone/>
-              <a:defRPr sz="1000"/>
+              <a:defRPr sz="900"/>
             </a:lvl6pPr>
             <a:lvl7pPr marL="2743200" indent="0">
               <a:buNone/>
-              <a:defRPr sz="1000"/>
+              <a:defRPr sz="900"/>
             </a:lvl7pPr>
             <a:lvl8pPr marL="3200400" indent="0">
               <a:buNone/>
-              <a:defRPr sz="1000"/>
+              <a:defRPr sz="900"/>
             </a:lvl8pPr>
             <a:lvl9pPr marL="3657600" indent="0">
               <a:buNone/>
-              <a:defRPr sz="1000"/>
+              <a:defRPr sz="900"/>
             </a:lvl9pPr>
           </a:lstStyle>
           <a:p>
             <a:pPr lvl="0"/>
             <a:r>
-              <a:rPr lang="en-GB"/>
+              <a:rPr lang="en-US" smtClean="0"/>
               <a:t>Click to edit Master text styles</a:t>
             </a:r>
           </a:p>
@@ -2661,13 +2498,7 @@
       </p:sp>
       <p:sp>
         <p:nvSpPr>
-          <p:cNvPr id="5" name="Date Placeholder 4">
-            <a:extLst>
-              <a:ext uri="{FF2B5EF4-FFF2-40B4-BE49-F238E27FC236}">
-                <a16:creationId xmlns:a16="http://schemas.microsoft.com/office/drawing/2014/main" id="{C46C5A29-0728-0B3D-ED5A-C94399504513}"/>
-              </a:ext>
-            </a:extLst>
-          </p:cNvPr>
+          <p:cNvPr id="5" name="Date Placeholder 4"/>
           <p:cNvSpPr>
             <a:spLocks noGrp="1"/>
           </p:cNvSpPr>
@@ -2680,23 +2511,17 @@
           <a:bodyPr/>
           <a:lstStyle/>
           <a:p>
-            <a:fld id="{7CD783A5-BC47-ED4D-84DA-4F8B01B4E4C0}" type="datetimeFigureOut">
-              <a:rPr lang="en-FR" smtClean="0"/>
-              <a:t>23/10/2025</a:t>
+            <a:fld id="{5BCAD085-E8A6-8845-BD4E-CB4CCA059FC4}" type="datetimeFigureOut">
+              <a:rPr lang="en-US" smtClean="0"/>
+              <a:t>1/27/13</a:t>
             </a:fld>
-            <a:endParaRPr lang="en-FR"/>
-          </a:p>
-        </p:txBody>
-      </p:sp>
-      <p:sp>
-        <p:nvSpPr>
-          <p:cNvPr id="6" name="Footer Placeholder 5">
-            <a:extLst>
-              <a:ext uri="{FF2B5EF4-FFF2-40B4-BE49-F238E27FC236}">
-                <a16:creationId xmlns:a16="http://schemas.microsoft.com/office/drawing/2014/main" id="{489FE4AA-57E4-EFD6-2675-3F98738FA3F5}"/>
-              </a:ext>
-            </a:extLst>
-          </p:cNvPr>
+            <a:endParaRPr lang="en-US"/>
+          </a:p>
+        </p:txBody>
+      </p:sp>
+      <p:sp>
+        <p:nvSpPr>
+          <p:cNvPr id="6" name="Footer Placeholder 5"/>
           <p:cNvSpPr>
             <a:spLocks noGrp="1"/>
           </p:cNvSpPr>
@@ -2709,19 +2534,13 @@
           <a:bodyPr/>
           <a:lstStyle/>
           <a:p>
-            <a:endParaRPr lang="en-FR"/>
-          </a:p>
-        </p:txBody>
-      </p:sp>
-      <p:sp>
-        <p:nvSpPr>
-          <p:cNvPr id="7" name="Slide Number Placeholder 6">
-            <a:extLst>
-              <a:ext uri="{FF2B5EF4-FFF2-40B4-BE49-F238E27FC236}">
-                <a16:creationId xmlns:a16="http://schemas.microsoft.com/office/drawing/2014/main" id="{6D608C8F-FB76-6B67-0151-3D9CA334B5D1}"/>
-              </a:ext>
-            </a:extLst>
-          </p:cNvPr>
+            <a:endParaRPr lang="en-US"/>
+          </a:p>
+        </p:txBody>
+      </p:sp>
+      <p:sp>
+        <p:nvSpPr>
+          <p:cNvPr id="7" name="Slide Number Placeholder 6"/>
           <p:cNvSpPr>
             <a:spLocks noGrp="1"/>
           </p:cNvSpPr>
@@ -2734,18 +2553,18 @@
           <a:bodyPr/>
           <a:lstStyle/>
           <a:p>
-            <a:fld id="{7A684E51-FA75-6045-9327-F52E4E2EADA7}" type="slidenum">
-              <a:rPr lang="en-FR" smtClean="0"/>
+            <a:fld id="{C1FF6DA9-008F-8B48-92A6-B652298478BF}" type="slidenum">
+              <a:rPr lang="en-US" smtClean="0"/>
               <a:t>‹#›</a:t>
             </a:fld>
-            <a:endParaRPr lang="en-FR"/>
+            <a:endParaRPr lang="en-US"/>
           </a:p>
         </p:txBody>
       </p:sp>
     </p:spTree>
     <p:extLst>
       <p:ext uri="{BB962C8B-B14F-4D97-AF65-F5344CB8AC3E}">
-        <p14:creationId xmlns:p14="http://schemas.microsoft.com/office/powerpoint/2010/main" val="74481663"/>
+        <p14:creationId xmlns:p14="http://schemas.microsoft.com/office/powerpoint/2010/main" val="3889236939"/>
       </p:ext>
     </p:extLst>
   </p:cSld>
@@ -2779,13 +2598,7 @@
       </p:grpSpPr>
       <p:sp>
         <p:nvSpPr>
-          <p:cNvPr id="2" name="Title Placeholder 1">
-            <a:extLst>
-              <a:ext uri="{FF2B5EF4-FFF2-40B4-BE49-F238E27FC236}">
-                <a16:creationId xmlns:a16="http://schemas.microsoft.com/office/drawing/2014/main" id="{F1927ED1-C350-0D11-FF4A-7805D6235605}"/>
-              </a:ext>
-            </a:extLst>
-          </p:cNvPr>
+          <p:cNvPr id="2" name="Title Placeholder 1"/>
           <p:cNvSpPr>
             <a:spLocks noGrp="1"/>
           </p:cNvSpPr>
@@ -2795,8 +2608,8 @@
         </p:nvSpPr>
         <p:spPr>
           <a:xfrm>
-            <a:off x="838200" y="365125"/>
-            <a:ext cx="10515600" cy="1325563"/>
+            <a:off x="457200" y="274638"/>
+            <a:ext cx="8229600" cy="1143000"/>
           </a:xfrm>
           <a:prstGeom prst="rect">
             <a:avLst/>
@@ -2809,22 +2622,16 @@
           <a:lstStyle/>
           <a:p>
             <a:r>
-              <a:rPr lang="en-GB"/>
+              <a:rPr lang="en-US" smtClean="0"/>
               <a:t>Click to edit Master title style</a:t>
             </a:r>
-            <a:endParaRPr lang="en-FR"/>
-          </a:p>
-        </p:txBody>
-      </p:sp>
-      <p:sp>
-        <p:nvSpPr>
-          <p:cNvPr id="3" name="Text Placeholder 2">
-            <a:extLst>
-              <a:ext uri="{FF2B5EF4-FFF2-40B4-BE49-F238E27FC236}">
-                <a16:creationId xmlns:a16="http://schemas.microsoft.com/office/drawing/2014/main" id="{06134AC3-7E67-14AF-DC52-90B7D7731917}"/>
-              </a:ext>
-            </a:extLst>
-          </p:cNvPr>
+            <a:endParaRPr lang="en-US"/>
+          </a:p>
+        </p:txBody>
+      </p:sp>
+      <p:sp>
+        <p:nvSpPr>
+          <p:cNvPr id="3" name="Text Placeholder 2"/>
           <p:cNvSpPr>
             <a:spLocks noGrp="1"/>
           </p:cNvSpPr>
@@ -2834,8 +2641,8 @@
         </p:nvSpPr>
         <p:spPr>
           <a:xfrm>
-            <a:off x="838200" y="1825625"/>
-            <a:ext cx="10515600" cy="4351338"/>
+            <a:off x="457200" y="1600200"/>
+            <a:ext cx="8229600" cy="4525963"/>
           </a:xfrm>
           <a:prstGeom prst="rect">
             <a:avLst/>
@@ -2849,50 +2656,44 @@
           <a:p>
             <a:pPr lvl="0"/>
             <a:r>
-              <a:rPr lang="en-GB"/>
+              <a:rPr lang="en-US" smtClean="0"/>
               <a:t>Click to edit Master text styles</a:t>
             </a:r>
           </a:p>
           <a:p>
             <a:pPr lvl="1"/>
             <a:r>
-              <a:rPr lang="en-GB"/>
+              <a:rPr lang="en-US" smtClean="0"/>
               <a:t>Second level</a:t>
             </a:r>
           </a:p>
           <a:p>
             <a:pPr lvl="2"/>
             <a:r>
-              <a:rPr lang="en-GB"/>
+              <a:rPr lang="en-US" smtClean="0"/>
               <a:t>Third level</a:t>
             </a:r>
           </a:p>
           <a:p>
             <a:pPr lvl="3"/>
             <a:r>
-              <a:rPr lang="en-GB"/>
+              <a:rPr lang="en-US" smtClean="0"/>
               <a:t>Fourth level</a:t>
             </a:r>
           </a:p>
           <a:p>
             <a:pPr lvl="4"/>
             <a:r>
-              <a:rPr lang="en-GB"/>
+              <a:rPr lang="en-US" smtClean="0"/>
               <a:t>Fifth level</a:t>
             </a:r>
-            <a:endParaRPr lang="en-FR"/>
-          </a:p>
-        </p:txBody>
-      </p:sp>
-      <p:sp>
-        <p:nvSpPr>
-          <p:cNvPr id="4" name="Date Placeholder 3">
-            <a:extLst>
-              <a:ext uri="{FF2B5EF4-FFF2-40B4-BE49-F238E27FC236}">
-                <a16:creationId xmlns:a16="http://schemas.microsoft.com/office/drawing/2014/main" id="{66518399-4C91-33EC-60E8-06393CC7B384}"/>
-              </a:ext>
-            </a:extLst>
-          </p:cNvPr>
+            <a:endParaRPr lang="en-US"/>
+          </a:p>
+        </p:txBody>
+      </p:sp>
+      <p:sp>
+        <p:nvSpPr>
+          <p:cNvPr id="4" name="Date Placeholder 3"/>
           <p:cNvSpPr>
             <a:spLocks noGrp="1"/>
           </p:cNvSpPr>
@@ -2902,8 +2703,8 @@
         </p:nvSpPr>
         <p:spPr>
           <a:xfrm>
-            <a:off x="838200" y="6356350"/>
-            <a:ext cx="2743200" cy="365125"/>
+            <a:off x="457200" y="6356350"/>
+            <a:ext cx="2133600" cy="365125"/>
           </a:xfrm>
           <a:prstGeom prst="rect">
             <a:avLst/>
@@ -2916,30 +2717,24 @@
               <a:defRPr sz="1200">
                 <a:solidFill>
                   <a:schemeClr val="tx1">
-                    <a:tint val="82000"/>
+                    <a:tint val="75000"/>
                   </a:schemeClr>
                 </a:solidFill>
               </a:defRPr>
             </a:lvl1pPr>
           </a:lstStyle>
           <a:p>
-            <a:fld id="{7CD783A5-BC47-ED4D-84DA-4F8B01B4E4C0}" type="datetimeFigureOut">
-              <a:rPr lang="en-FR" smtClean="0"/>
-              <a:t>23/10/2025</a:t>
+            <a:fld id="{5BCAD085-E8A6-8845-BD4E-CB4CCA059FC4}" type="datetimeFigureOut">
+              <a:rPr lang="en-US" smtClean="0"/>
+              <a:t>1/27/13</a:t>
             </a:fld>
-            <a:endParaRPr lang="en-FR"/>
-          </a:p>
-        </p:txBody>
-      </p:sp>
-      <p:sp>
-        <p:nvSpPr>
-          <p:cNvPr id="5" name="Footer Placeholder 4">
-            <a:extLst>
-              <a:ext uri="{FF2B5EF4-FFF2-40B4-BE49-F238E27FC236}">
-                <a16:creationId xmlns:a16="http://schemas.microsoft.com/office/drawing/2014/main" id="{2E0DB32C-3124-5DEA-E1ED-579509CF0A74}"/>
-              </a:ext>
-            </a:extLst>
-          </p:cNvPr>
+            <a:endParaRPr lang="en-US"/>
+          </a:p>
+        </p:txBody>
+      </p:sp>
+      <p:sp>
+        <p:nvSpPr>
+          <p:cNvPr id="5" name="Footer Placeholder 4"/>
           <p:cNvSpPr>
             <a:spLocks noGrp="1"/>
           </p:cNvSpPr>
@@ -2949,8 +2744,8 @@
         </p:nvSpPr>
         <p:spPr>
           <a:xfrm>
-            <a:off x="4038600" y="6356350"/>
-            <a:ext cx="4114800" cy="365125"/>
+            <a:off x="3124200" y="6356350"/>
+            <a:ext cx="2895600" cy="365125"/>
           </a:xfrm>
           <a:prstGeom prst="rect">
             <a:avLst/>
@@ -2963,26 +2758,20 @@
               <a:defRPr sz="1200">
                 <a:solidFill>
                   <a:schemeClr val="tx1">
-                    <a:tint val="82000"/>
+                    <a:tint val="75000"/>
                   </a:schemeClr>
                 </a:solidFill>
               </a:defRPr>
             </a:lvl1pPr>
           </a:lstStyle>
           <a:p>
-            <a:endParaRPr lang="en-FR"/>
-          </a:p>
-        </p:txBody>
-      </p:sp>
-      <p:sp>
-        <p:nvSpPr>
-          <p:cNvPr id="6" name="Slide Number Placeholder 5">
-            <a:extLst>
-              <a:ext uri="{FF2B5EF4-FFF2-40B4-BE49-F238E27FC236}">
-                <a16:creationId xmlns:a16="http://schemas.microsoft.com/office/drawing/2014/main" id="{78730C34-B21D-3E71-1A61-836E14218D26}"/>
-              </a:ext>
-            </a:extLst>
-          </p:cNvPr>
+            <a:endParaRPr lang="en-US"/>
+          </a:p>
+        </p:txBody>
+      </p:sp>
+      <p:sp>
+        <p:nvSpPr>
+          <p:cNvPr id="6" name="Slide Number Placeholder 5"/>
           <p:cNvSpPr>
             <a:spLocks noGrp="1"/>
           </p:cNvSpPr>
@@ -2992,8 +2781,8 @@
         </p:nvSpPr>
         <p:spPr>
           <a:xfrm>
-            <a:off x="8610600" y="6356350"/>
-            <a:ext cx="2743200" cy="365125"/>
+            <a:off x="6553200" y="6356350"/>
+            <a:ext cx="2133600" cy="365125"/>
           </a:xfrm>
           <a:prstGeom prst="rect">
             <a:avLst/>
@@ -3006,25 +2795,25 @@
               <a:defRPr sz="1200">
                 <a:solidFill>
                   <a:schemeClr val="tx1">
-                    <a:tint val="82000"/>
+                    <a:tint val="75000"/>
                   </a:schemeClr>
                 </a:solidFill>
               </a:defRPr>
             </a:lvl1pPr>
           </a:lstStyle>
           <a:p>
-            <a:fld id="{7A684E51-FA75-6045-9327-F52E4E2EADA7}" type="slidenum">
-              <a:rPr lang="en-FR" smtClean="0"/>
+            <a:fld id="{C1FF6DA9-008F-8B48-92A6-B652298478BF}" type="slidenum">
+              <a:rPr lang="en-US" smtClean="0"/>
               <a:t>‹#›</a:t>
             </a:fld>
-            <a:endParaRPr lang="en-FR"/>
+            <a:endParaRPr lang="en-US"/>
           </a:p>
         </p:txBody>
       </p:sp>
     </p:spTree>
     <p:extLst>
       <p:ext uri="{BB962C8B-B14F-4D97-AF65-F5344CB8AC3E}">
-        <p14:creationId xmlns:p14="http://schemas.microsoft.com/office/powerpoint/2010/main" val="2280436035"/>
+        <p14:creationId xmlns:p14="http://schemas.microsoft.com/office/powerpoint/2010/main" val="2209977519"/>
       </p:ext>
     </p:extLst>
   </p:cSld>
@@ -3044,10 +2833,7 @@
   </p:sldLayoutIdLst>
   <p:txStyles>
     <p:titleStyle>
-      <a:lvl1pPr algn="l" defTabSz="914400" rtl="0" eaLnBrk="1" latinLnBrk="0" hangingPunct="1">
-        <a:lnSpc>
-          <a:spcPct val="90000"/>
-        </a:lnSpc>
+      <a:lvl1pPr algn="ctr" defTabSz="457200" rtl="0" eaLnBrk="1" latinLnBrk="0" hangingPunct="1">
         <a:spcBef>
           <a:spcPct val="0"/>
         </a:spcBef>
@@ -3063,15 +2849,27 @@
       </a:lvl1pPr>
     </p:titleStyle>
     <p:bodyStyle>
-      <a:lvl1pPr marL="228600" indent="-228600" algn="l" defTabSz="914400" rtl="0" eaLnBrk="1" latinLnBrk="0" hangingPunct="1">
-        <a:lnSpc>
-          <a:spcPct val="90000"/>
-        </a:lnSpc>
+      <a:lvl1pPr marL="342900" indent="-342900" algn="l" defTabSz="457200" rtl="0" eaLnBrk="1" latinLnBrk="0" hangingPunct="1">
         <a:spcBef>
-          <a:spcPts val="1000"/>
+          <a:spcPct val="20000"/>
         </a:spcBef>
-        <a:buFont typeface="Arial" panose="020B0604020202020204" pitchFamily="34" charset="0"/>
+        <a:buFont typeface="Arial"/>
         <a:buChar char="•"/>
+        <a:defRPr sz="3200" kern="1200">
+          <a:solidFill>
+            <a:schemeClr val="tx1"/>
+          </a:solidFill>
+          <a:latin typeface="+mn-lt"/>
+          <a:ea typeface="+mn-ea"/>
+          <a:cs typeface="+mn-cs"/>
+        </a:defRPr>
+      </a:lvl1pPr>
+      <a:lvl2pPr marL="742950" indent="-285750" algn="l" defTabSz="457200" rtl="0" eaLnBrk="1" latinLnBrk="0" hangingPunct="1">
+        <a:spcBef>
+          <a:spcPct val="20000"/>
+        </a:spcBef>
+        <a:buFont typeface="Arial"/>
+        <a:buChar char="–"/>
         <a:defRPr sz="2800" kern="1200">
           <a:solidFill>
             <a:schemeClr val="tx1"/>
@@ -3080,15 +2878,12 @@
           <a:ea typeface="+mn-ea"/>
           <a:cs typeface="+mn-cs"/>
         </a:defRPr>
-      </a:lvl1pPr>
-      <a:lvl2pPr marL="685800" indent="-228600" algn="l" defTabSz="914400" rtl="0" eaLnBrk="1" latinLnBrk="0" hangingPunct="1">
-        <a:lnSpc>
-          <a:spcPct val="90000"/>
-        </a:lnSpc>
+      </a:lvl2pPr>
+      <a:lvl3pPr marL="1143000" indent="-228600" algn="l" defTabSz="457200" rtl="0" eaLnBrk="1" latinLnBrk="0" hangingPunct="1">
         <a:spcBef>
-          <a:spcPts val="500"/>
+          <a:spcPct val="20000"/>
         </a:spcBef>
-        <a:buFont typeface="Arial" panose="020B0604020202020204" pitchFamily="34" charset="0"/>
+        <a:buFont typeface="Arial"/>
         <a:buChar char="•"/>
         <a:defRPr sz="2400" kern="1200">
           <a:solidFill>
@@ -3098,15 +2893,42 @@
           <a:ea typeface="+mn-ea"/>
           <a:cs typeface="+mn-cs"/>
         </a:defRPr>
-      </a:lvl2pPr>
-      <a:lvl3pPr marL="1143000" indent="-228600" algn="l" defTabSz="914400" rtl="0" eaLnBrk="1" latinLnBrk="0" hangingPunct="1">
-        <a:lnSpc>
-          <a:spcPct val="90000"/>
-        </a:lnSpc>
+      </a:lvl3pPr>
+      <a:lvl4pPr marL="1600200" indent="-228600" algn="l" defTabSz="457200" rtl="0" eaLnBrk="1" latinLnBrk="0" hangingPunct="1">
         <a:spcBef>
-          <a:spcPts val="500"/>
+          <a:spcPct val="20000"/>
         </a:spcBef>
-        <a:buFont typeface="Arial" panose="020B0604020202020204" pitchFamily="34" charset="0"/>
+        <a:buFont typeface="Arial"/>
+        <a:buChar char="–"/>
+        <a:defRPr sz="2000" kern="1200">
+          <a:solidFill>
+            <a:schemeClr val="tx1"/>
+          </a:solidFill>
+          <a:latin typeface="+mn-lt"/>
+          <a:ea typeface="+mn-ea"/>
+          <a:cs typeface="+mn-cs"/>
+        </a:defRPr>
+      </a:lvl4pPr>
+      <a:lvl5pPr marL="2057400" indent="-228600" algn="l" defTabSz="457200" rtl="0" eaLnBrk="1" latinLnBrk="0" hangingPunct="1">
+        <a:spcBef>
+          <a:spcPct val="20000"/>
+        </a:spcBef>
+        <a:buFont typeface="Arial"/>
+        <a:buChar char="»"/>
+        <a:defRPr sz="2000" kern="1200">
+          <a:solidFill>
+            <a:schemeClr val="tx1"/>
+          </a:solidFill>
+          <a:latin typeface="+mn-lt"/>
+          <a:ea typeface="+mn-ea"/>
+          <a:cs typeface="+mn-cs"/>
+        </a:defRPr>
+      </a:lvl5pPr>
+      <a:lvl6pPr marL="2514600" indent="-228600" algn="l" defTabSz="457200" rtl="0" eaLnBrk="1" latinLnBrk="0" hangingPunct="1">
+        <a:spcBef>
+          <a:spcPct val="20000"/>
+        </a:spcBef>
+        <a:buFont typeface="Arial"/>
         <a:buChar char="•"/>
         <a:defRPr sz="2000" kern="1200">
           <a:solidFill>
@@ -3116,71 +2938,14 @@
           <a:ea typeface="+mn-ea"/>
           <a:cs typeface="+mn-cs"/>
         </a:defRPr>
-      </a:lvl3pPr>
-      <a:lvl4pPr marL="1600200" indent="-228600" algn="l" defTabSz="914400" rtl="0" eaLnBrk="1" latinLnBrk="0" hangingPunct="1">
-        <a:lnSpc>
-          <a:spcPct val="90000"/>
-        </a:lnSpc>
+      </a:lvl6pPr>
+      <a:lvl7pPr marL="2971800" indent="-228600" algn="l" defTabSz="457200" rtl="0" eaLnBrk="1" latinLnBrk="0" hangingPunct="1">
         <a:spcBef>
-          <a:spcPts val="500"/>
+          <a:spcPct val="20000"/>
         </a:spcBef>
-        <a:buFont typeface="Arial" panose="020B0604020202020204" pitchFamily="34" charset="0"/>
+        <a:buFont typeface="Arial"/>
         <a:buChar char="•"/>
-        <a:defRPr sz="1800" kern="1200">
-          <a:solidFill>
-            <a:schemeClr val="tx1"/>
-          </a:solidFill>
-          <a:latin typeface="+mn-lt"/>
-          <a:ea typeface="+mn-ea"/>
-          <a:cs typeface="+mn-cs"/>
-        </a:defRPr>
-      </a:lvl4pPr>
-      <a:lvl5pPr marL="2057400" indent="-228600" algn="l" defTabSz="914400" rtl="0" eaLnBrk="1" latinLnBrk="0" hangingPunct="1">
-        <a:lnSpc>
-          <a:spcPct val="90000"/>
-        </a:lnSpc>
-        <a:spcBef>
-          <a:spcPts val="500"/>
-        </a:spcBef>
-        <a:buFont typeface="Arial" panose="020B0604020202020204" pitchFamily="34" charset="0"/>
-        <a:buChar char="•"/>
-        <a:defRPr sz="1800" kern="1200">
-          <a:solidFill>
-            <a:schemeClr val="tx1"/>
-          </a:solidFill>
-          <a:latin typeface="+mn-lt"/>
-          <a:ea typeface="+mn-ea"/>
-          <a:cs typeface="+mn-cs"/>
-        </a:defRPr>
-      </a:lvl5pPr>
-      <a:lvl6pPr marL="2514600" indent="-228600" algn="l" defTabSz="914400" rtl="0" eaLnBrk="1" latinLnBrk="0" hangingPunct="1">
-        <a:lnSpc>
-          <a:spcPct val="90000"/>
-        </a:lnSpc>
-        <a:spcBef>
-          <a:spcPts val="500"/>
-        </a:spcBef>
-        <a:buFont typeface="Arial" panose="020B0604020202020204" pitchFamily="34" charset="0"/>
-        <a:buChar char="•"/>
-        <a:defRPr sz="1800" kern="1200">
-          <a:solidFill>
-            <a:schemeClr val="tx1"/>
-          </a:solidFill>
-          <a:latin typeface="+mn-lt"/>
-          <a:ea typeface="+mn-ea"/>
-          <a:cs typeface="+mn-cs"/>
-        </a:defRPr>
-      </a:lvl6pPr>
-      <a:lvl7pPr marL="2971800" indent="-228600" algn="l" defTabSz="914400" rtl="0" eaLnBrk="1" latinLnBrk="0" hangingPunct="1">
-        <a:lnSpc>
-          <a:spcPct val="90000"/>
-        </a:lnSpc>
-        <a:spcBef>
-          <a:spcPts val="500"/>
-        </a:spcBef>
-        <a:buFont typeface="Arial" panose="020B0604020202020204" pitchFamily="34" charset="0"/>
-        <a:buChar char="•"/>
-        <a:defRPr sz="1800" kern="1200">
+        <a:defRPr sz="2000" kern="1200">
           <a:solidFill>
             <a:schemeClr val="tx1"/>
           </a:solidFill>
@@ -3189,16 +2954,13 @@
           <a:cs typeface="+mn-cs"/>
         </a:defRPr>
       </a:lvl7pPr>
-      <a:lvl8pPr marL="3429000" indent="-228600" algn="l" defTabSz="914400" rtl="0" eaLnBrk="1" latinLnBrk="0" hangingPunct="1">
-        <a:lnSpc>
-          <a:spcPct val="90000"/>
-        </a:lnSpc>
+      <a:lvl8pPr marL="3429000" indent="-228600" algn="l" defTabSz="457200" rtl="0" eaLnBrk="1" latinLnBrk="0" hangingPunct="1">
         <a:spcBef>
-          <a:spcPts val="500"/>
+          <a:spcPct val="20000"/>
         </a:spcBef>
-        <a:buFont typeface="Arial" panose="020B0604020202020204" pitchFamily="34" charset="0"/>
+        <a:buFont typeface="Arial"/>
         <a:buChar char="•"/>
-        <a:defRPr sz="1800" kern="1200">
+        <a:defRPr sz="2000" kern="1200">
           <a:solidFill>
             <a:schemeClr val="tx1"/>
           </a:solidFill>
@@ -3207,16 +2969,13 @@
           <a:cs typeface="+mn-cs"/>
         </a:defRPr>
       </a:lvl8pPr>
-      <a:lvl9pPr marL="3886200" indent="-228600" algn="l" defTabSz="914400" rtl="0" eaLnBrk="1" latinLnBrk="0" hangingPunct="1">
-        <a:lnSpc>
-          <a:spcPct val="90000"/>
-        </a:lnSpc>
+      <a:lvl9pPr marL="3886200" indent="-228600" algn="l" defTabSz="457200" rtl="0" eaLnBrk="1" latinLnBrk="0" hangingPunct="1">
         <a:spcBef>
-          <a:spcPts val="500"/>
+          <a:spcPct val="20000"/>
         </a:spcBef>
-        <a:buFont typeface="Arial" panose="020B0604020202020204" pitchFamily="34" charset="0"/>
+        <a:buFont typeface="Arial"/>
         <a:buChar char="•"/>
-        <a:defRPr sz="1800" kern="1200">
+        <a:defRPr sz="2000" kern="1200">
           <a:solidFill>
             <a:schemeClr val="tx1"/>
           </a:solidFill>
@@ -3228,9 +2987,9 @@
     </p:bodyStyle>
     <p:otherStyle>
       <a:defPPr>
-        <a:defRPr lang="en-FR"/>
+        <a:defRPr lang="en-US"/>
       </a:defPPr>
-      <a:lvl1pPr marL="0" algn="l" defTabSz="914400" rtl="0" eaLnBrk="1" latinLnBrk="0" hangingPunct="1">
+      <a:lvl1pPr marL="0" algn="l" defTabSz="457200" rtl="0" eaLnBrk="1" latinLnBrk="0" hangingPunct="1">
         <a:defRPr sz="1800" kern="1200">
           <a:solidFill>
             <a:schemeClr val="tx1"/>
@@ -3240,7 +2999,7 @@
           <a:cs typeface="+mn-cs"/>
         </a:defRPr>
       </a:lvl1pPr>
-      <a:lvl2pPr marL="457200" algn="l" defTabSz="914400" rtl="0" eaLnBrk="1" latinLnBrk="0" hangingPunct="1">
+      <a:lvl2pPr marL="457200" algn="l" defTabSz="457200" rtl="0" eaLnBrk="1" latinLnBrk="0" hangingPunct="1">
         <a:defRPr sz="1800" kern="1200">
           <a:solidFill>
             <a:schemeClr val="tx1"/>
@@ -3250,7 +3009,7 @@
           <a:cs typeface="+mn-cs"/>
         </a:defRPr>
       </a:lvl2pPr>
-      <a:lvl3pPr marL="914400" algn="l" defTabSz="914400" rtl="0" eaLnBrk="1" latinLnBrk="0" hangingPunct="1">
+      <a:lvl3pPr marL="914400" algn="l" defTabSz="457200" rtl="0" eaLnBrk="1" latinLnBrk="0" hangingPunct="1">
         <a:defRPr sz="1800" kern="1200">
           <a:solidFill>
             <a:schemeClr val="tx1"/>
@@ -3260,7 +3019,7 @@
           <a:cs typeface="+mn-cs"/>
         </a:defRPr>
       </a:lvl3pPr>
-      <a:lvl4pPr marL="1371600" algn="l" defTabSz="914400" rtl="0" eaLnBrk="1" latinLnBrk="0" hangingPunct="1">
+      <a:lvl4pPr marL="1371600" algn="l" defTabSz="457200" rtl="0" eaLnBrk="1" latinLnBrk="0" hangingPunct="1">
         <a:defRPr sz="1800" kern="1200">
           <a:solidFill>
             <a:schemeClr val="tx1"/>
@@ -3270,7 +3029,7 @@
           <a:cs typeface="+mn-cs"/>
         </a:defRPr>
       </a:lvl4pPr>
-      <a:lvl5pPr marL="1828800" algn="l" defTabSz="914400" rtl="0" eaLnBrk="1" latinLnBrk="0" hangingPunct="1">
+      <a:lvl5pPr marL="1828800" algn="l" defTabSz="457200" rtl="0" eaLnBrk="1" latinLnBrk="0" hangingPunct="1">
         <a:defRPr sz="1800" kern="1200">
           <a:solidFill>
             <a:schemeClr val="tx1"/>
@@ -3280,7 +3039,7 @@
           <a:cs typeface="+mn-cs"/>
         </a:defRPr>
       </a:lvl5pPr>
-      <a:lvl6pPr marL="2286000" algn="l" defTabSz="914400" rtl="0" eaLnBrk="1" latinLnBrk="0" hangingPunct="1">
+      <a:lvl6pPr marL="2286000" algn="l" defTabSz="457200" rtl="0" eaLnBrk="1" latinLnBrk="0" hangingPunct="1">
         <a:defRPr sz="1800" kern="1200">
           <a:solidFill>
             <a:schemeClr val="tx1"/>
@@ -3290,7 +3049,7 @@
           <a:cs typeface="+mn-cs"/>
         </a:defRPr>
       </a:lvl6pPr>
-      <a:lvl7pPr marL="2743200" algn="l" defTabSz="914400" rtl="0" eaLnBrk="1" latinLnBrk="0" hangingPunct="1">
+      <a:lvl7pPr marL="2743200" algn="l" defTabSz="457200" rtl="0" eaLnBrk="1" latinLnBrk="0" hangingPunct="1">
         <a:defRPr sz="1800" kern="1200">
           <a:solidFill>
             <a:schemeClr val="tx1"/>
@@ -3300,7 +3059,7 @@
           <a:cs typeface="+mn-cs"/>
         </a:defRPr>
       </a:lvl7pPr>
-      <a:lvl8pPr marL="3200400" algn="l" defTabSz="914400" rtl="0" eaLnBrk="1" latinLnBrk="0" hangingPunct="1">
+      <a:lvl8pPr marL="3200400" algn="l" defTabSz="457200" rtl="0" eaLnBrk="1" latinLnBrk="0" hangingPunct="1">
         <a:defRPr sz="1800" kern="1200">
           <a:solidFill>
             <a:schemeClr val="tx1"/>
@@ -3310,7 +3069,7 @@
           <a:cs typeface="+mn-cs"/>
         </a:defRPr>
       </a:lvl8pPr>
-      <a:lvl9pPr marL="3657600" algn="l" defTabSz="914400" rtl="0" eaLnBrk="1" latinLnBrk="0" hangingPunct="1">
+      <a:lvl9pPr marL="3657600" algn="l" defTabSz="457200" rtl="0" eaLnBrk="1" latinLnBrk="0" hangingPunct="1">
         <a:defRPr sz="1800" kern="1200">
           <a:solidFill>
             <a:schemeClr val="tx1"/>
@@ -3326,7 +3085,7 @@
 </file>
 
 <file path=ppt/slides/slide1.xml><?xml version="1.0" encoding="utf-8"?>
-<p:sld xmlns:a="http://schemas.openxmlformats.org/drawingml/2006/main" xmlns:r="http://schemas.openxmlformats.org/officeDocument/2006/relationships" xmlns:p="http://schemas.openxmlformats.org/presentationml/2006/main">
+<p:sld xmlns:a="http://schemas.openxmlformats.org/drawingml/2006/main" xmlns:p="http://schemas.openxmlformats.org/presentationml/2006/main" xmlns:r="http://schemas.openxmlformats.org/officeDocument/2006/relationships">
   <p:cSld>
     <p:spTree>
       <p:nvGrpSpPr>
@@ -3334,80 +3093,1173 @@
         <p:cNvGrpSpPr/>
         <p:nvPr/>
       </p:nvGrpSpPr>
-      <p:grpSpPr>
-        <a:xfrm>
-          <a:off x="0" y="0"/>
-          <a:ext cx="0" cy="0"/>
-          <a:chOff x="0" y="0"/>
-          <a:chExt cx="0" cy="0"/>
-        </a:xfrm>
-      </p:grpSpPr>
-      <p:sp>
-        <p:nvSpPr>
-          <p:cNvPr id="2" name="Title 1">
-            <a:extLst>
-              <a:ext uri="{FF2B5EF4-FFF2-40B4-BE49-F238E27FC236}">
-                <a16:creationId xmlns:a16="http://schemas.microsoft.com/office/drawing/2014/main" id="{04ACF0D9-94F5-8041-B449-561BE15A45AC}"/>
-              </a:ext>
-            </a:extLst>
-          </p:cNvPr>
-          <p:cNvSpPr>
-            <a:spLocks noGrp="1"/>
-          </p:cNvSpPr>
-          <p:nvPr>
-            <p:ph type="ctrTitle"/>
-          </p:nvPr>
-        </p:nvSpPr>
-        <p:spPr/>
-        <p:txBody>
-          <a:bodyPr/>
-          <a:lstStyle/>
-          <a:p>
-            <a:r>
-              <a:rPr lang="en-GB" dirty="0"/>
-              <a:t>M</a:t>
-            </a:r>
-            <a:r>
-              <a:rPr lang="en-FR" dirty="0"/>
-              <a:t>y presentation</a:t>
-            </a:r>
-          </a:p>
-        </p:txBody>
-      </p:sp>
-      <p:sp>
-        <p:nvSpPr>
-          <p:cNvPr id="3" name="Subtitle 2">
-            <a:extLst>
-              <a:ext uri="{FF2B5EF4-FFF2-40B4-BE49-F238E27FC236}">
-                <a16:creationId xmlns:a16="http://schemas.microsoft.com/office/drawing/2014/main" id="{F67D5A75-94B3-B72E-B925-A1ABAE11BC30}"/>
-              </a:ext>
-            </a:extLst>
-          </p:cNvPr>
-          <p:cNvSpPr>
-            <a:spLocks noGrp="1"/>
-          </p:cNvSpPr>
-          <p:nvPr>
-            <p:ph type="subTitle" idx="1"/>
-          </p:nvPr>
-        </p:nvSpPr>
-        <p:spPr/>
-        <p:txBody>
-          <a:bodyPr/>
-          <a:lstStyle/>
-          <a:p>
-            <a:r>
-              <a:rPr lang="en-FR" dirty="0"/>
-              <a:t>{{ here }}</a:t>
+      <p:grpSpPr/>
+      <p:sp>
+        <p:nvSpPr>
+          <p:cNvPr id="2" name="TextBox 1"/>
+          <p:cNvSpPr txBox="1"/>
+          <p:nvPr/>
+        </p:nvSpPr>
+        <p:spPr>
+          <a:xfrm>
+            <a:off x="457200" y="2286000"/>
+            <a:ext cx="11277295" cy="914400"/>
+          </a:xfrm>
+          <a:prstGeom prst="rect">
+            <a:avLst/>
+          </a:prstGeom>
+          <a:noFill/>
+        </p:spPr>
+        <p:txBody>
+          <a:bodyPr wrap="none">
+            <a:spAutoFit/>
+          </a:bodyPr>
+          <a:lstStyle/>
+          <a:p>
+            <a:pPr algn="ctr">
+              <a:defRPr sz="4400" b="1"/>
+            </a:pPr>
+            <a:r>
+              <a:t>{{audit_name}}</a:t>
+            </a:r>
+          </a:p>
+        </p:txBody>
+      </p:sp>
+      <p:sp>
+        <p:nvSpPr>
+          <p:cNvPr id="3" name="TextBox 2"/>
+          <p:cNvSpPr txBox="1"/>
+          <p:nvPr/>
+        </p:nvSpPr>
+        <p:spPr>
+          <a:xfrm>
+            <a:off x="457200" y="3383280"/>
+            <a:ext cx="11277295" cy="457200"/>
+          </a:xfrm>
+          <a:prstGeom prst="rect">
+            <a:avLst/>
+          </a:prstGeom>
+          <a:noFill/>
+        </p:spPr>
+        <p:txBody>
+          <a:bodyPr wrap="none">
+            <a:spAutoFit/>
+          </a:bodyPr>
+          <a:lstStyle/>
+          <a:p>
+            <a:pPr algn="ctr">
+              <a:defRPr sz="2800"/>
+            </a:pPr>
+            <a:r>
+              <a:t>{{framework_name}}</a:t>
+            </a:r>
+          </a:p>
+        </p:txBody>
+      </p:sp>
+      <p:sp>
+        <p:nvSpPr>
+          <p:cNvPr id="4" name="TextBox 3"/>
+          <p:cNvSpPr txBox="1"/>
+          <p:nvPr/>
+        </p:nvSpPr>
+        <p:spPr>
+          <a:xfrm>
+            <a:off x="457200" y="4114800"/>
+            <a:ext cx="11277295" cy="457200"/>
+          </a:xfrm>
+          <a:prstGeom prst="rect">
+            <a:avLst/>
+          </a:prstGeom>
+          <a:noFill/>
+        </p:spPr>
+        <p:txBody>
+          <a:bodyPr wrap="none">
+            <a:spAutoFit/>
+          </a:bodyPr>
+          <a:lstStyle/>
+          <a:p>
+            <a:pPr algn="ctr">
+              <a:defRPr sz="1800"/>
+            </a:pPr>
+            <a:r>
+              <a:t>{{date}}</a:t>
             </a:r>
           </a:p>
         </p:txBody>
       </p:sp>
     </p:spTree>
-    <p:extLst>
-      <p:ext uri="{BB962C8B-B14F-4D97-AF65-F5344CB8AC3E}">
-        <p14:creationId xmlns:p14="http://schemas.microsoft.com/office/powerpoint/2010/main" val="2227980164"/>
-      </p:ext>
-    </p:extLst>
+  </p:cSld>
+  <p:clrMapOvr>
+    <a:masterClrMapping/>
+  </p:clrMapOvr>
+</p:sld>
+</file>
+
+<file path=ppt/slides/slide2.xml><?xml version="1.0" encoding="utf-8"?>
+<p:sld xmlns:a="http://schemas.openxmlformats.org/drawingml/2006/main" xmlns:p="http://schemas.openxmlformats.org/presentationml/2006/main" xmlns:r="http://schemas.openxmlformats.org/officeDocument/2006/relationships">
+  <p:cSld>
+    <p:spTree>
+      <p:nvGrpSpPr>
+        <p:cNvPr id="1" name=""/>
+        <p:cNvGrpSpPr/>
+        <p:nvPr/>
+      </p:nvGrpSpPr>
+      <p:grpSpPr/>
+      <p:sp>
+        <p:nvSpPr>
+          <p:cNvPr id="2" name="TextBox 1"/>
+          <p:cNvSpPr txBox="1"/>
+          <p:nvPr/>
+        </p:nvSpPr>
+        <p:spPr>
+          <a:xfrm>
+            <a:off x="457200" y="274320"/>
+            <a:ext cx="11277295" cy="640080"/>
+          </a:xfrm>
+          <a:prstGeom prst="rect">
+            <a:avLst/>
+          </a:prstGeom>
+          <a:noFill/>
+        </p:spPr>
+        <p:txBody>
+          <a:bodyPr wrap="none">
+            <a:spAutoFit/>
+          </a:bodyPr>
+          <a:lstStyle/>
+          <a:p>
+            <a:pPr>
+              <a:defRPr sz="3200" b="1"/>
+            </a:pPr>
+            <a:r>
+              <a:t>Assessment Overview</a:t>
+            </a:r>
+          </a:p>
+        </p:txBody>
+      </p:sp>
+      <p:sp>
+        <p:nvSpPr>
+          <p:cNvPr id="3" name="TextBox 2"/>
+          <p:cNvSpPr txBox="1"/>
+          <p:nvPr/>
+        </p:nvSpPr>
+        <p:spPr>
+          <a:xfrm>
+            <a:off x="457200" y="1097280"/>
+            <a:ext cx="4572000" cy="2743200"/>
+          </a:xfrm>
+          <a:prstGeom prst="rect">
+            <a:avLst/>
+          </a:prstGeom>
+          <a:noFill/>
+        </p:spPr>
+        <p:txBody>
+          <a:bodyPr wrap="square">
+            <a:spAutoFit/>
+          </a:bodyPr>
+          <a:lstStyle/>
+          <a:p>
+            <a:pPr>
+              <a:spcAft>
+                <a:spcPts val="600"/>
+              </a:spcAft>
+              <a:defRPr sz="1600"/>
+            </a:pPr>
+            <a:r>
+              <a:t>Total Requirements: {{req_total}}</a:t>
+            </a:r>
+          </a:p>
+          <a:p>
+            <a:pPr>
+              <a:spcAft>
+                <a:spcPts val="600"/>
+              </a:spcAft>
+              <a:defRPr sz="1600"/>
+            </a:pPr>
+            <a:r>
+              <a:t>Compliant: {{req_compliant}}</a:t>
+            </a:r>
+          </a:p>
+          <a:p>
+            <a:pPr>
+              <a:spcAft>
+                <a:spcPts val="600"/>
+              </a:spcAft>
+              <a:defRPr sz="1600"/>
+            </a:pPr>
+            <a:r>
+              <a:t>Partially Compliant: {{req_partially_compliant}}</a:t>
+            </a:r>
+          </a:p>
+          <a:p>
+            <a:pPr>
+              <a:spcAft>
+                <a:spcPts val="600"/>
+              </a:spcAft>
+              <a:defRPr sz="1600"/>
+            </a:pPr>
+            <a:r>
+              <a:t>Non-Compliant: {{req_non_compliant}}</a:t>
+            </a:r>
+          </a:p>
+          <a:p>
+            <a:pPr>
+              <a:spcAft>
+                <a:spcPts val="600"/>
+              </a:spcAft>
+              <a:defRPr sz="1600"/>
+            </a:pPr>
+            <a:r>
+              <a:t>Not Applicable: {{req_not_applicable}}</a:t>
+            </a:r>
+          </a:p>
+          <a:p>
+            <a:pPr>
+              <a:spcAft>
+                <a:spcPts val="600"/>
+              </a:spcAft>
+              <a:defRPr sz="1600"/>
+            </a:pPr>
+            <a:r>
+              <a:t>Not Assessed: {{req_not_assessed}}</a:t>
+            </a:r>
+          </a:p>
+          <a:p>
+            <a:pPr>
+              <a:spcAft>
+                <a:spcPts val="600"/>
+              </a:spcAft>
+              <a:defRPr sz="1600"/>
+            </a:pPr>
+            <a:r>
+              <a:t> </a:t>
+            </a:r>
+          </a:p>
+          <a:p>
+            <a:pPr>
+              <a:spcAft>
+                <a:spcPts val="600"/>
+              </a:spcAft>
+              <a:defRPr sz="1600"/>
+            </a:pPr>
+            <a:r>
+              <a:t>Applied Controls: {{ac_count}}</a:t>
+            </a:r>
+          </a:p>
+          <a:p>
+            <a:pPr>
+              <a:spcAft>
+                <a:spcPts val="600"/>
+              </a:spcAft>
+              <a:defRPr sz="1600"/>
+            </a:pPr>
+            <a:r>
+              <a:t>Implementation Groups: {{igs}}</a:t>
+            </a:r>
+          </a:p>
+        </p:txBody>
+      </p:sp>
+      <p:sp>
+        <p:nvSpPr>
+          <p:cNvPr id="4" name="TextBox 3"/>
+          <p:cNvSpPr txBox="1"/>
+          <p:nvPr/>
+        </p:nvSpPr>
+        <p:spPr>
+          <a:xfrm>
+            <a:off x="5943600" y="1097280"/>
+            <a:ext cx="5486400" cy="3657600"/>
+          </a:xfrm>
+          <a:prstGeom prst="rect">
+            <a:avLst/>
+          </a:prstGeom>
+          <a:noFill/>
+        </p:spPr>
+        <p:txBody>
+          <a:bodyPr wrap="none">
+            <a:spAutoFit/>
+          </a:bodyPr>
+          <a:lstStyle/>
+          <a:p>
+            <a:pPr>
+              <a:defRPr sz="1400"/>
+            </a:pPr>
+            <a:r>
+              <a:t>{{image:compliance_donut}}</a:t>
+            </a:r>
+          </a:p>
+        </p:txBody>
+      </p:sp>
+    </p:spTree>
+  </p:cSld>
+  <p:clrMapOvr>
+    <a:masterClrMapping/>
+  </p:clrMapOvr>
+</p:sld>
+</file>
+
+<file path=ppt/slides/slide3.xml><?xml version="1.0" encoding="utf-8"?>
+<p:sld xmlns:a="http://schemas.openxmlformats.org/drawingml/2006/main" xmlns:p="http://schemas.openxmlformats.org/presentationml/2006/main" xmlns:r="http://schemas.openxmlformats.org/officeDocument/2006/relationships">
+  <p:cSld>
+    <p:spTree>
+      <p:nvGrpSpPr>
+        <p:cNvPr id="1" name=""/>
+        <p:cNvGrpSpPr/>
+        <p:nvPr/>
+      </p:nvGrpSpPr>
+      <p:grpSpPr/>
+      <p:sp>
+        <p:nvSpPr>
+          <p:cNvPr id="2" name="TextBox 1"/>
+          <p:cNvSpPr txBox="1"/>
+          <p:nvPr/>
+        </p:nvSpPr>
+        <p:spPr>
+          <a:xfrm>
+            <a:off x="457200" y="274320"/>
+            <a:ext cx="11277295" cy="640080"/>
+          </a:xfrm>
+          <a:prstGeom prst="rect">
+            <a:avLst/>
+          </a:prstGeom>
+          <a:noFill/>
+        </p:spPr>
+        <p:txBody>
+          <a:bodyPr wrap="none">
+            <a:spAutoFit/>
+          </a:bodyPr>
+          <a:lstStyle/>
+          <a:p>
+            <a:pPr>
+              <a:defRPr sz="3200" b="1"/>
+            </a:pPr>
+            <a:r>
+              <a:t>Compliance Analysis</a:t>
+            </a:r>
+          </a:p>
+        </p:txBody>
+      </p:sp>
+      <p:sp>
+        <p:nvSpPr>
+          <p:cNvPr id="3" name="TextBox 2"/>
+          <p:cNvSpPr txBox="1"/>
+          <p:nvPr/>
+        </p:nvSpPr>
+        <p:spPr>
+          <a:xfrm>
+            <a:off x="457200" y="1097280"/>
+            <a:ext cx="5486400" cy="5029200"/>
+          </a:xfrm>
+          <a:prstGeom prst="rect">
+            <a:avLst/>
+          </a:prstGeom>
+          <a:noFill/>
+        </p:spPr>
+        <p:txBody>
+          <a:bodyPr wrap="none">
+            <a:spAutoFit/>
+          </a:bodyPr>
+          <a:lstStyle/>
+          <a:p>
+            <a:pPr>
+              <a:defRPr sz="1400"/>
+            </a:pPr>
+            <a:r>
+              <a:t>{{image:compliance_radar}}</a:t>
+            </a:r>
+          </a:p>
+        </p:txBody>
+      </p:sp>
+      <p:sp>
+        <p:nvSpPr>
+          <p:cNvPr id="4" name="TextBox 3"/>
+          <p:cNvSpPr txBox="1"/>
+          <p:nvPr/>
+        </p:nvSpPr>
+        <p:spPr>
+          <a:xfrm>
+            <a:off x="6217920" y="1097280"/>
+            <a:ext cx="5486400" cy="5029200"/>
+          </a:xfrm>
+          <a:prstGeom prst="rect">
+            <a:avLst/>
+          </a:prstGeom>
+          <a:noFill/>
+        </p:spPr>
+        <p:txBody>
+          <a:bodyPr wrap="none">
+            <a:spAutoFit/>
+          </a:bodyPr>
+          <a:lstStyle/>
+          <a:p>
+            <a:pPr>
+              <a:defRPr sz="1400"/>
+            </a:pPr>
+            <a:r>
+              <a:t>{{image:completion_bar}}</a:t>
+            </a:r>
+          </a:p>
+        </p:txBody>
+      </p:sp>
+    </p:spTree>
+  </p:cSld>
+  <p:clrMapOvr>
+    <a:masterClrMapping/>
+  </p:clrMapOvr>
+</p:sld>
+</file>
+
+<file path=ppt/slides/slide4.xml><?xml version="1.0" encoding="utf-8"?>
+<p:sld xmlns:a="http://schemas.openxmlformats.org/drawingml/2006/main" xmlns:p="http://schemas.openxmlformats.org/presentationml/2006/main" xmlns:r="http://schemas.openxmlformats.org/officeDocument/2006/relationships">
+  <p:cSld>
+    <p:spTree>
+      <p:nvGrpSpPr>
+        <p:cNvPr id="1" name=""/>
+        <p:cNvGrpSpPr/>
+        <p:nvPr/>
+      </p:nvGrpSpPr>
+      <p:grpSpPr/>
+      <p:sp>
+        <p:nvSpPr>
+          <p:cNvPr id="2" name="TextBox 1"/>
+          <p:cNvSpPr txBox="1"/>
+          <p:nvPr/>
+        </p:nvSpPr>
+        <p:spPr>
+          <a:xfrm>
+            <a:off x="457200" y="274320"/>
+            <a:ext cx="11277295" cy="640080"/>
+          </a:xfrm>
+          <a:prstGeom prst="rect">
+            <a:avLst/>
+          </a:prstGeom>
+          <a:noFill/>
+        </p:spPr>
+        <p:txBody>
+          <a:bodyPr wrap="none">
+            <a:spAutoFit/>
+          </a:bodyPr>
+          <a:lstStyle/>
+          <a:p>
+            <a:pPr>
+              <a:defRPr sz="3200" b="1"/>
+            </a:pPr>
+            <a:r>
+              <a:t>Controls Status</a:t>
+            </a:r>
+          </a:p>
+        </p:txBody>
+      </p:sp>
+      <p:sp>
+        <p:nvSpPr>
+          <p:cNvPr id="3" name="TextBox 2"/>
+          <p:cNvSpPr txBox="1"/>
+          <p:nvPr/>
+        </p:nvSpPr>
+        <p:spPr>
+          <a:xfrm>
+            <a:off x="914400" y="1371600"/>
+            <a:ext cx="10058400" cy="4572000"/>
+          </a:xfrm>
+          <a:prstGeom prst="rect">
+            <a:avLst/>
+          </a:prstGeom>
+          <a:noFill/>
+        </p:spPr>
+        <p:txBody>
+          <a:bodyPr wrap="none">
+            <a:spAutoFit/>
+          </a:bodyPr>
+          <a:lstStyle/>
+          <a:p>
+            <a:pPr>
+              <a:defRPr sz="1400"/>
+            </a:pPr>
+            <a:r>
+              <a:t>{{image:chart_controls}}</a:t>
+            </a:r>
+          </a:p>
+        </p:txBody>
+      </p:sp>
+    </p:spTree>
+  </p:cSld>
+  <p:clrMapOvr>
+    <a:masterClrMapping/>
+  </p:clrMapOvr>
+</p:sld>
+</file>
+
+<file path=ppt/slides/slide5.xml><?xml version="1.0" encoding="utf-8"?>
+<p:sld xmlns:a="http://schemas.openxmlformats.org/drawingml/2006/main" xmlns:p="http://schemas.openxmlformats.org/presentationml/2006/main" xmlns:r="http://schemas.openxmlformats.org/officeDocument/2006/relationships">
+  <p:cSld>
+    <p:spTree>
+      <p:nvGrpSpPr>
+        <p:cNvPr id="1" name=""/>
+        <p:cNvGrpSpPr/>
+        <p:nvPr/>
+      </p:nvGrpSpPr>
+      <p:grpSpPr/>
+      <p:sp>
+        <p:nvSpPr>
+          <p:cNvPr id="2" name="TextBox 1"/>
+          <p:cNvSpPr txBox="1"/>
+          <p:nvPr/>
+        </p:nvSpPr>
+        <p:spPr>
+          <a:xfrm>
+            <a:off x="457200" y="274320"/>
+            <a:ext cx="11277295" cy="640080"/>
+          </a:xfrm>
+          <a:prstGeom prst="rect">
+            <a:avLst/>
+          </a:prstGeom>
+          <a:noFill/>
+        </p:spPr>
+        <p:txBody>
+          <a:bodyPr wrap="none">
+            <a:spAutoFit/>
+          </a:bodyPr>
+          <a:lstStyle/>
+          <a:p>
+            <a:pPr>
+              <a:defRPr sz="3200" b="1"/>
+            </a:pPr>
+            <a:r>
+              <a:t>Drifts by Category</a:t>
+            </a:r>
+          </a:p>
+        </p:txBody>
+      </p:sp>
+      <p:graphicFrame>
+        <p:nvGraphicFramePr>
+          <p:cNvPr id="3" name="Table 2"/>
+          <p:cNvGraphicFramePr>
+            <a:graphicFrameLocks noGrp="1"/>
+          </p:cNvGraphicFramePr>
+          <p:nvPr/>
+        </p:nvGraphicFramePr>
+        <p:xfrm>
+          <a:off x="914400" y="1188720"/>
+          <a:ext cx="10058400" cy="1371600"/>
+        </p:xfrm>
+        <a:graphic>
+          <a:graphicData uri="http://schemas.openxmlformats.org/drawingml/2006/table">
+            <a:tbl>
+              <a:tblPr firstRow="1" bandRow="1">
+                <a:tableStyleId>{5C22544A-7EE6-4342-B048-85BDC9FD1C3A}</a:tableStyleId>
+              </a:tblPr>
+              <a:tblGrid>
+                <a:gridCol w="7315200"/>
+                <a:gridCol w="2743200"/>
+              </a:tblGrid>
+              <a:tr h="342900">
+                <a:tc>
+                  <a:txBody>
+                    <a:bodyPr/>
+                    <a:lstStyle/>
+                    <a:p>
+                      <a:pPr>
+                        <a:defRPr b="1" sz="1400">
+                          <a:solidFill>
+                            <a:srgbClr val="FFFFFF"/>
+                          </a:solidFill>
+                        </a:defRPr>
+                      </a:pPr>
+                      <a:r>
+                        <a:t>Category</a:t>
+                      </a:r>
+                    </a:p>
+                  </a:txBody>
+                  <a:tcPr>
+                    <a:solidFill>
+                      <a:srgbClr val="2196F3"/>
+                    </a:solidFill>
+                  </a:tcPr>
+                </a:tc>
+                <a:tc>
+                  <a:txBody>
+                    <a:bodyPr/>
+                    <a:lstStyle/>
+                    <a:p>
+                      <a:pPr>
+                        <a:defRPr b="1" sz="1400">
+                          <a:solidFill>
+                            <a:srgbClr val="FFFFFF"/>
+                          </a:solidFill>
+                        </a:defRPr>
+                      </a:pPr>
+                      <a:r>
+                        <a:t>Drift Count</a:t>
+                      </a:r>
+                    </a:p>
+                  </a:txBody>
+                  <a:tcPr>
+                    <a:solidFill>
+                      <a:srgbClr val="2196F3"/>
+                    </a:solidFill>
+                  </a:tcPr>
+                </a:tc>
+              </a:tr>
+              <a:tr h="342900">
+                <a:tc>
+                  <a:txBody>
+                    <a:bodyPr/>
+                    <a:lstStyle/>
+                    <a:p>
+                      <a:pPr>
+                        <a:defRPr sz="1200"/>
+                      </a:pPr>
+                      <a:r>
+                        <a:t>{{#each drifts_per_domain}}</a:t>
+                      </a:r>
+                    </a:p>
+                  </a:txBody>
+                  <a:tcPr/>
+                </a:tc>
+                <a:tc>
+                  <a:txBody>
+                    <a:bodyPr/>
+                    <a:lstStyle/>
+                    <a:p>
+                      <a:pPr>
+                        <a:defRPr sz="1200"/>
+                      </a:pPr>
+                    </a:p>
+                  </a:txBody>
+                  <a:tcPr/>
+                </a:tc>
+              </a:tr>
+              <a:tr h="342900">
+                <a:tc>
+                  <a:txBody>
+                    <a:bodyPr/>
+                    <a:lstStyle/>
+                    <a:p>
+                      <a:pPr>
+                        <a:defRPr sz="1200"/>
+                      </a:pPr>
+                      <a:r>
+                        <a:t>{{name}}</a:t>
+                      </a:r>
+                    </a:p>
+                  </a:txBody>
+                  <a:tcPr/>
+                </a:tc>
+                <a:tc>
+                  <a:txBody>
+                    <a:bodyPr/>
+                    <a:lstStyle/>
+                    <a:p>
+                      <a:pPr>
+                        <a:defRPr sz="1200"/>
+                      </a:pPr>
+                      <a:r>
+                        <a:t>{{drift_count}}</a:t>
+                      </a:r>
+                    </a:p>
+                  </a:txBody>
+                  <a:tcPr/>
+                </a:tc>
+              </a:tr>
+              <a:tr h="342900">
+                <a:tc>
+                  <a:txBody>
+                    <a:bodyPr/>
+                    <a:lstStyle/>
+                    <a:p>
+                      <a:pPr>
+                        <a:defRPr sz="1200"/>
+                      </a:pPr>
+                      <a:r>
+                        <a:t>{{/each}}</a:t>
+                      </a:r>
+                    </a:p>
+                  </a:txBody>
+                  <a:tcPr/>
+                </a:tc>
+                <a:tc>
+                  <a:txBody>
+                    <a:bodyPr/>
+                    <a:lstStyle/>
+                    <a:p>
+                      <a:pPr>
+                        <a:defRPr sz="1200"/>
+                      </a:pPr>
+                    </a:p>
+                  </a:txBody>
+                  <a:tcPr/>
+                </a:tc>
+              </a:tr>
+            </a:tbl>
+          </a:graphicData>
+        </a:graphic>
+      </p:graphicFrame>
+    </p:spTree>
+  </p:cSld>
+  <p:clrMapOvr>
+    <a:masterClrMapping/>
+  </p:clrMapOvr>
+</p:sld>
+</file>
+
+<file path=ppt/slides/slide6.xml><?xml version="1.0" encoding="utf-8"?>
+<p:sld xmlns:a="http://schemas.openxmlformats.org/drawingml/2006/main" xmlns:p="http://schemas.openxmlformats.org/presentationml/2006/main" xmlns:r="http://schemas.openxmlformats.org/officeDocument/2006/relationships">
+  <p:cSld>
+    <p:spTree>
+      <p:nvGrpSpPr>
+        <p:cNvPr id="1" name=""/>
+        <p:cNvGrpSpPr/>
+        <p:nvPr/>
+      </p:nvGrpSpPr>
+      <p:grpSpPr/>
+      <p:sp>
+        <p:nvSpPr>
+          <p:cNvPr id="2" name="TextBox 1"/>
+          <p:cNvSpPr txBox="1"/>
+          <p:nvPr/>
+        </p:nvSpPr>
+        <p:spPr>
+          <a:xfrm>
+            <a:off x="457200" y="274320"/>
+            <a:ext cx="11277295" cy="640080"/>
+          </a:xfrm>
+          <a:prstGeom prst="rect">
+            <a:avLst/>
+          </a:prstGeom>
+          <a:noFill/>
+        </p:spPr>
+        <p:txBody>
+          <a:bodyPr wrap="none">
+            <a:spAutoFit/>
+          </a:bodyPr>
+          <a:lstStyle/>
+          <a:p>
+            <a:pPr>
+              <a:defRPr sz="3200" b="1"/>
+            </a:pPr>
+            <a:r>
+              <a:t>Priority 1 Controls</a:t>
+            </a:r>
+          </a:p>
+        </p:txBody>
+      </p:sp>
+      <p:graphicFrame>
+        <p:nvGraphicFramePr>
+          <p:cNvPr id="3" name="Table 2"/>
+          <p:cNvGraphicFramePr>
+            <a:graphicFrameLocks noGrp="1"/>
+          </p:cNvGraphicFramePr>
+          <p:nvPr/>
+        </p:nvGraphicFramePr>
+        <p:xfrm>
+          <a:off x="457200" y="1188720"/>
+          <a:ext cx="11277295" cy="1828800"/>
+        </p:xfrm>
+        <a:graphic>
+          <a:graphicData uri="http://schemas.openxmlformats.org/drawingml/2006/table">
+            <a:tbl>
+              <a:tblPr firstRow="1" bandRow="1">
+                <a:tableStyleId>{5C22544A-7EE6-4342-B048-85BDC9FD1C3A}</a:tableStyleId>
+              </a:tblPr>
+              <a:tblGrid>
+                <a:gridCol w="3657600"/>
+                <a:gridCol w="2743200"/>
+                <a:gridCol w="2286000"/>
+                <a:gridCol w="2590495"/>
+              </a:tblGrid>
+              <a:tr h="457200">
+                <a:tc>
+                  <a:txBody>
+                    <a:bodyPr/>
+                    <a:lstStyle/>
+                    <a:p>
+                      <a:pPr>
+                        <a:defRPr b="1" sz="1200">
+                          <a:solidFill>
+                            <a:srgbClr val="FFFFFF"/>
+                          </a:solidFill>
+                        </a:defRPr>
+                      </a:pPr>
+                      <a:r>
+                        <a:t>Control Name</a:t>
+                      </a:r>
+                    </a:p>
+                  </a:txBody>
+                  <a:tcPr>
+                    <a:solidFill>
+                      <a:srgbClr val="2196F3"/>
+                    </a:solidFill>
+                  </a:tcPr>
+                </a:tc>
+                <a:tc>
+                  <a:txBody>
+                    <a:bodyPr/>
+                    <a:lstStyle/>
+                    <a:p>
+                      <a:pPr>
+                        <a:defRPr b="1" sz="1200">
+                          <a:solidFill>
+                            <a:srgbClr val="FFFFFF"/>
+                          </a:solidFill>
+                        </a:defRPr>
+                      </a:pPr>
+                      <a:r>
+                        <a:t>Category</a:t>
+                      </a:r>
+                    </a:p>
+                  </a:txBody>
+                  <a:tcPr>
+                    <a:solidFill>
+                      <a:srgbClr val="2196F3"/>
+                    </a:solidFill>
+                  </a:tcPr>
+                </a:tc>
+                <a:tc>
+                  <a:txBody>
+                    <a:bodyPr/>
+                    <a:lstStyle/>
+                    <a:p>
+                      <a:pPr>
+                        <a:defRPr b="1" sz="1200">
+                          <a:solidFill>
+                            <a:srgbClr val="FFFFFF"/>
+                          </a:solidFill>
+                        </a:defRPr>
+                      </a:pPr>
+                      <a:r>
+                        <a:t>Status</a:t>
+                      </a:r>
+                    </a:p>
+                  </a:txBody>
+                  <a:tcPr>
+                    <a:solidFill>
+                      <a:srgbClr val="2196F3"/>
+                    </a:solidFill>
+                  </a:tcPr>
+                </a:tc>
+                <a:tc>
+                  <a:txBody>
+                    <a:bodyPr/>
+                    <a:lstStyle/>
+                    <a:p>
+                      <a:pPr>
+                        <a:defRPr b="1" sz="1200">
+                          <a:solidFill>
+                            <a:srgbClr val="FFFFFF"/>
+                          </a:solidFill>
+                        </a:defRPr>
+                      </a:pPr>
+                      <a:r>
+                        <a:t>Coverage</a:t>
+                      </a:r>
+                    </a:p>
+                  </a:txBody>
+                  <a:tcPr>
+                    <a:solidFill>
+                      <a:srgbClr val="2196F3"/>
+                    </a:solidFill>
+                  </a:tcPr>
+                </a:tc>
+              </a:tr>
+              <a:tr h="457200">
+                <a:tc>
+                  <a:txBody>
+                    <a:bodyPr/>
+                    <a:lstStyle/>
+                    <a:p>
+                      <a:pPr>
+                        <a:defRPr sz="1100"/>
+                      </a:pPr>
+                      <a:r>
+                        <a:t>{{#each p1_controls}}</a:t>
+                      </a:r>
+                    </a:p>
+                  </a:txBody>
+                  <a:tcPr/>
+                </a:tc>
+                <a:tc>
+                  <a:txBody>
+                    <a:bodyPr/>
+                    <a:lstStyle/>
+                    <a:p>
+                      <a:pPr>
+                        <a:defRPr sz="1100"/>
+                      </a:pPr>
+                    </a:p>
+                  </a:txBody>
+                  <a:tcPr/>
+                </a:tc>
+                <a:tc>
+                  <a:txBody>
+                    <a:bodyPr/>
+                    <a:lstStyle/>
+                    <a:p>
+                      <a:pPr>
+                        <a:defRPr sz="1100"/>
+                      </a:pPr>
+                    </a:p>
+                  </a:txBody>
+                  <a:tcPr/>
+                </a:tc>
+                <a:tc>
+                  <a:txBody>
+                    <a:bodyPr/>
+                    <a:lstStyle/>
+                    <a:p>
+                      <a:pPr>
+                        <a:defRPr sz="1100"/>
+                      </a:pPr>
+                    </a:p>
+                  </a:txBody>
+                  <a:tcPr/>
+                </a:tc>
+              </a:tr>
+              <a:tr h="457200">
+                <a:tc>
+                  <a:txBody>
+                    <a:bodyPr/>
+                    <a:lstStyle/>
+                    <a:p>
+                      <a:pPr>
+                        <a:defRPr sz="1100"/>
+                      </a:pPr>
+                      <a:r>
+                        <a:t>{{name}}</a:t>
+                      </a:r>
+                    </a:p>
+                  </a:txBody>
+                  <a:tcPr/>
+                </a:tc>
+                <a:tc>
+                  <a:txBody>
+                    <a:bodyPr/>
+                    <a:lstStyle/>
+                    <a:p>
+                      <a:pPr>
+                        <a:defRPr sz="1100"/>
+                      </a:pPr>
+                      <a:r>
+                        <a:t>{{category}}</a:t>
+                      </a:r>
+                    </a:p>
+                  </a:txBody>
+                  <a:tcPr/>
+                </a:tc>
+                <a:tc>
+                  <a:txBody>
+                    <a:bodyPr/>
+                    <a:lstStyle/>
+                    <a:p>
+                      <a:pPr>
+                        <a:defRPr sz="1100"/>
+                      </a:pPr>
+                      <a:r>
+                        <a:t>{{status}}</a:t>
+                      </a:r>
+                    </a:p>
+                  </a:txBody>
+                  <a:tcPr/>
+                </a:tc>
+                <a:tc>
+                  <a:txBody>
+                    <a:bodyPr/>
+                    <a:lstStyle/>
+                    <a:p>
+                      <a:pPr>
+                        <a:defRPr sz="1100"/>
+                      </a:pPr>
+                      <a:r>
+                        <a:t>{{coverage}}</a:t>
+                      </a:r>
+                    </a:p>
+                  </a:txBody>
+                  <a:tcPr/>
+                </a:tc>
+              </a:tr>
+              <a:tr h="457200">
+                <a:tc>
+                  <a:txBody>
+                    <a:bodyPr/>
+                    <a:lstStyle/>
+                    <a:p>
+                      <a:pPr>
+                        <a:defRPr sz="1100"/>
+                      </a:pPr>
+                      <a:r>
+                        <a:t>{{/each}}</a:t>
+                      </a:r>
+                    </a:p>
+                  </a:txBody>
+                  <a:tcPr/>
+                </a:tc>
+                <a:tc>
+                  <a:txBody>
+                    <a:bodyPr/>
+                    <a:lstStyle/>
+                    <a:p>
+                      <a:pPr>
+                        <a:defRPr sz="1100"/>
+                      </a:pPr>
+                    </a:p>
+                  </a:txBody>
+                  <a:tcPr/>
+                </a:tc>
+                <a:tc>
+                  <a:txBody>
+                    <a:bodyPr/>
+                    <a:lstStyle/>
+                    <a:p>
+                      <a:pPr>
+                        <a:defRPr sz="1100"/>
+                      </a:pPr>
+                    </a:p>
+                  </a:txBody>
+                  <a:tcPr/>
+                </a:tc>
+                <a:tc>
+                  <a:txBody>
+                    <a:bodyPr/>
+                    <a:lstStyle/>
+                    <a:p>
+                      <a:pPr>
+                        <a:defRPr sz="1100"/>
+                      </a:pPr>
+                    </a:p>
+                  </a:txBody>
+                  <a:tcPr/>
+                </a:tc>
+              </a:tr>
+            </a:tbl>
+          </a:graphicData>
+        </a:graphic>
+      </p:graphicFrame>
+    </p:spTree>
+  </p:cSld>
+  <p:clrMapOvr>
+    <a:masterClrMapping/>
+  </p:clrMapOvr>
+</p:sld>
+</file>
+
+<file path=ppt/slides/slide7.xml><?xml version="1.0" encoding="utf-8"?>
+<p:sld xmlns:a="http://schemas.openxmlformats.org/drawingml/2006/main" xmlns:p="http://schemas.openxmlformats.org/presentationml/2006/main" xmlns:r="http://schemas.openxmlformats.org/officeDocument/2006/relationships">
+  <p:cSld>
+    <p:spTree>
+      <p:nvGrpSpPr>
+        <p:cNvPr id="1" name=""/>
+        <p:cNvGrpSpPr/>
+        <p:nvPr/>
+      </p:nvGrpSpPr>
+      <p:grpSpPr/>
+      <p:sp>
+        <p:nvSpPr>
+          <p:cNvPr id="2" name="TextBox 1"/>
+          <p:cNvSpPr txBox="1"/>
+          <p:nvPr/>
+        </p:nvSpPr>
+        <p:spPr>
+          <a:xfrm>
+            <a:off x="457200" y="274320"/>
+            <a:ext cx="11277295" cy="640080"/>
+          </a:xfrm>
+          <a:prstGeom prst="rect">
+            <a:avLst/>
+          </a:prstGeom>
+          <a:noFill/>
+        </p:spPr>
+        <p:txBody>
+          <a:bodyPr wrap="none">
+            <a:spAutoFit/>
+          </a:bodyPr>
+          <a:lstStyle/>
+          <a:p>
+            <a:pPr>
+              <a:defRPr sz="3200" b="1"/>
+            </a:pPr>
+            <a:r>
+              <a:t>Contributors</a:t>
+            </a:r>
+          </a:p>
+        </p:txBody>
+      </p:sp>
+      <p:sp>
+        <p:nvSpPr>
+          <p:cNvPr id="3" name="TextBox 2"/>
+          <p:cNvSpPr txBox="1"/>
+          <p:nvPr/>
+        </p:nvSpPr>
+        <p:spPr>
+          <a:xfrm>
+            <a:off x="457200" y="1371600"/>
+            <a:ext cx="5486400" cy="1828800"/>
+          </a:xfrm>
+          <a:prstGeom prst="rect">
+            <a:avLst/>
+          </a:prstGeom>
+          <a:noFill/>
+        </p:spPr>
+        <p:txBody>
+          <a:bodyPr wrap="none">
+            <a:spAutoFit/>
+          </a:bodyPr>
+          <a:lstStyle/>
+          <a:p>
+            <a:pPr>
+              <a:defRPr sz="2000" b="1"/>
+            </a:pPr>
+            <a:r>
+              <a:t>Authors</a:t>
+            </a:r>
+          </a:p>
+          <a:p>
+            <a:pPr>
+              <a:defRPr sz="1400"/>
+            </a:pPr>
+            <a:r>
+              <a:t>{{authors}}</a:t>
+            </a:r>
+          </a:p>
+        </p:txBody>
+      </p:sp>
+      <p:sp>
+        <p:nvSpPr>
+          <p:cNvPr id="4" name="TextBox 3"/>
+          <p:cNvSpPr txBox="1"/>
+          <p:nvPr/>
+        </p:nvSpPr>
+        <p:spPr>
+          <a:xfrm>
+            <a:off x="457200" y="3657600"/>
+            <a:ext cx="5486400" cy="1828800"/>
+          </a:xfrm>
+          <a:prstGeom prst="rect">
+            <a:avLst/>
+          </a:prstGeom>
+          <a:noFill/>
+        </p:spPr>
+        <p:txBody>
+          <a:bodyPr wrap="none">
+            <a:spAutoFit/>
+          </a:bodyPr>
+          <a:lstStyle/>
+          <a:p>
+            <a:pPr>
+              <a:defRPr sz="2000" b="1"/>
+            </a:pPr>
+            <a:r>
+              <a:t>Reviewers</a:t>
+            </a:r>
+          </a:p>
+          <a:p>
+            <a:pPr>
+              <a:defRPr sz="1400"/>
+            </a:pPr>
+            <a:r>
+              <a:t>{{reviewers}}</a:t>
+            </a:r>
+          </a:p>
+        </p:txBody>
+      </p:sp>
+    </p:spTree>
   </p:cSld>
   <p:clrMapOvr>
     <a:masterClrMapping/>
@@ -3426,44 +4278,44 @@
         <a:sysClr val="window" lastClr="FFFFFF"/>
       </a:lt1>
       <a:dk2>
-        <a:srgbClr val="0E2841"/>
+        <a:srgbClr val="1F497D"/>
       </a:dk2>
       <a:lt2>
-        <a:srgbClr val="E8E8E8"/>
+        <a:srgbClr val="EEECE1"/>
       </a:lt2>
       <a:accent1>
-        <a:srgbClr val="156082"/>
+        <a:srgbClr val="4F81BD"/>
       </a:accent1>
       <a:accent2>
-        <a:srgbClr val="E97132"/>
+        <a:srgbClr val="C0504D"/>
       </a:accent2>
       <a:accent3>
-        <a:srgbClr val="196B24"/>
+        <a:srgbClr val="9BBB59"/>
       </a:accent3>
       <a:accent4>
-        <a:srgbClr val="0F9ED5"/>
+        <a:srgbClr val="8064A2"/>
       </a:accent4>
       <a:accent5>
-        <a:srgbClr val="A02B93"/>
+        <a:srgbClr val="4BACC6"/>
       </a:accent5>
       <a:accent6>
-        <a:srgbClr val="4EA72E"/>
+        <a:srgbClr val="F79646"/>
       </a:accent6>
       <a:hlink>
-        <a:srgbClr val="467886"/>
+        <a:srgbClr val="0000FF"/>
       </a:hlink>
       <a:folHlink>
-        <a:srgbClr val="96607D"/>
+        <a:srgbClr val="800080"/>
       </a:folHlink>
     </a:clrScheme>
     <a:fontScheme name="Office">
       <a:majorFont>
-        <a:latin typeface="Aptos Display" panose="02110004020202020204"/>
+        <a:latin typeface="Calibri"/>
         <a:ea typeface=""/>
         <a:cs typeface=""/>
-        <a:font script="Jpan" typeface="游ゴシック Light"/>
+        <a:font script="Jpan" typeface="ＭＳ Ｐゴシック"/>
         <a:font script="Hang" typeface="맑은 고딕"/>
-        <a:font script="Hans" typeface="等线 Light"/>
+        <a:font script="Hans" typeface="宋体"/>
         <a:font script="Hant" typeface="新細明體"/>
         <a:font script="Arab" typeface="Times New Roman"/>
         <a:font script="Hebr" typeface="Times New Roman"/>
@@ -3491,31 +4343,14 @@
         <a:font script="Viet" typeface="Times New Roman"/>
         <a:font script="Uigh" typeface="Microsoft Uighur"/>
         <a:font script="Geor" typeface="Sylfaen"/>
-        <a:font script="Armn" typeface="Arial"/>
-        <a:font script="Bugi" typeface="Leelawadee UI"/>
-        <a:font script="Bopo" typeface="Microsoft JhengHei"/>
-        <a:font script="Java" typeface="Javanese Text"/>
-        <a:font script="Lisu" typeface="Segoe UI"/>
-        <a:font script="Mymr" typeface="Myanmar Text"/>
-        <a:font script="Nkoo" typeface="Ebrima"/>
-        <a:font script="Olck" typeface="Nirmala UI"/>
-        <a:font script="Osma" typeface="Ebrima"/>
-        <a:font script="Phag" typeface="Phagspa"/>
-        <a:font script="Syrn" typeface="Estrangelo Edessa"/>
-        <a:font script="Syrj" typeface="Estrangelo Edessa"/>
-        <a:font script="Syre" typeface="Estrangelo Edessa"/>
-        <a:font script="Sora" typeface="Nirmala UI"/>
-        <a:font script="Tale" typeface="Microsoft Tai Le"/>
-        <a:font script="Talu" typeface="Microsoft New Tai Lue"/>
-        <a:font script="Tfng" typeface="Ebrima"/>
       </a:majorFont>
       <a:minorFont>
-        <a:latin typeface="Aptos" panose="02110004020202020204"/>
+        <a:latin typeface="Calibri"/>
         <a:ea typeface=""/>
         <a:cs typeface=""/>
-        <a:font script="Jpan" typeface="游ゴシック"/>
+        <a:font script="Jpan" typeface="ＭＳ Ｐゴシック"/>
         <a:font script="Hang" typeface="맑은 고딕"/>
-        <a:font script="Hans" typeface="等线"/>
+        <a:font script="Hans" typeface="宋体"/>
         <a:font script="Hant" typeface="新細明體"/>
         <a:font script="Arab" typeface="Arial"/>
         <a:font script="Hebr" typeface="Arial"/>
@@ -3543,23 +4378,6 @@
         <a:font script="Viet" typeface="Arial"/>
         <a:font script="Uigh" typeface="Microsoft Uighur"/>
         <a:font script="Geor" typeface="Sylfaen"/>
-        <a:font script="Armn" typeface="Arial"/>
-        <a:font script="Bugi" typeface="Leelawadee UI"/>
-        <a:font script="Bopo" typeface="Microsoft JhengHei"/>
-        <a:font script="Java" typeface="Javanese Text"/>
-        <a:font script="Lisu" typeface="Segoe UI"/>
-        <a:font script="Mymr" typeface="Myanmar Text"/>
-        <a:font script="Nkoo" typeface="Ebrima"/>
-        <a:font script="Olck" typeface="Nirmala UI"/>
-        <a:font script="Osma" typeface="Ebrima"/>
-        <a:font script="Phag" typeface="Phagspa"/>
-        <a:font script="Syrn" typeface="Estrangelo Edessa"/>
-        <a:font script="Syrj" typeface="Estrangelo Edessa"/>
-        <a:font script="Syre" typeface="Estrangelo Edessa"/>
-        <a:font script="Sora" typeface="Nirmala UI"/>
-        <a:font script="Tale" typeface="Microsoft Tai Le"/>
-        <a:font script="Talu" typeface="Microsoft New Tai Lue"/>
-        <a:font script="Tfng" typeface="Ebrima"/>
       </a:minorFont>
     </a:fontScheme>
     <a:fmtScheme name="Office">
@@ -3571,136 +4389,180 @@
           <a:gsLst>
             <a:gs pos="0">
               <a:schemeClr val="phClr">
-                <a:lumMod val="110000"/>
-                <a:satMod val="105000"/>
-                <a:tint val="67000"/>
+                <a:tint val="50000"/>
+                <a:satMod val="300000"/>
               </a:schemeClr>
             </a:gs>
-            <a:gs pos="50000">
+            <a:gs pos="35000">
               <a:schemeClr val="phClr">
-                <a:lumMod val="105000"/>
-                <a:satMod val="103000"/>
-                <a:tint val="73000"/>
+                <a:tint val="37000"/>
+                <a:satMod val="300000"/>
               </a:schemeClr>
             </a:gs>
             <a:gs pos="100000">
               <a:schemeClr val="phClr">
-                <a:lumMod val="105000"/>
-                <a:satMod val="109000"/>
-                <a:tint val="81000"/>
+                <a:tint val="15000"/>
+                <a:satMod val="350000"/>
               </a:schemeClr>
             </a:gs>
           </a:gsLst>
-          <a:lin ang="5400000" scaled="0"/>
+          <a:lin ang="16200000" scaled="1"/>
         </a:gradFill>
         <a:gradFill rotWithShape="1">
           <a:gsLst>
             <a:gs pos="0">
               <a:schemeClr val="phClr">
-                <a:satMod val="103000"/>
-                <a:lumMod val="102000"/>
-                <a:tint val="94000"/>
-              </a:schemeClr>
-            </a:gs>
-            <a:gs pos="50000">
-              <a:schemeClr val="phClr">
-                <a:satMod val="110000"/>
-                <a:lumMod val="100000"/>
+                <a:tint val="100000"/>
                 <a:shade val="100000"/>
+                <a:satMod val="130000"/>
               </a:schemeClr>
             </a:gs>
             <a:gs pos="100000">
               <a:schemeClr val="phClr">
-                <a:lumMod val="99000"/>
-                <a:satMod val="120000"/>
-                <a:shade val="78000"/>
+                <a:tint val="50000"/>
+                <a:shade val="100000"/>
+                <a:satMod val="350000"/>
               </a:schemeClr>
             </a:gs>
           </a:gsLst>
-          <a:lin ang="5400000" scaled="0"/>
+          <a:lin ang="16200000" scaled="0"/>
         </a:gradFill>
       </a:fillStyleLst>
       <a:lnStyleLst>
-        <a:ln w="12700" cap="flat" cmpd="sng" algn="ctr">
+        <a:ln w="9525" cap="flat" cmpd="sng" algn="ctr">
           <a:solidFill>
-            <a:schemeClr val="phClr"/>
+            <a:schemeClr val="phClr">
+              <a:shade val="95000"/>
+              <a:satMod val="105000"/>
+            </a:schemeClr>
           </a:solidFill>
           <a:prstDash val="solid"/>
-          <a:miter lim="800000"/>
-        </a:ln>
-        <a:ln w="19050" cap="flat" cmpd="sng" algn="ctr">
-          <a:solidFill>
-            <a:schemeClr val="phClr"/>
-          </a:solidFill>
-          <a:prstDash val="solid"/>
-          <a:miter lim="800000"/>
         </a:ln>
         <a:ln w="25400" cap="flat" cmpd="sng" algn="ctr">
           <a:solidFill>
             <a:schemeClr val="phClr"/>
           </a:solidFill>
           <a:prstDash val="solid"/>
-          <a:miter lim="800000"/>
+        </a:ln>
+        <a:ln w="38100" cap="flat" cmpd="sng" algn="ctr">
+          <a:solidFill>
+            <a:schemeClr val="phClr"/>
+          </a:solidFill>
+          <a:prstDash val="solid"/>
         </a:ln>
       </a:lnStyleLst>
       <a:effectStyleLst>
         <a:effectStyle>
-          <a:effectLst/>
-        </a:effectStyle>
-        <a:effectStyle>
-          <a:effectLst/>
+          <a:effectLst>
+            <a:outerShdw blurRad="40000" dist="20000" dir="5400000" rotWithShape="0">
+              <a:srgbClr val="000000">
+                <a:alpha val="38000"/>
+              </a:srgbClr>
+            </a:outerShdw>
+          </a:effectLst>
         </a:effectStyle>
         <a:effectStyle>
           <a:effectLst>
-            <a:outerShdw blurRad="57150" dist="19050" dir="5400000" algn="ctr" rotWithShape="0">
+            <a:outerShdw blurRad="40000" dist="23000" dir="5400000" rotWithShape="0">
               <a:srgbClr val="000000">
-                <a:alpha val="63000"/>
+                <a:alpha val="35000"/>
               </a:srgbClr>
             </a:outerShdw>
           </a:effectLst>
+        </a:effectStyle>
+        <a:effectStyle>
+          <a:effectLst>
+            <a:outerShdw blurRad="40000" dist="23000" dir="5400000" rotWithShape="0">
+              <a:srgbClr val="000000">
+                <a:alpha val="35000"/>
+              </a:srgbClr>
+            </a:outerShdw>
+          </a:effectLst>
+          <a:scene3d>
+            <a:camera prst="orthographicFront">
+              <a:rot lat="0" lon="0" rev="0"/>
+            </a:camera>
+            <a:lightRig rig="threePt" dir="t">
+              <a:rot lat="0" lon="0" rev="1200000"/>
+            </a:lightRig>
+          </a:scene3d>
+          <a:sp3d>
+            <a:bevelT w="63500" h="25400"/>
+          </a:sp3d>
         </a:effectStyle>
       </a:effectStyleLst>
       <a:bgFillStyleLst>
         <a:solidFill>
           <a:schemeClr val="phClr"/>
         </a:solidFill>
-        <a:solidFill>
-          <a:schemeClr val="phClr">
-            <a:tint val="95000"/>
-            <a:satMod val="170000"/>
-          </a:schemeClr>
-        </a:solidFill>
         <a:gradFill rotWithShape="1">
           <a:gsLst>
             <a:gs pos="0">
               <a:schemeClr val="phClr">
-                <a:tint val="93000"/>
-                <a:satMod val="150000"/>
-                <a:shade val="98000"/>
-                <a:lumMod val="102000"/>
+                <a:tint val="40000"/>
+                <a:satMod val="350000"/>
               </a:schemeClr>
             </a:gs>
-            <a:gs pos="50000">
+            <a:gs pos="40000">
               <a:schemeClr val="phClr">
-                <a:tint val="98000"/>
-                <a:satMod val="130000"/>
-                <a:shade val="90000"/>
-                <a:lumMod val="103000"/>
+                <a:tint val="45000"/>
+                <a:shade val="99000"/>
+                <a:satMod val="350000"/>
               </a:schemeClr>
             </a:gs>
             <a:gs pos="100000">
               <a:schemeClr val="phClr">
-                <a:shade val="63000"/>
-                <a:satMod val="120000"/>
+                <a:shade val="20000"/>
+                <a:satMod val="255000"/>
               </a:schemeClr>
             </a:gs>
           </a:gsLst>
-          <a:lin ang="5400000" scaled="0"/>
+          <a:path path="circle">
+            <a:fillToRect l="50000" t="-80000" r="50000" b="180000"/>
+          </a:path>
+        </a:gradFill>
+        <a:gradFill rotWithShape="1">
+          <a:gsLst>
+            <a:gs pos="0">
+              <a:schemeClr val="phClr">
+                <a:tint val="80000"/>
+                <a:satMod val="300000"/>
+              </a:schemeClr>
+            </a:gs>
+            <a:gs pos="100000">
+              <a:schemeClr val="phClr">
+                <a:shade val="30000"/>
+                <a:satMod val="200000"/>
+              </a:schemeClr>
+            </a:gs>
+          </a:gsLst>
+          <a:path path="circle">
+            <a:fillToRect l="50000" t="50000" r="50000" b="50000"/>
+          </a:path>
         </a:gradFill>
       </a:bgFillStyleLst>
     </a:fmtScheme>
   </a:themeElements>
   <a:objectDefaults>
+    <a:spDef>
+      <a:spPr/>
+      <a:bodyPr/>
+      <a:lstStyle/>
+      <a:style>
+        <a:lnRef idx="1">
+          <a:schemeClr val="accent1"/>
+        </a:lnRef>
+        <a:fillRef idx="3">
+          <a:schemeClr val="accent1"/>
+        </a:fillRef>
+        <a:effectRef idx="2">
+          <a:schemeClr val="accent1"/>
+        </a:effectRef>
+        <a:fontRef idx="minor">
+          <a:schemeClr val="lt1"/>
+        </a:fontRef>
+      </a:style>
+    </a:spDef>
     <a:lnDef>
       <a:spPr/>
       <a:bodyPr/>
@@ -3722,10 +4584,5 @@
     </a:lnDef>
   </a:objectDefaults>
   <a:extraClrSchemeLst/>
-  <a:extLst>
-    <a:ext uri="{05A4C25C-085E-4340-85A3-A5531E510DB2}">
-      <thm15:themeFamily xmlns:thm15="http://schemas.microsoft.com/office/thememl/2012/main" name="Office Theme" id="{2E142A2C-CD16-42D6-873A-C26D2A0506FA}" vid="{1BDDFF52-6CD6-40A5-AB3C-68EB2F1E4D0A}"/>
-    </a:ext>
-  </a:extLst>
 </a:theme>
 </file>